--- a/Fourth Year/SEM VIII/Services Science & Service Operational Management - Prof. Anurag Nigam/Ppt's/Unit1.pptx
+++ b/Fourth Year/SEM VIII/Services Science & Service Operational Management - Prof. Anurag Nigam/Ppt's/Unit1.pptx
@@ -4,6 +4,9 @@
   <p:sldMasterIdLst>
     <p:sldMasterId id="2147483648" r:id="rId1"/>
   </p:sldMasterIdLst>
+  <p:notesMasterIdLst>
+    <p:notesMasterId r:id="rId47"/>
+  </p:notesMasterIdLst>
   <p:sldIdLst>
     <p:sldId id="256" r:id="rId2"/>
     <p:sldId id="257" r:id="rId3"/>
@@ -28,10 +31,28 @@
     <p:sldId id="265" r:id="rId22"/>
     <p:sldId id="266" r:id="rId23"/>
     <p:sldId id="267" r:id="rId24"/>
-    <p:sldId id="268" r:id="rId25"/>
-    <p:sldId id="269" r:id="rId26"/>
-    <p:sldId id="270" r:id="rId27"/>
-    <p:sldId id="271" r:id="rId28"/>
+    <p:sldId id="283" r:id="rId25"/>
+    <p:sldId id="284" r:id="rId26"/>
+    <p:sldId id="285" r:id="rId27"/>
+    <p:sldId id="286" r:id="rId28"/>
+    <p:sldId id="297" r:id="rId29"/>
+    <p:sldId id="298" r:id="rId30"/>
+    <p:sldId id="299" r:id="rId31"/>
+    <p:sldId id="294" r:id="rId32"/>
+    <p:sldId id="295" r:id="rId33"/>
+    <p:sldId id="300" r:id="rId34"/>
+    <p:sldId id="309" r:id="rId35"/>
+    <p:sldId id="310" r:id="rId36"/>
+    <p:sldId id="311" r:id="rId37"/>
+    <p:sldId id="312" r:id="rId38"/>
+    <p:sldId id="301" r:id="rId39"/>
+    <p:sldId id="302" r:id="rId40"/>
+    <p:sldId id="303" r:id="rId41"/>
+    <p:sldId id="304" r:id="rId42"/>
+    <p:sldId id="305" r:id="rId43"/>
+    <p:sldId id="306" r:id="rId44"/>
+    <p:sldId id="307" r:id="rId45"/>
+    <p:sldId id="308" r:id="rId46"/>
   </p:sldIdLst>
   <p:sldSz cx="12192000" cy="6858000"/>
   <p:notesSz cx="6858000" cy="9144000"/>
@@ -130,7 +151,446 @@
       </a:defRPr>
     </a:lvl9pPr>
   </p:defaultTextStyle>
+  <p:extLst>
+    <p:ext uri="{EFAFB233-063F-42B5-8137-9DF3F51BA10A}">
+      <p15:sldGuideLst xmlns:p15="http://schemas.microsoft.com/office/powerpoint/2012/main"/>
+    </p:ext>
+  </p:extLst>
 </p:presentation>
+</file>
+
+<file path=ppt/notesMasters/notesMaster1.xml><?xml version="1.0" encoding="utf-8"?>
+<p:notesMaster xmlns:a="http://schemas.openxmlformats.org/drawingml/2006/main" xmlns:r="http://schemas.openxmlformats.org/officeDocument/2006/relationships" xmlns:p="http://schemas.openxmlformats.org/presentationml/2006/main">
+  <p:cSld>
+    <p:bg>
+      <p:bgRef idx="1001">
+        <a:schemeClr val="bg1"/>
+      </p:bgRef>
+    </p:bg>
+    <p:spTree>
+      <p:nvGrpSpPr>
+        <p:cNvPr id="1" name=""/>
+        <p:cNvGrpSpPr/>
+        <p:nvPr/>
+      </p:nvGrpSpPr>
+      <p:grpSpPr>
+        <a:xfrm>
+          <a:off x="0" y="0"/>
+          <a:ext cx="0" cy="0"/>
+          <a:chOff x="0" y="0"/>
+          <a:chExt cx="0" cy="0"/>
+        </a:xfrm>
+      </p:grpSpPr>
+      <p:sp>
+        <p:nvSpPr>
+          <p:cNvPr id="2" name="Header Placeholder 1"/>
+          <p:cNvSpPr>
+            <a:spLocks noGrp="1"/>
+          </p:cNvSpPr>
+          <p:nvPr>
+            <p:ph type="hdr" sz="quarter"/>
+          </p:nvPr>
+        </p:nvSpPr>
+        <p:spPr>
+          <a:xfrm>
+            <a:off x="0" y="0"/>
+            <a:ext cx="2971800" cy="458788"/>
+          </a:xfrm>
+          <a:prstGeom prst="rect">
+            <a:avLst/>
+          </a:prstGeom>
+        </p:spPr>
+        <p:txBody>
+          <a:bodyPr vert="horz" lIns="91440" tIns="45720" rIns="91440" bIns="45720" rtlCol="0"/>
+          <a:lstStyle>
+            <a:lvl1pPr algn="l">
+              <a:defRPr sz="1200"/>
+            </a:lvl1pPr>
+          </a:lstStyle>
+          <a:p>
+            <a:endParaRPr lang="en-IN"/>
+          </a:p>
+        </p:txBody>
+      </p:sp>
+      <p:sp>
+        <p:nvSpPr>
+          <p:cNvPr id="3" name="Date Placeholder 2"/>
+          <p:cNvSpPr>
+            <a:spLocks noGrp="1"/>
+          </p:cNvSpPr>
+          <p:nvPr>
+            <p:ph type="dt" idx="1"/>
+          </p:nvPr>
+        </p:nvSpPr>
+        <p:spPr>
+          <a:xfrm>
+            <a:off x="3884613" y="0"/>
+            <a:ext cx="2971800" cy="458788"/>
+          </a:xfrm>
+          <a:prstGeom prst="rect">
+            <a:avLst/>
+          </a:prstGeom>
+        </p:spPr>
+        <p:txBody>
+          <a:bodyPr vert="horz" lIns="91440" tIns="45720" rIns="91440" bIns="45720" rtlCol="0"/>
+          <a:lstStyle>
+            <a:lvl1pPr algn="r">
+              <a:defRPr sz="1200"/>
+            </a:lvl1pPr>
+          </a:lstStyle>
+          <a:p>
+            <a:fld id="{B19E42A8-35A3-4D19-B540-C20A964BA305}" type="datetimeFigureOut">
+              <a:rPr lang="en-IN" smtClean="0"/>
+              <a:t>20-12-2022</a:t>
+            </a:fld>
+            <a:endParaRPr lang="en-IN"/>
+          </a:p>
+        </p:txBody>
+      </p:sp>
+      <p:sp>
+        <p:nvSpPr>
+          <p:cNvPr id="4" name="Slide Image Placeholder 3"/>
+          <p:cNvSpPr>
+            <a:spLocks noGrp="1" noRot="1" noChangeAspect="1"/>
+          </p:cNvSpPr>
+          <p:nvPr>
+            <p:ph type="sldImg" idx="2"/>
+          </p:nvPr>
+        </p:nvSpPr>
+        <p:spPr>
+          <a:xfrm>
+            <a:off x="685800" y="1143000"/>
+            <a:ext cx="5486400" cy="3086100"/>
+          </a:xfrm>
+          <a:prstGeom prst="rect">
+            <a:avLst/>
+          </a:prstGeom>
+          <a:noFill/>
+          <a:ln w="12700">
+            <a:solidFill>
+              <a:prstClr val="black"/>
+            </a:solidFill>
+          </a:ln>
+        </p:spPr>
+        <p:txBody>
+          <a:bodyPr vert="horz" lIns="91440" tIns="45720" rIns="91440" bIns="45720" rtlCol="0" anchor="ctr"/>
+          <a:lstStyle/>
+          <a:p>
+            <a:endParaRPr lang="en-IN"/>
+          </a:p>
+        </p:txBody>
+      </p:sp>
+      <p:sp>
+        <p:nvSpPr>
+          <p:cNvPr id="5" name="Notes Placeholder 4"/>
+          <p:cNvSpPr>
+            <a:spLocks noGrp="1"/>
+          </p:cNvSpPr>
+          <p:nvPr>
+            <p:ph type="body" sz="quarter" idx="3"/>
+          </p:nvPr>
+        </p:nvSpPr>
+        <p:spPr>
+          <a:xfrm>
+            <a:off x="685800" y="4400550"/>
+            <a:ext cx="5486400" cy="3600450"/>
+          </a:xfrm>
+          <a:prstGeom prst="rect">
+            <a:avLst/>
+          </a:prstGeom>
+        </p:spPr>
+        <p:txBody>
+          <a:bodyPr vert="horz" lIns="91440" tIns="45720" rIns="91440" bIns="45720" rtlCol="0"/>
+          <a:lstStyle/>
+          <a:p>
+            <a:pPr lvl="0"/>
+            <a:r>
+              <a:rPr lang="en-US"/>
+              <a:t>Edit Master text styles</a:t>
+            </a:r>
+          </a:p>
+          <a:p>
+            <a:pPr lvl="1"/>
+            <a:r>
+              <a:rPr lang="en-US"/>
+              <a:t>Second level</a:t>
+            </a:r>
+          </a:p>
+          <a:p>
+            <a:pPr lvl="2"/>
+            <a:r>
+              <a:rPr lang="en-US"/>
+              <a:t>Third level</a:t>
+            </a:r>
+          </a:p>
+          <a:p>
+            <a:pPr lvl="3"/>
+            <a:r>
+              <a:rPr lang="en-US"/>
+              <a:t>Fourth level</a:t>
+            </a:r>
+          </a:p>
+          <a:p>
+            <a:pPr lvl="4"/>
+            <a:r>
+              <a:rPr lang="en-US"/>
+              <a:t>Fifth level</a:t>
+            </a:r>
+            <a:endParaRPr lang="en-IN"/>
+          </a:p>
+        </p:txBody>
+      </p:sp>
+      <p:sp>
+        <p:nvSpPr>
+          <p:cNvPr id="6" name="Footer Placeholder 5"/>
+          <p:cNvSpPr>
+            <a:spLocks noGrp="1"/>
+          </p:cNvSpPr>
+          <p:nvPr>
+            <p:ph type="ftr" sz="quarter" idx="4"/>
+          </p:nvPr>
+        </p:nvSpPr>
+        <p:spPr>
+          <a:xfrm>
+            <a:off x="0" y="8685213"/>
+            <a:ext cx="2971800" cy="458787"/>
+          </a:xfrm>
+          <a:prstGeom prst="rect">
+            <a:avLst/>
+          </a:prstGeom>
+        </p:spPr>
+        <p:txBody>
+          <a:bodyPr vert="horz" lIns="91440" tIns="45720" rIns="91440" bIns="45720" rtlCol="0" anchor="b"/>
+          <a:lstStyle>
+            <a:lvl1pPr algn="l">
+              <a:defRPr sz="1200"/>
+            </a:lvl1pPr>
+          </a:lstStyle>
+          <a:p>
+            <a:endParaRPr lang="en-IN"/>
+          </a:p>
+        </p:txBody>
+      </p:sp>
+      <p:sp>
+        <p:nvSpPr>
+          <p:cNvPr id="7" name="Slide Number Placeholder 6"/>
+          <p:cNvSpPr>
+            <a:spLocks noGrp="1"/>
+          </p:cNvSpPr>
+          <p:nvPr>
+            <p:ph type="sldNum" sz="quarter" idx="5"/>
+          </p:nvPr>
+        </p:nvSpPr>
+        <p:spPr>
+          <a:xfrm>
+            <a:off x="3884613" y="8685213"/>
+            <a:ext cx="2971800" cy="458787"/>
+          </a:xfrm>
+          <a:prstGeom prst="rect">
+            <a:avLst/>
+          </a:prstGeom>
+        </p:spPr>
+        <p:txBody>
+          <a:bodyPr vert="horz" lIns="91440" tIns="45720" rIns="91440" bIns="45720" rtlCol="0" anchor="b"/>
+          <a:lstStyle>
+            <a:lvl1pPr algn="r">
+              <a:defRPr sz="1200"/>
+            </a:lvl1pPr>
+          </a:lstStyle>
+          <a:p>
+            <a:fld id="{5C1B6D30-C815-4869-BA05-D6DD6C362F16}" type="slidenum">
+              <a:rPr lang="en-IN" smtClean="0"/>
+              <a:t>‹#›</a:t>
+            </a:fld>
+            <a:endParaRPr lang="en-IN"/>
+          </a:p>
+        </p:txBody>
+      </p:sp>
+    </p:spTree>
+    <p:extLst>
+      <p:ext uri="{BB962C8B-B14F-4D97-AF65-F5344CB8AC3E}">
+        <p14:creationId xmlns:p14="http://schemas.microsoft.com/office/powerpoint/2010/main" val="1022521322"/>
+      </p:ext>
+    </p:extLst>
+  </p:cSld>
+  <p:clrMap bg1="lt1" tx1="dk1" bg2="lt2" tx2="dk2" accent1="accent1" accent2="accent2" accent3="accent3" accent4="accent4" accent5="accent5" accent6="accent6" hlink="hlink" folHlink="folHlink"/>
+  <p:notesStyle>
+    <a:lvl1pPr marL="0" algn="l" defTabSz="914400" rtl="0" eaLnBrk="1" latinLnBrk="0" hangingPunct="1">
+      <a:defRPr sz="1200" kern="1200">
+        <a:solidFill>
+          <a:schemeClr val="tx1"/>
+        </a:solidFill>
+        <a:latin typeface="+mn-lt"/>
+        <a:ea typeface="+mn-ea"/>
+        <a:cs typeface="+mn-cs"/>
+      </a:defRPr>
+    </a:lvl1pPr>
+    <a:lvl2pPr marL="457200" algn="l" defTabSz="914400" rtl="0" eaLnBrk="1" latinLnBrk="0" hangingPunct="1">
+      <a:defRPr sz="1200" kern="1200">
+        <a:solidFill>
+          <a:schemeClr val="tx1"/>
+        </a:solidFill>
+        <a:latin typeface="+mn-lt"/>
+        <a:ea typeface="+mn-ea"/>
+        <a:cs typeface="+mn-cs"/>
+      </a:defRPr>
+    </a:lvl2pPr>
+    <a:lvl3pPr marL="914400" algn="l" defTabSz="914400" rtl="0" eaLnBrk="1" latinLnBrk="0" hangingPunct="1">
+      <a:defRPr sz="1200" kern="1200">
+        <a:solidFill>
+          <a:schemeClr val="tx1"/>
+        </a:solidFill>
+        <a:latin typeface="+mn-lt"/>
+        <a:ea typeface="+mn-ea"/>
+        <a:cs typeface="+mn-cs"/>
+      </a:defRPr>
+    </a:lvl3pPr>
+    <a:lvl4pPr marL="1371600" algn="l" defTabSz="914400" rtl="0" eaLnBrk="1" latinLnBrk="0" hangingPunct="1">
+      <a:defRPr sz="1200" kern="1200">
+        <a:solidFill>
+          <a:schemeClr val="tx1"/>
+        </a:solidFill>
+        <a:latin typeface="+mn-lt"/>
+        <a:ea typeface="+mn-ea"/>
+        <a:cs typeface="+mn-cs"/>
+      </a:defRPr>
+    </a:lvl4pPr>
+    <a:lvl5pPr marL="1828800" algn="l" defTabSz="914400" rtl="0" eaLnBrk="1" latinLnBrk="0" hangingPunct="1">
+      <a:defRPr sz="1200" kern="1200">
+        <a:solidFill>
+          <a:schemeClr val="tx1"/>
+        </a:solidFill>
+        <a:latin typeface="+mn-lt"/>
+        <a:ea typeface="+mn-ea"/>
+        <a:cs typeface="+mn-cs"/>
+      </a:defRPr>
+    </a:lvl5pPr>
+    <a:lvl6pPr marL="2286000" algn="l" defTabSz="914400" rtl="0" eaLnBrk="1" latinLnBrk="0" hangingPunct="1">
+      <a:defRPr sz="1200" kern="1200">
+        <a:solidFill>
+          <a:schemeClr val="tx1"/>
+        </a:solidFill>
+        <a:latin typeface="+mn-lt"/>
+        <a:ea typeface="+mn-ea"/>
+        <a:cs typeface="+mn-cs"/>
+      </a:defRPr>
+    </a:lvl6pPr>
+    <a:lvl7pPr marL="2743200" algn="l" defTabSz="914400" rtl="0" eaLnBrk="1" latinLnBrk="0" hangingPunct="1">
+      <a:defRPr sz="1200" kern="1200">
+        <a:solidFill>
+          <a:schemeClr val="tx1"/>
+        </a:solidFill>
+        <a:latin typeface="+mn-lt"/>
+        <a:ea typeface="+mn-ea"/>
+        <a:cs typeface="+mn-cs"/>
+      </a:defRPr>
+    </a:lvl7pPr>
+    <a:lvl8pPr marL="3200400" algn="l" defTabSz="914400" rtl="0" eaLnBrk="1" latinLnBrk="0" hangingPunct="1">
+      <a:defRPr sz="1200" kern="1200">
+        <a:solidFill>
+          <a:schemeClr val="tx1"/>
+        </a:solidFill>
+        <a:latin typeface="+mn-lt"/>
+        <a:ea typeface="+mn-ea"/>
+        <a:cs typeface="+mn-cs"/>
+      </a:defRPr>
+    </a:lvl8pPr>
+    <a:lvl9pPr marL="3657600" algn="l" defTabSz="914400" rtl="0" eaLnBrk="1" latinLnBrk="0" hangingPunct="1">
+      <a:defRPr sz="1200" kern="1200">
+        <a:solidFill>
+          <a:schemeClr val="tx1"/>
+        </a:solidFill>
+        <a:latin typeface="+mn-lt"/>
+        <a:ea typeface="+mn-ea"/>
+        <a:cs typeface="+mn-cs"/>
+      </a:defRPr>
+    </a:lvl9pPr>
+  </p:notesStyle>
+</p:notesMaster>
+</file>
+
+<file path=ppt/notesSlides/notesSlide1.xml><?xml version="1.0" encoding="utf-8"?>
+<p:notes xmlns:a="http://schemas.openxmlformats.org/drawingml/2006/main" xmlns:r="http://schemas.openxmlformats.org/officeDocument/2006/relationships" xmlns:p="http://schemas.openxmlformats.org/presentationml/2006/main">
+  <p:cSld>
+    <p:spTree>
+      <p:nvGrpSpPr>
+        <p:cNvPr id="1" name=""/>
+        <p:cNvGrpSpPr/>
+        <p:nvPr/>
+      </p:nvGrpSpPr>
+      <p:grpSpPr>
+        <a:xfrm>
+          <a:off x="0" y="0"/>
+          <a:ext cx="0" cy="0"/>
+          <a:chOff x="0" y="0"/>
+          <a:chExt cx="0" cy="0"/>
+        </a:xfrm>
+      </p:grpSpPr>
+      <p:sp>
+        <p:nvSpPr>
+          <p:cNvPr id="2" name="Slide Image Placeholder 1"/>
+          <p:cNvSpPr>
+            <a:spLocks noGrp="1" noRot="1" noChangeAspect="1"/>
+          </p:cNvSpPr>
+          <p:nvPr>
+            <p:ph type="sldImg"/>
+          </p:nvPr>
+        </p:nvSpPr>
+        <p:spPr/>
+      </p:sp>
+      <p:sp>
+        <p:nvSpPr>
+          <p:cNvPr id="3" name="Notes Placeholder 2"/>
+          <p:cNvSpPr>
+            <a:spLocks noGrp="1"/>
+          </p:cNvSpPr>
+          <p:nvPr>
+            <p:ph type="body" idx="1"/>
+          </p:nvPr>
+        </p:nvSpPr>
+        <p:spPr/>
+        <p:txBody>
+          <a:bodyPr/>
+          <a:lstStyle/>
+          <a:p>
+            <a:endParaRPr lang="en-IN" dirty="0"/>
+          </a:p>
+        </p:txBody>
+      </p:sp>
+      <p:sp>
+        <p:nvSpPr>
+          <p:cNvPr id="4" name="Slide Number Placeholder 3"/>
+          <p:cNvSpPr>
+            <a:spLocks noGrp="1"/>
+          </p:cNvSpPr>
+          <p:nvPr>
+            <p:ph type="sldNum" sz="quarter" idx="10"/>
+          </p:nvPr>
+        </p:nvSpPr>
+        <p:spPr/>
+        <p:txBody>
+          <a:bodyPr/>
+          <a:lstStyle/>
+          <a:p>
+            <a:fld id="{5C1B6D30-C815-4869-BA05-D6DD6C362F16}" type="slidenum">
+              <a:rPr lang="en-IN" smtClean="0"/>
+              <a:t>37</a:t>
+            </a:fld>
+            <a:endParaRPr lang="en-IN"/>
+          </a:p>
+        </p:txBody>
+      </p:sp>
+    </p:spTree>
+    <p:extLst>
+      <p:ext uri="{BB962C8B-B14F-4D97-AF65-F5344CB8AC3E}">
+        <p14:creationId xmlns:p14="http://schemas.microsoft.com/office/powerpoint/2010/main" val="3177805895"/>
+      </p:ext>
+    </p:extLst>
+  </p:cSld>
+  <p:clrMapOvr>
+    <a:masterClrMapping/>
+  </p:clrMapOvr>
+</p:notes>
 </file>
 
 <file path=ppt/slideLayouts/slideLayout1.xml><?xml version="1.0" encoding="utf-8"?>
@@ -175,7 +635,7 @@
           </a:lstStyle>
           <a:p>
             <a:r>
-              <a:rPr lang="en-US" smtClean="0"/>
+              <a:rPr lang="en-US"/>
               <a:t>Click to edit Master title style</a:t>
             </a:r>
             <a:endParaRPr lang="en-IN"/>
@@ -240,7 +700,7 @@
           </a:lstStyle>
           <a:p>
             <a:r>
-              <a:rPr lang="en-US" smtClean="0"/>
+              <a:rPr lang="en-US"/>
               <a:t>Click to edit Master subtitle style</a:t>
             </a:r>
             <a:endParaRPr lang="en-IN"/>
@@ -264,7 +724,7 @@
           <a:p>
             <a:fld id="{21CD6B1B-D1BD-41CC-BBB3-E31DF044C668}" type="datetimeFigureOut">
               <a:rPr lang="en-IN" smtClean="0"/>
-              <a:t>15-12-2022</a:t>
+              <a:t>20-12-2022</a:t>
             </a:fld>
             <a:endParaRPr lang="en-IN"/>
           </a:p>
@@ -358,7 +818,7 @@
           <a:lstStyle/>
           <a:p>
             <a:r>
-              <a:rPr lang="en-US" smtClean="0"/>
+              <a:rPr lang="en-US"/>
               <a:t>Click to edit Master title style</a:t>
             </a:r>
             <a:endParaRPr lang="en-IN"/>
@@ -382,35 +842,35 @@
           <a:p>
             <a:pPr lvl="0"/>
             <a:r>
-              <a:rPr lang="en-US" smtClean="0"/>
+              <a:rPr lang="en-US"/>
               <a:t>Edit Master text styles</a:t>
             </a:r>
           </a:p>
           <a:p>
             <a:pPr lvl="1"/>
             <a:r>
-              <a:rPr lang="en-US" smtClean="0"/>
+              <a:rPr lang="en-US"/>
               <a:t>Second level</a:t>
             </a:r>
           </a:p>
           <a:p>
             <a:pPr lvl="2"/>
             <a:r>
-              <a:rPr lang="en-US" smtClean="0"/>
+              <a:rPr lang="en-US"/>
               <a:t>Third level</a:t>
             </a:r>
           </a:p>
           <a:p>
             <a:pPr lvl="3"/>
             <a:r>
-              <a:rPr lang="en-US" smtClean="0"/>
+              <a:rPr lang="en-US"/>
               <a:t>Fourth level</a:t>
             </a:r>
           </a:p>
           <a:p>
             <a:pPr lvl="4"/>
             <a:r>
-              <a:rPr lang="en-US" smtClean="0"/>
+              <a:rPr lang="en-US"/>
               <a:t>Fifth level</a:t>
             </a:r>
             <a:endParaRPr lang="en-IN"/>
@@ -434,7 +894,7 @@
           <a:p>
             <a:fld id="{21CD6B1B-D1BD-41CC-BBB3-E31DF044C668}" type="datetimeFigureOut">
               <a:rPr lang="en-IN" smtClean="0"/>
-              <a:t>15-12-2022</a:t>
+              <a:t>20-12-2022</a:t>
             </a:fld>
             <a:endParaRPr lang="en-IN"/>
           </a:p>
@@ -533,7 +993,7 @@
           <a:lstStyle/>
           <a:p>
             <a:r>
-              <a:rPr lang="en-US" smtClean="0"/>
+              <a:rPr lang="en-US"/>
               <a:t>Click to edit Master title style</a:t>
             </a:r>
             <a:endParaRPr lang="en-IN"/>
@@ -562,35 +1022,35 @@
           <a:p>
             <a:pPr lvl="0"/>
             <a:r>
-              <a:rPr lang="en-US" smtClean="0"/>
+              <a:rPr lang="en-US"/>
               <a:t>Edit Master text styles</a:t>
             </a:r>
           </a:p>
           <a:p>
             <a:pPr lvl="1"/>
             <a:r>
-              <a:rPr lang="en-US" smtClean="0"/>
+              <a:rPr lang="en-US"/>
               <a:t>Second level</a:t>
             </a:r>
           </a:p>
           <a:p>
             <a:pPr lvl="2"/>
             <a:r>
-              <a:rPr lang="en-US" smtClean="0"/>
+              <a:rPr lang="en-US"/>
               <a:t>Third level</a:t>
             </a:r>
           </a:p>
           <a:p>
             <a:pPr lvl="3"/>
             <a:r>
-              <a:rPr lang="en-US" smtClean="0"/>
+              <a:rPr lang="en-US"/>
               <a:t>Fourth level</a:t>
             </a:r>
           </a:p>
           <a:p>
             <a:pPr lvl="4"/>
             <a:r>
-              <a:rPr lang="en-US" smtClean="0"/>
+              <a:rPr lang="en-US"/>
               <a:t>Fifth level</a:t>
             </a:r>
             <a:endParaRPr lang="en-IN"/>
@@ -614,7 +1074,7 @@
           <a:p>
             <a:fld id="{21CD6B1B-D1BD-41CC-BBB3-E31DF044C668}" type="datetimeFigureOut">
               <a:rPr lang="en-IN" smtClean="0"/>
-              <a:t>15-12-2022</a:t>
+              <a:t>20-12-2022</a:t>
             </a:fld>
             <a:endParaRPr lang="en-IN"/>
           </a:p>
@@ -708,7 +1168,7 @@
           <a:lstStyle/>
           <a:p>
             <a:r>
-              <a:rPr lang="en-US" smtClean="0"/>
+              <a:rPr lang="en-US"/>
               <a:t>Click to edit Master title style</a:t>
             </a:r>
             <a:endParaRPr lang="en-IN"/>
@@ -732,35 +1192,35 @@
           <a:p>
             <a:pPr lvl="0"/>
             <a:r>
-              <a:rPr lang="en-US" smtClean="0"/>
+              <a:rPr lang="en-US"/>
               <a:t>Edit Master text styles</a:t>
             </a:r>
           </a:p>
           <a:p>
             <a:pPr lvl="1"/>
             <a:r>
-              <a:rPr lang="en-US" smtClean="0"/>
+              <a:rPr lang="en-US"/>
               <a:t>Second level</a:t>
             </a:r>
           </a:p>
           <a:p>
             <a:pPr lvl="2"/>
             <a:r>
-              <a:rPr lang="en-US" smtClean="0"/>
+              <a:rPr lang="en-US"/>
               <a:t>Third level</a:t>
             </a:r>
           </a:p>
           <a:p>
             <a:pPr lvl="3"/>
             <a:r>
-              <a:rPr lang="en-US" smtClean="0"/>
+              <a:rPr lang="en-US"/>
               <a:t>Fourth level</a:t>
             </a:r>
           </a:p>
           <a:p>
             <a:pPr lvl="4"/>
             <a:r>
-              <a:rPr lang="en-US" smtClean="0"/>
+              <a:rPr lang="en-US"/>
               <a:t>Fifth level</a:t>
             </a:r>
             <a:endParaRPr lang="en-IN"/>
@@ -784,7 +1244,7 @@
           <a:p>
             <a:fld id="{21CD6B1B-D1BD-41CC-BBB3-E31DF044C668}" type="datetimeFigureOut">
               <a:rPr lang="en-IN" smtClean="0"/>
-              <a:t>15-12-2022</a:t>
+              <a:t>20-12-2022</a:t>
             </a:fld>
             <a:endParaRPr lang="en-IN"/>
           </a:p>
@@ -887,7 +1347,7 @@
           </a:lstStyle>
           <a:p>
             <a:r>
-              <a:rPr lang="en-US" smtClean="0"/>
+              <a:rPr lang="en-US"/>
               <a:t>Click to edit Master title style</a:t>
             </a:r>
             <a:endParaRPr lang="en-IN"/>
@@ -1007,7 +1467,7 @@
           <a:p>
             <a:pPr lvl="0"/>
             <a:r>
-              <a:rPr lang="en-US" smtClean="0"/>
+              <a:rPr lang="en-US"/>
               <a:t>Edit Master text styles</a:t>
             </a:r>
           </a:p>
@@ -1030,7 +1490,7 @@
           <a:p>
             <a:fld id="{21CD6B1B-D1BD-41CC-BBB3-E31DF044C668}" type="datetimeFigureOut">
               <a:rPr lang="en-IN" smtClean="0"/>
-              <a:t>15-12-2022</a:t>
+              <a:t>20-12-2022</a:t>
             </a:fld>
             <a:endParaRPr lang="en-IN"/>
           </a:p>
@@ -1124,7 +1584,7 @@
           <a:lstStyle/>
           <a:p>
             <a:r>
-              <a:rPr lang="en-US" smtClean="0"/>
+              <a:rPr lang="en-US"/>
               <a:t>Click to edit Master title style</a:t>
             </a:r>
             <a:endParaRPr lang="en-IN"/>
@@ -1153,35 +1613,35 @@
           <a:p>
             <a:pPr lvl="0"/>
             <a:r>
-              <a:rPr lang="en-US" smtClean="0"/>
+              <a:rPr lang="en-US"/>
               <a:t>Edit Master text styles</a:t>
             </a:r>
           </a:p>
           <a:p>
             <a:pPr lvl="1"/>
             <a:r>
-              <a:rPr lang="en-US" smtClean="0"/>
+              <a:rPr lang="en-US"/>
               <a:t>Second level</a:t>
             </a:r>
           </a:p>
           <a:p>
             <a:pPr lvl="2"/>
             <a:r>
-              <a:rPr lang="en-US" smtClean="0"/>
+              <a:rPr lang="en-US"/>
               <a:t>Third level</a:t>
             </a:r>
           </a:p>
           <a:p>
             <a:pPr lvl="3"/>
             <a:r>
-              <a:rPr lang="en-US" smtClean="0"/>
+              <a:rPr lang="en-US"/>
               <a:t>Fourth level</a:t>
             </a:r>
           </a:p>
           <a:p>
             <a:pPr lvl="4"/>
             <a:r>
-              <a:rPr lang="en-US" smtClean="0"/>
+              <a:rPr lang="en-US"/>
               <a:t>Fifth level</a:t>
             </a:r>
             <a:endParaRPr lang="en-IN"/>
@@ -1210,35 +1670,35 @@
           <a:p>
             <a:pPr lvl="0"/>
             <a:r>
-              <a:rPr lang="en-US" smtClean="0"/>
+              <a:rPr lang="en-US"/>
               <a:t>Edit Master text styles</a:t>
             </a:r>
           </a:p>
           <a:p>
             <a:pPr lvl="1"/>
             <a:r>
-              <a:rPr lang="en-US" smtClean="0"/>
+              <a:rPr lang="en-US"/>
               <a:t>Second level</a:t>
             </a:r>
           </a:p>
           <a:p>
             <a:pPr lvl="2"/>
             <a:r>
-              <a:rPr lang="en-US" smtClean="0"/>
+              <a:rPr lang="en-US"/>
               <a:t>Third level</a:t>
             </a:r>
           </a:p>
           <a:p>
             <a:pPr lvl="3"/>
             <a:r>
-              <a:rPr lang="en-US" smtClean="0"/>
+              <a:rPr lang="en-US"/>
               <a:t>Fourth level</a:t>
             </a:r>
           </a:p>
           <a:p>
             <a:pPr lvl="4"/>
             <a:r>
-              <a:rPr lang="en-US" smtClean="0"/>
+              <a:rPr lang="en-US"/>
               <a:t>Fifth level</a:t>
             </a:r>
             <a:endParaRPr lang="en-IN"/>
@@ -1262,7 +1722,7 @@
           <a:p>
             <a:fld id="{21CD6B1B-D1BD-41CC-BBB3-E31DF044C668}" type="datetimeFigureOut">
               <a:rPr lang="en-IN" smtClean="0"/>
-              <a:t>15-12-2022</a:t>
+              <a:t>20-12-2022</a:t>
             </a:fld>
             <a:endParaRPr lang="en-IN"/>
           </a:p>
@@ -1361,7 +1821,7 @@
           <a:lstStyle/>
           <a:p>
             <a:r>
-              <a:rPr lang="en-US" smtClean="0"/>
+              <a:rPr lang="en-US"/>
               <a:t>Click to edit Master title style</a:t>
             </a:r>
             <a:endParaRPr lang="en-IN"/>
@@ -1427,7 +1887,7 @@
           <a:p>
             <a:pPr lvl="0"/>
             <a:r>
-              <a:rPr lang="en-US" smtClean="0"/>
+              <a:rPr lang="en-US"/>
               <a:t>Edit Master text styles</a:t>
             </a:r>
           </a:p>
@@ -1455,35 +1915,35 @@
           <a:p>
             <a:pPr lvl="0"/>
             <a:r>
-              <a:rPr lang="en-US" smtClean="0"/>
+              <a:rPr lang="en-US"/>
               <a:t>Edit Master text styles</a:t>
             </a:r>
           </a:p>
           <a:p>
             <a:pPr lvl="1"/>
             <a:r>
-              <a:rPr lang="en-US" smtClean="0"/>
+              <a:rPr lang="en-US"/>
               <a:t>Second level</a:t>
             </a:r>
           </a:p>
           <a:p>
             <a:pPr lvl="2"/>
             <a:r>
-              <a:rPr lang="en-US" smtClean="0"/>
+              <a:rPr lang="en-US"/>
               <a:t>Third level</a:t>
             </a:r>
           </a:p>
           <a:p>
             <a:pPr lvl="3"/>
             <a:r>
-              <a:rPr lang="en-US" smtClean="0"/>
+              <a:rPr lang="en-US"/>
               <a:t>Fourth level</a:t>
             </a:r>
           </a:p>
           <a:p>
             <a:pPr lvl="4"/>
             <a:r>
-              <a:rPr lang="en-US" smtClean="0"/>
+              <a:rPr lang="en-US"/>
               <a:t>Fifth level</a:t>
             </a:r>
             <a:endParaRPr lang="en-IN"/>
@@ -1549,7 +2009,7 @@
           <a:p>
             <a:pPr lvl="0"/>
             <a:r>
-              <a:rPr lang="en-US" smtClean="0"/>
+              <a:rPr lang="en-US"/>
               <a:t>Edit Master text styles</a:t>
             </a:r>
           </a:p>
@@ -1577,35 +2037,35 @@
           <a:p>
             <a:pPr lvl="0"/>
             <a:r>
-              <a:rPr lang="en-US" smtClean="0"/>
+              <a:rPr lang="en-US"/>
               <a:t>Edit Master text styles</a:t>
             </a:r>
           </a:p>
           <a:p>
             <a:pPr lvl="1"/>
             <a:r>
-              <a:rPr lang="en-US" smtClean="0"/>
+              <a:rPr lang="en-US"/>
               <a:t>Second level</a:t>
             </a:r>
           </a:p>
           <a:p>
             <a:pPr lvl="2"/>
             <a:r>
-              <a:rPr lang="en-US" smtClean="0"/>
+              <a:rPr lang="en-US"/>
               <a:t>Third level</a:t>
             </a:r>
           </a:p>
           <a:p>
             <a:pPr lvl="3"/>
             <a:r>
-              <a:rPr lang="en-US" smtClean="0"/>
+              <a:rPr lang="en-US"/>
               <a:t>Fourth level</a:t>
             </a:r>
           </a:p>
           <a:p>
             <a:pPr lvl="4"/>
             <a:r>
-              <a:rPr lang="en-US" smtClean="0"/>
+              <a:rPr lang="en-US"/>
               <a:t>Fifth level</a:t>
             </a:r>
             <a:endParaRPr lang="en-IN"/>
@@ -1629,7 +2089,7 @@
           <a:p>
             <a:fld id="{21CD6B1B-D1BD-41CC-BBB3-E31DF044C668}" type="datetimeFigureOut">
               <a:rPr lang="en-IN" smtClean="0"/>
-              <a:t>15-12-2022</a:t>
+              <a:t>20-12-2022</a:t>
             </a:fld>
             <a:endParaRPr lang="en-IN"/>
           </a:p>
@@ -1723,7 +2183,7 @@
           <a:lstStyle/>
           <a:p>
             <a:r>
-              <a:rPr lang="en-US" smtClean="0"/>
+              <a:rPr lang="en-US"/>
               <a:t>Click to edit Master title style</a:t>
             </a:r>
             <a:endParaRPr lang="en-IN"/>
@@ -1747,7 +2207,7 @@
           <a:p>
             <a:fld id="{21CD6B1B-D1BD-41CC-BBB3-E31DF044C668}" type="datetimeFigureOut">
               <a:rPr lang="en-IN" smtClean="0"/>
-              <a:t>15-12-2022</a:t>
+              <a:t>20-12-2022</a:t>
             </a:fld>
             <a:endParaRPr lang="en-IN"/>
           </a:p>
@@ -1842,7 +2302,7 @@
           <a:p>
             <a:fld id="{21CD6B1B-D1BD-41CC-BBB3-E31DF044C668}" type="datetimeFigureOut">
               <a:rPr lang="en-IN" smtClean="0"/>
-              <a:t>15-12-2022</a:t>
+              <a:t>20-12-2022</a:t>
             </a:fld>
             <a:endParaRPr lang="en-IN"/>
           </a:p>
@@ -1945,7 +2405,7 @@
           </a:lstStyle>
           <a:p>
             <a:r>
-              <a:rPr lang="en-US" smtClean="0"/>
+              <a:rPr lang="en-US"/>
               <a:t>Click to edit Master title style</a:t>
             </a:r>
             <a:endParaRPr lang="en-IN"/>
@@ -2002,35 +2462,35 @@
           <a:p>
             <a:pPr lvl="0"/>
             <a:r>
-              <a:rPr lang="en-US" smtClean="0"/>
+              <a:rPr lang="en-US"/>
               <a:t>Edit Master text styles</a:t>
             </a:r>
           </a:p>
           <a:p>
             <a:pPr lvl="1"/>
             <a:r>
-              <a:rPr lang="en-US" smtClean="0"/>
+              <a:rPr lang="en-US"/>
               <a:t>Second level</a:t>
             </a:r>
           </a:p>
           <a:p>
             <a:pPr lvl="2"/>
             <a:r>
-              <a:rPr lang="en-US" smtClean="0"/>
+              <a:rPr lang="en-US"/>
               <a:t>Third level</a:t>
             </a:r>
           </a:p>
           <a:p>
             <a:pPr lvl="3"/>
             <a:r>
-              <a:rPr lang="en-US" smtClean="0"/>
+              <a:rPr lang="en-US"/>
               <a:t>Fourth level</a:t>
             </a:r>
           </a:p>
           <a:p>
             <a:pPr lvl="4"/>
             <a:r>
-              <a:rPr lang="en-US" smtClean="0"/>
+              <a:rPr lang="en-US"/>
               <a:t>Fifth level</a:t>
             </a:r>
             <a:endParaRPr lang="en-IN"/>
@@ -2096,7 +2556,7 @@
           <a:p>
             <a:pPr lvl="0"/>
             <a:r>
-              <a:rPr lang="en-US" smtClean="0"/>
+              <a:rPr lang="en-US"/>
               <a:t>Edit Master text styles</a:t>
             </a:r>
           </a:p>
@@ -2119,7 +2579,7 @@
           <a:p>
             <a:fld id="{21CD6B1B-D1BD-41CC-BBB3-E31DF044C668}" type="datetimeFigureOut">
               <a:rPr lang="en-IN" smtClean="0"/>
-              <a:t>15-12-2022</a:t>
+              <a:t>20-12-2022</a:t>
             </a:fld>
             <a:endParaRPr lang="en-IN"/>
           </a:p>
@@ -2222,7 +2682,7 @@
           </a:lstStyle>
           <a:p>
             <a:r>
-              <a:rPr lang="en-US" smtClean="0"/>
+              <a:rPr lang="en-US"/>
               <a:t>Click to edit Master title style</a:t>
             </a:r>
             <a:endParaRPr lang="en-IN"/>
@@ -2349,7 +2809,7 @@
           <a:p>
             <a:pPr lvl="0"/>
             <a:r>
-              <a:rPr lang="en-US" smtClean="0"/>
+              <a:rPr lang="en-US"/>
               <a:t>Edit Master text styles</a:t>
             </a:r>
           </a:p>
@@ -2372,7 +2832,7 @@
           <a:p>
             <a:fld id="{21CD6B1B-D1BD-41CC-BBB3-E31DF044C668}" type="datetimeFigureOut">
               <a:rPr lang="en-IN" smtClean="0"/>
-              <a:t>15-12-2022</a:t>
+              <a:t>20-12-2022</a:t>
             </a:fld>
             <a:endParaRPr lang="en-IN"/>
           </a:p>
@@ -2481,7 +2941,7 @@
           <a:lstStyle/>
           <a:p>
             <a:r>
-              <a:rPr lang="en-US" smtClean="0"/>
+              <a:rPr lang="en-US"/>
               <a:t>Click to edit Master title style</a:t>
             </a:r>
             <a:endParaRPr lang="en-IN"/>
@@ -2515,35 +2975,35 @@
           <a:p>
             <a:pPr lvl="0"/>
             <a:r>
-              <a:rPr lang="en-US" smtClean="0"/>
+              <a:rPr lang="en-US"/>
               <a:t>Edit Master text styles</a:t>
             </a:r>
           </a:p>
           <a:p>
             <a:pPr lvl="1"/>
             <a:r>
-              <a:rPr lang="en-US" smtClean="0"/>
+              <a:rPr lang="en-US"/>
               <a:t>Second level</a:t>
             </a:r>
           </a:p>
           <a:p>
             <a:pPr lvl="2"/>
             <a:r>
-              <a:rPr lang="en-US" smtClean="0"/>
+              <a:rPr lang="en-US"/>
               <a:t>Third level</a:t>
             </a:r>
           </a:p>
           <a:p>
             <a:pPr lvl="3"/>
             <a:r>
-              <a:rPr lang="en-US" smtClean="0"/>
+              <a:rPr lang="en-US"/>
               <a:t>Fourth level</a:t>
             </a:r>
           </a:p>
           <a:p>
             <a:pPr lvl="4"/>
             <a:r>
-              <a:rPr lang="en-US" smtClean="0"/>
+              <a:rPr lang="en-US"/>
               <a:t>Fifth level</a:t>
             </a:r>
             <a:endParaRPr lang="en-IN"/>
@@ -2585,7 +3045,7 @@
           <a:p>
             <a:fld id="{21CD6B1B-D1BD-41CC-BBB3-E31DF044C668}" type="datetimeFigureOut">
               <a:rPr lang="en-IN" smtClean="0"/>
-              <a:t>15-12-2022</a:t>
+              <a:t>20-12-2022</a:t>
             </a:fld>
             <a:endParaRPr lang="en-IN"/>
           </a:p>
@@ -3006,10 +3466,9 @@
           <a:lstStyle/>
           <a:p>
             <a:r>
-              <a:rPr lang="en-IN" dirty="0" smtClean="0"/>
+              <a:rPr lang="en-IN" dirty="0"/>
               <a:t>Services Science &amp; Service Operational Management</a:t>
             </a:r>
-            <a:endParaRPr lang="en-IN" dirty="0"/>
           </a:p>
         </p:txBody>
       </p:sp>
@@ -3029,10 +3488,9 @@
           <a:lstStyle/>
           <a:p>
             <a:r>
-              <a:rPr lang="en-IN" dirty="0" smtClean="0"/>
+              <a:rPr lang="en-IN" dirty="0"/>
               <a:t>CSBS VIII Sem</a:t>
             </a:r>
-            <a:endParaRPr lang="en-IN" dirty="0"/>
           </a:p>
         </p:txBody>
       </p:sp>
@@ -3088,10 +3546,9 @@
           <a:lstStyle/>
           <a:p>
             <a:r>
-              <a:rPr lang="en-IN" sz="2800" b="1" dirty="0" smtClean="0"/>
+              <a:rPr lang="en-IN" sz="2800" b="1" dirty="0"/>
               <a:t>Introduction</a:t>
             </a:r>
-            <a:endParaRPr lang="en-IN" sz="2800" b="1" dirty="0"/>
           </a:p>
         </p:txBody>
       </p:sp>
@@ -3224,13 +3681,7 @@
                         <a:rPr lang="en-IN" sz="2800" b="1" u="none" strike="noStrike" dirty="0">
                           <a:effectLst/>
                         </a:rPr>
-                        <a:t>Types of </a:t>
-                      </a:r>
-                      <a:r>
-                        <a:rPr lang="en-IN" sz="2800" b="1" u="none" strike="noStrike" dirty="0" smtClean="0">
-                          <a:effectLst/>
-                        </a:rPr>
-                        <a:t>Services</a:t>
+                        <a:t>Types of Services</a:t>
                       </a:r>
                       <a:endParaRPr lang="en-IN" sz="2800" b="1" i="0" u="none" strike="noStrike" dirty="0">
                         <a:solidFill>
@@ -4512,10 +4963,9 @@
           <a:lstStyle/>
           <a:p>
             <a:r>
-              <a:rPr lang="en-IN" sz="2800" b="1" dirty="0" smtClean="0"/>
+              <a:rPr lang="en-IN" sz="2800" b="1" dirty="0"/>
               <a:t>Introduction</a:t>
             </a:r>
-            <a:endParaRPr lang="en-IN" sz="2800" b="1" dirty="0"/>
           </a:p>
         </p:txBody>
       </p:sp>
@@ -4577,13 +5027,7 @@
                         <a:rPr lang="en-IN" sz="2800" b="1" u="none" strike="noStrike" dirty="0">
                           <a:effectLst/>
                         </a:rPr>
-                        <a:t>Types of </a:t>
-                      </a:r>
-                      <a:r>
-                        <a:rPr lang="en-IN" sz="2800" b="1" u="none" strike="noStrike" dirty="0" smtClean="0">
-                          <a:effectLst/>
-                        </a:rPr>
-                        <a:t>Services</a:t>
+                        <a:t>Types of Services</a:t>
                       </a:r>
                       <a:endParaRPr lang="en-IN" sz="2800" b="1" i="0" u="none" strike="noStrike" dirty="0">
                         <a:solidFill>
@@ -5887,37 +6331,8 @@
                   <a:srgbClr val="FF0000"/>
                 </a:solidFill>
               </a:rPr>
-              <a:t>IT Services</a:t>
-            </a:r>
-            <a:r>
-              <a:rPr lang="en-IN" sz="3200" i="1" dirty="0" smtClean="0">
-                <a:solidFill>
-                  <a:srgbClr val="FF0000"/>
-                </a:solidFill>
-              </a:rPr>
-              <a:t> 		         35</a:t>
-            </a:r>
-            <a:r>
-              <a:rPr lang="en-IN" sz="3200" i="1" dirty="0">
-                <a:solidFill>
-                  <a:srgbClr val="FF0000"/>
-                </a:solidFill>
-              </a:rPr>
-              <a:t>%</a:t>
-            </a:r>
-            <a:r>
-              <a:rPr lang="en-IN" sz="3200" i="1" dirty="0" smtClean="0">
-                <a:solidFill>
-                  <a:srgbClr val="FF0000"/>
-                </a:solidFill>
-              </a:rPr>
-              <a:t> 		14 </a:t>
-            </a:r>
-            <a:endParaRPr lang="en-IN" sz="3200" i="1" dirty="0">
-              <a:solidFill>
-                <a:srgbClr val="FF0000"/>
-              </a:solidFill>
-            </a:endParaRPr>
+              <a:t>IT Services 		         35% 		14 </a:t>
+            </a:r>
           </a:p>
         </p:txBody>
       </p:sp>
@@ -5973,10 +6388,9 @@
           <a:lstStyle/>
           <a:p>
             <a:r>
-              <a:rPr lang="en-IN" sz="2800" b="1" dirty="0" smtClean="0"/>
+              <a:rPr lang="en-IN" sz="2800" b="1" dirty="0"/>
               <a:t>Introduction</a:t>
             </a:r>
-            <a:endParaRPr lang="en-IN" sz="2800" b="1" dirty="0"/>
           </a:p>
         </p:txBody>
       </p:sp>
@@ -6007,37 +6421,8 @@
                   <a:srgbClr val="FF0000"/>
                 </a:solidFill>
               </a:rPr>
-              <a:t>IT Services</a:t>
-            </a:r>
-            <a:r>
-              <a:rPr lang="en-IN" sz="3200" i="1" dirty="0" smtClean="0">
-                <a:solidFill>
-                  <a:srgbClr val="FF0000"/>
-                </a:solidFill>
-              </a:rPr>
-              <a:t> 		         35</a:t>
-            </a:r>
-            <a:r>
-              <a:rPr lang="en-IN" sz="3200" i="1" dirty="0">
-                <a:solidFill>
-                  <a:srgbClr val="FF0000"/>
-                </a:solidFill>
-              </a:rPr>
-              <a:t>%</a:t>
-            </a:r>
-            <a:r>
-              <a:rPr lang="en-IN" sz="3200" i="1" dirty="0" smtClean="0">
-                <a:solidFill>
-                  <a:srgbClr val="FF0000"/>
-                </a:solidFill>
-              </a:rPr>
-              <a:t> 		14 </a:t>
-            </a:r>
-            <a:endParaRPr lang="en-IN" sz="3200" i="1" dirty="0">
-              <a:solidFill>
-                <a:srgbClr val="FF0000"/>
-              </a:solidFill>
-            </a:endParaRPr>
+              <a:t>IT Services 		         35% 		14 </a:t>
+            </a:r>
           </a:p>
         </p:txBody>
       </p:sp>
@@ -6064,24 +6449,19 @@
           <a:lstStyle/>
           <a:p>
             <a:r>
-              <a:rPr lang="en-IN" sz="3200" b="1" dirty="0" smtClean="0"/>
+              <a:rPr lang="en-IN" sz="3200" b="1" dirty="0"/>
               <a:t>My Company:</a:t>
             </a:r>
           </a:p>
           <a:p>
             <a:r>
-              <a:rPr lang="en-IN" sz="3200" i="1" dirty="0" smtClean="0">
+              <a:rPr lang="en-IN" sz="3200" i="1" dirty="0">
                 <a:solidFill>
                   <a:srgbClr val="0070C0"/>
                 </a:solidFill>
               </a:rPr>
               <a:t>0.001% Market 		100 Crore company</a:t>
             </a:r>
-            <a:endParaRPr lang="en-IN" sz="3200" i="1" dirty="0">
-              <a:solidFill>
-                <a:srgbClr val="0070C0"/>
-              </a:solidFill>
-            </a:endParaRPr>
           </a:p>
         </p:txBody>
       </p:sp>
@@ -6137,10 +6517,9 @@
           <a:lstStyle/>
           <a:p>
             <a:r>
-              <a:rPr lang="en-IN" sz="2800" b="1" dirty="0" smtClean="0"/>
+              <a:rPr lang="en-IN" sz="2800" b="1" dirty="0"/>
               <a:t>Introduction: Role of services to IE</a:t>
             </a:r>
-            <a:endParaRPr lang="en-IN" sz="2800" b="1" dirty="0"/>
           </a:p>
         </p:txBody>
       </p:sp>
@@ -6167,16 +6546,16 @@
           <a:lstStyle/>
           <a:p>
             <a:r>
-              <a:rPr lang="en-IN" sz="3200" b="1" dirty="0" smtClean="0"/>
+              <a:rPr lang="en-IN" sz="3200" b="1" dirty="0"/>
               <a:t>Employment (Job Creation):</a:t>
             </a:r>
           </a:p>
           <a:p>
-            <a:endParaRPr lang="en-IN" sz="3200" b="1" dirty="0" smtClean="0"/>
-          </a:p>
-          <a:p>
-            <a:r>
-              <a:rPr lang="en-IN" sz="3200" dirty="0" smtClean="0"/>
+            <a:endParaRPr lang="en-IN" sz="3200" b="1" dirty="0"/>
+          </a:p>
+          <a:p>
+            <a:r>
+              <a:rPr lang="en-IN" sz="3200" dirty="0"/>
               <a:t>Out of 100 Jobs in the market, how many are Jobs (direct or indirect) are for service industry?</a:t>
             </a:r>
           </a:p>
@@ -6185,14 +6564,13 @@
           </a:p>
           <a:p>
             <a:r>
-              <a:rPr lang="en-IN" sz="3200" dirty="0" smtClean="0"/>
+              <a:rPr lang="en-IN" sz="3200" dirty="0"/>
               <a:t>Example: </a:t>
             </a:r>
             <a:r>
-              <a:rPr lang="en-IN" sz="3200" i="1" dirty="0" smtClean="0"/>
+              <a:rPr lang="en-IN" sz="3200" i="1" dirty="0"/>
               <a:t>No: of employs of TCS, IRCTC, Emirates Fly. ………….. </a:t>
             </a:r>
-            <a:endParaRPr lang="en-IN" sz="3200" i="1" dirty="0"/>
           </a:p>
         </p:txBody>
       </p:sp>
@@ -6248,10 +6626,9 @@
           <a:lstStyle/>
           <a:p>
             <a:r>
-              <a:rPr lang="en-IN" sz="2800" b="1" dirty="0" smtClean="0"/>
+              <a:rPr lang="en-IN" sz="2800" b="1" dirty="0"/>
               <a:t>Introduction</a:t>
             </a:r>
-            <a:endParaRPr lang="en-IN" sz="2800" b="1" dirty="0"/>
           </a:p>
         </p:txBody>
       </p:sp>
@@ -6277,10 +6654,9 @@
           <a:lstStyle/>
           <a:p>
             <a:r>
-              <a:rPr lang="en-IN" sz="2400" dirty="0" smtClean="0"/>
+              <a:rPr lang="en-IN" sz="2400" dirty="0"/>
               <a:t>Stages of Economic Activity</a:t>
             </a:r>
-            <a:endParaRPr lang="en-IN" sz="2400" dirty="0"/>
           </a:p>
         </p:txBody>
       </p:sp>
@@ -6331,13 +6707,8 @@
           <a:p>
             <a:r>
               <a:rPr lang="en-IN" sz="3600" dirty="0"/>
-              <a:t>H</a:t>
-            </a:r>
-            <a:r>
-              <a:rPr lang="en-IN" sz="3600" dirty="0" smtClean="0"/>
-              <a:t>ierarchy of economic activity</a:t>
-            </a:r>
-            <a:endParaRPr lang="en-IN" sz="3600" dirty="0"/>
+              <a:t>Hierarchy of economic activity</a:t>
+            </a:r>
           </a:p>
         </p:txBody>
       </p:sp>
@@ -6407,10 +6778,9 @@
           <a:lstStyle/>
           <a:p>
             <a:r>
-              <a:rPr lang="en-IN" sz="2400" b="1" dirty="0" smtClean="0"/>
+              <a:rPr lang="en-IN" sz="2400" b="1" dirty="0"/>
               <a:t>High paying JOBS</a:t>
             </a:r>
-            <a:endParaRPr lang="en-IN" sz="2400" b="1" dirty="0"/>
           </a:p>
         </p:txBody>
       </p:sp>
@@ -6466,10 +6836,9 @@
           <a:lstStyle/>
           <a:p>
             <a:r>
-              <a:rPr lang="en-IN" sz="2800" b="1" dirty="0" smtClean="0"/>
+              <a:rPr lang="en-IN" sz="2800" b="1" dirty="0"/>
               <a:t>Introduction</a:t>
             </a:r>
-            <a:endParaRPr lang="en-IN" sz="2800" b="1" dirty="0"/>
           </a:p>
         </p:txBody>
       </p:sp>
@@ -6495,7 +6864,7 @@
           <a:lstStyle/>
           <a:p>
             <a:r>
-              <a:rPr lang="en-US" sz="2800" dirty="0" smtClean="0"/>
+              <a:rPr lang="en-US" sz="2800" dirty="0"/>
               <a:t>Distribution of U.S. Employment by Industry, 2014.</a:t>
             </a:r>
             <a:endParaRPr lang="en-IN" sz="2800" dirty="0"/>
@@ -6578,10 +6947,9 @@
           <a:lstStyle/>
           <a:p>
             <a:r>
-              <a:rPr lang="en-IN" sz="2800" b="1" dirty="0" smtClean="0"/>
+              <a:rPr lang="en-IN" sz="2800" b="1" dirty="0"/>
               <a:t>Introduction</a:t>
             </a:r>
-            <a:endParaRPr lang="en-IN" sz="2800" b="1" dirty="0"/>
           </a:p>
         </p:txBody>
       </p:sp>
@@ -6607,7 +6975,7 @@
           <a:lstStyle/>
           <a:p>
             <a:r>
-              <a:rPr lang="en-US" sz="2800" dirty="0" smtClean="0"/>
+              <a:rPr lang="en-US" sz="2800" dirty="0"/>
               <a:t>Distribution of Indian / (country of your choice) Employment by Industry, 2022.</a:t>
             </a:r>
             <a:endParaRPr lang="en-IN" sz="2800" dirty="0"/>
@@ -6637,13 +7005,13 @@
           <a:lstStyle/>
           <a:p>
             <a:r>
-              <a:rPr lang="en-IN" sz="2400" b="1" u="sng" dirty="0" smtClean="0"/>
+              <a:rPr lang="en-IN" sz="2400" b="1" u="sng" dirty="0"/>
               <a:t>Assignment:</a:t>
             </a:r>
           </a:p>
           <a:p>
             <a:r>
-              <a:rPr lang="en-IN" sz="2400" dirty="0" smtClean="0"/>
+              <a:rPr lang="en-IN" sz="2400" dirty="0"/>
               <a:t>One short paragraph on Service Job market and distribution of Jobs (Employment) in Indian or any country of your choice.</a:t>
             </a:r>
           </a:p>
@@ -6652,10 +7020,9 @@
           </a:p>
           <a:p>
             <a:r>
-              <a:rPr lang="en-IN" sz="2400" i="1" dirty="0" smtClean="0"/>
+              <a:rPr lang="en-IN" sz="2400" i="1" dirty="0"/>
               <a:t>Do not just write a “Premise”, there should be premise indicator (conclusions or explanation i.e. supporting your premise with reasons / warrant)</a:t>
             </a:r>
-            <a:endParaRPr lang="en-IN" sz="2400" i="1" dirty="0"/>
           </a:p>
         </p:txBody>
       </p:sp>
@@ -6711,10 +7078,9 @@
           <a:lstStyle/>
           <a:p>
             <a:r>
-              <a:rPr lang="en-IN" sz="2800" b="1" dirty="0" smtClean="0"/>
+              <a:rPr lang="en-IN" sz="2800" b="1" dirty="0"/>
               <a:t>Introduction</a:t>
             </a:r>
-            <a:endParaRPr lang="en-IN" sz="2800" b="1" dirty="0"/>
           </a:p>
         </p:txBody>
       </p:sp>
@@ -6740,7 +7106,7 @@
           <a:lstStyle/>
           <a:p>
             <a:r>
-              <a:rPr lang="en-US" sz="2800" b="1" dirty="0" smtClean="0"/>
+              <a:rPr lang="en-US" sz="2800" b="1" dirty="0"/>
               <a:t>All economies are service economies.</a:t>
             </a:r>
             <a:endParaRPr lang="en-IN" sz="2800" b="1" dirty="0"/>
@@ -6770,11 +7136,11 @@
           <a:lstStyle/>
           <a:p>
             <a:r>
-              <a:rPr lang="en-IN" sz="2800" i="1" dirty="0" smtClean="0"/>
+              <a:rPr lang="en-IN" sz="2800" i="1" dirty="0"/>
               <a:t>Service Industry is the highest contributor to global and regional economy </a:t>
             </a:r>
             <a:r>
-              <a:rPr lang="en-IN" sz="2800" i="1" dirty="0" smtClean="0">
+              <a:rPr lang="en-IN" sz="2800" i="1" dirty="0">
                 <a:solidFill>
                   <a:srgbClr val="FF0000"/>
                 </a:solidFill>
@@ -6782,10 +7148,9 @@
               <a:t>because</a:t>
             </a:r>
             <a:r>
-              <a:rPr lang="en-IN" sz="2800" i="1" dirty="0" smtClean="0"/>
+              <a:rPr lang="en-IN" sz="2800" i="1" dirty="0"/>
               <a:t> of growing demand for better consumer experience.  </a:t>
             </a:r>
-            <a:endParaRPr lang="en-IN" sz="2800" i="1" dirty="0"/>
           </a:p>
         </p:txBody>
       </p:sp>
@@ -6812,11 +7177,11 @@
           <a:lstStyle/>
           <a:p>
             <a:r>
-              <a:rPr lang="en-IN" sz="2800" i="1" dirty="0" smtClean="0"/>
+              <a:rPr lang="en-IN" sz="2800" i="1" dirty="0"/>
               <a:t>Service Industry is the highest contributor to global and regional economy </a:t>
             </a:r>
             <a:r>
-              <a:rPr lang="en-IN" sz="2800" i="1" dirty="0" smtClean="0">
+              <a:rPr lang="en-IN" sz="2800" i="1" dirty="0">
                 <a:solidFill>
                   <a:srgbClr val="FF0000"/>
                 </a:solidFill>
@@ -6824,10 +7189,9 @@
               <a:t>because</a:t>
             </a:r>
             <a:r>
-              <a:rPr lang="en-IN" sz="2800" i="1" dirty="0" smtClean="0"/>
+              <a:rPr lang="en-IN" sz="2800" i="1" dirty="0"/>
               <a:t> it has seen an increased growth of 3.17% compared to last year.  </a:t>
             </a:r>
-            <a:endParaRPr lang="en-IN" sz="2800" i="1" dirty="0"/>
           </a:p>
         </p:txBody>
       </p:sp>
@@ -6883,11 +7247,11 @@
           <a:lstStyle/>
           <a:p>
             <a:r>
-              <a:rPr lang="en-IN" sz="2800" b="1" dirty="0" smtClean="0"/>
+              <a:rPr lang="en-IN" sz="2800" b="1" dirty="0"/>
               <a:t>Introduction </a:t>
             </a:r>
             <a:r>
-              <a:rPr lang="en-US" sz="2800" i="1" dirty="0" smtClean="0"/>
+              <a:rPr lang="en-US" sz="2800" i="1" dirty="0"/>
               <a:t>Nature of Services</a:t>
             </a:r>
             <a:endParaRPr lang="en-IN" sz="2800" b="1" i="1" dirty="0"/>
@@ -6916,7 +7280,7 @@
           <a:lstStyle/>
           <a:p>
             <a:r>
-              <a:rPr lang="en-US" sz="3200" dirty="0" smtClean="0"/>
+              <a:rPr lang="en-US" sz="3200" dirty="0"/>
               <a:t>Differences between services and operations</a:t>
             </a:r>
             <a:endParaRPr lang="en-IN" sz="3200" dirty="0"/>
@@ -6970,10 +7334,9 @@
           <a:lstStyle/>
           <a:p>
             <a:r>
-              <a:rPr lang="en-IN" b="1" dirty="0" smtClean="0"/>
+              <a:rPr lang="en-IN" b="1" dirty="0"/>
               <a:t>Retailer is selling GOODS / PRODUCTS</a:t>
             </a:r>
-            <a:endParaRPr lang="en-IN" b="1" dirty="0"/>
           </a:p>
         </p:txBody>
       </p:sp>
@@ -7000,7 +7363,7 @@
           <a:lstStyle/>
           <a:p>
             <a:r>
-              <a:rPr lang="en-IN" sz="2800" b="1" u="sng" dirty="0" smtClean="0">
+              <a:rPr lang="en-IN" sz="2800" b="1" u="sng" dirty="0">
                 <a:solidFill>
                   <a:srgbClr val="FF0000"/>
                 </a:solidFill>
@@ -7010,10 +7373,9 @@
           </a:p>
           <a:p>
             <a:r>
-              <a:rPr lang="en-IN" sz="2800" dirty="0" smtClean="0"/>
+              <a:rPr lang="en-IN" sz="2800" dirty="0"/>
               <a:t>Free home delivery of purchased goods within an hour</a:t>
             </a:r>
-            <a:endParaRPr lang="en-IN" sz="2800" dirty="0"/>
           </a:p>
         </p:txBody>
       </p:sp>
@@ -7040,16 +7402,15 @@
           <a:lstStyle/>
           <a:p>
             <a:r>
-              <a:rPr lang="en-IN" sz="3200" i="1" dirty="0" smtClean="0"/>
+              <a:rPr lang="en-IN" sz="3200" i="1" dirty="0"/>
               <a:t>From Consumer’s perspective</a:t>
             </a:r>
           </a:p>
           <a:p>
             <a:r>
-              <a:rPr lang="en-IN" sz="3200" i="1" dirty="0" smtClean="0"/>
+              <a:rPr lang="en-IN" sz="3200" i="1" dirty="0"/>
               <a:t>(B2C) </a:t>
             </a:r>
-            <a:endParaRPr lang="en-IN" sz="3200" i="1" dirty="0"/>
           </a:p>
         </p:txBody>
       </p:sp>
@@ -7105,11 +7466,11 @@
           <a:lstStyle/>
           <a:p>
             <a:r>
-              <a:rPr lang="en-IN" sz="2800" b="1" dirty="0" smtClean="0"/>
+              <a:rPr lang="en-IN" sz="2800" b="1" dirty="0"/>
               <a:t>Introduction </a:t>
             </a:r>
             <a:r>
-              <a:rPr lang="en-US" sz="2800" i="1" dirty="0" smtClean="0"/>
+              <a:rPr lang="en-US" sz="2800" i="1" dirty="0"/>
               <a:t>Nature of Services</a:t>
             </a:r>
             <a:endParaRPr lang="en-IN" sz="2800" b="1" i="1" dirty="0"/>
@@ -7138,7 +7499,7 @@
           <a:lstStyle/>
           <a:p>
             <a:r>
-              <a:rPr lang="en-US" sz="3200" dirty="0" smtClean="0"/>
+              <a:rPr lang="en-US" sz="3200" dirty="0"/>
               <a:t>Differences between services and operations</a:t>
             </a:r>
             <a:endParaRPr lang="en-IN" sz="3200" dirty="0"/>
@@ -7192,10 +7553,9 @@
           <a:lstStyle/>
           <a:p>
             <a:r>
-              <a:rPr lang="en-IN" b="1" dirty="0" smtClean="0"/>
+              <a:rPr lang="en-IN" b="1" dirty="0"/>
               <a:t>Retailer using IT software / Internet for quick transactions </a:t>
             </a:r>
-            <a:endParaRPr lang="en-IN" b="1" dirty="0"/>
           </a:p>
         </p:txBody>
       </p:sp>
@@ -7222,7 +7582,7 @@
           <a:lstStyle/>
           <a:p>
             <a:r>
-              <a:rPr lang="en-IN" sz="2800" b="1" u="sng" dirty="0" smtClean="0">
+              <a:rPr lang="en-IN" sz="2800" b="1" u="sng" dirty="0">
                 <a:solidFill>
                   <a:srgbClr val="FF0000"/>
                 </a:solidFill>
@@ -7232,10 +7592,9 @@
           </a:p>
           <a:p>
             <a:r>
-              <a:rPr lang="en-IN" sz="2800" dirty="0" smtClean="0"/>
+              <a:rPr lang="en-IN" sz="2800" dirty="0"/>
               <a:t>Continuous support from software team &amp; ISP provider </a:t>
             </a:r>
-            <a:endParaRPr lang="en-IN" sz="2800" dirty="0"/>
           </a:p>
         </p:txBody>
       </p:sp>
@@ -7262,16 +7621,15 @@
           <a:lstStyle/>
           <a:p>
             <a:r>
-              <a:rPr lang="en-IN" sz="3200" i="1" dirty="0" smtClean="0"/>
+              <a:rPr lang="en-IN" sz="3200" i="1" dirty="0"/>
               <a:t>From Retailers perspective</a:t>
             </a:r>
           </a:p>
           <a:p>
             <a:r>
-              <a:rPr lang="en-IN" sz="3200" i="1" dirty="0" smtClean="0"/>
+              <a:rPr lang="en-IN" sz="3200" i="1" dirty="0"/>
               <a:t>(B2B) </a:t>
             </a:r>
-            <a:endParaRPr lang="en-IN" sz="3200" i="1" dirty="0"/>
           </a:p>
         </p:txBody>
       </p:sp>
@@ -7327,10 +7685,9 @@
           <a:lstStyle/>
           <a:p>
             <a:r>
-              <a:rPr lang="en-IN" sz="2800" b="1" dirty="0" smtClean="0"/>
+              <a:rPr lang="en-IN" sz="2800" b="1" dirty="0"/>
               <a:t>Introduction</a:t>
             </a:r>
-            <a:endParaRPr lang="en-IN" sz="2800" b="1" dirty="0"/>
           </a:p>
         </p:txBody>
       </p:sp>
@@ -7357,14 +7714,11 @@
           <a:lstStyle/>
           <a:p>
             <a:r>
-              <a:rPr lang="en-IN" sz="4000" dirty="0" smtClean="0">
+              <a:rPr lang="en-IN" sz="4000" dirty="0">
                 <a:latin typeface="Consolas" panose="020B0609020204030204" pitchFamily="49" charset="0"/>
               </a:rPr>
               <a:t>September 2022</a:t>
             </a:r>
-            <a:endParaRPr lang="en-IN" sz="4000" dirty="0">
-              <a:latin typeface="Consolas" panose="020B0609020204030204" pitchFamily="49" charset="0"/>
-            </a:endParaRPr>
           </a:p>
         </p:txBody>
       </p:sp>
@@ -7390,7 +7744,7 @@
           <a:lstStyle/>
           <a:p>
             <a:r>
-              <a:rPr lang="en-US" sz="2800" b="0" i="1" dirty="0" smtClean="0">
+              <a:rPr lang="en-US" sz="2800" b="0" i="1" dirty="0">
                 <a:solidFill>
                   <a:srgbClr val="FF0000"/>
                 </a:solidFill>
@@ -7399,13 +7753,6 @@
               </a:rPr>
               <a:t>India Became the World’s Fifth-largest Economy</a:t>
             </a:r>
-            <a:endParaRPr lang="en-US" sz="2800" b="0" i="1" dirty="0">
-              <a:solidFill>
-                <a:srgbClr val="FF0000"/>
-              </a:solidFill>
-              <a:effectLst/>
-              <a:latin typeface="Roboto"/>
-            </a:endParaRPr>
           </a:p>
         </p:txBody>
       </p:sp>
@@ -7431,7 +7778,7 @@
           <a:lstStyle/>
           <a:p>
             <a:r>
-              <a:rPr lang="en-US" sz="2400" b="1" i="0" dirty="0" smtClean="0">
+              <a:rPr lang="en-US" sz="2400" b="1" i="0" dirty="0">
                 <a:solidFill>
                   <a:srgbClr val="222222"/>
                 </a:solidFill>
@@ -7443,7 +7790,7 @@
           </a:p>
           <a:p>
             <a:r>
-              <a:rPr lang="en-US" sz="2400" b="1" i="0" dirty="0" smtClean="0">
+              <a:rPr lang="en-US" sz="2400" b="1" i="0" dirty="0">
                 <a:solidFill>
                   <a:srgbClr val="222222"/>
                 </a:solidFill>
@@ -7455,7 +7802,7 @@
           </a:p>
           <a:p>
             <a:r>
-              <a:rPr lang="en-US" sz="2400" b="1" i="0" dirty="0" smtClean="0">
+              <a:rPr lang="en-US" sz="2400" b="1" i="0" dirty="0">
                 <a:solidFill>
                   <a:srgbClr val="222222"/>
                 </a:solidFill>
@@ -7467,7 +7814,7 @@
           </a:p>
           <a:p>
             <a:r>
-              <a:rPr lang="en-US" sz="2400" b="1" i="0" dirty="0" smtClean="0">
+              <a:rPr lang="en-US" sz="2400" b="1" i="0" dirty="0">
                 <a:solidFill>
                   <a:srgbClr val="222222"/>
                 </a:solidFill>
@@ -7479,7 +7826,7 @@
           </a:p>
           <a:p>
             <a:r>
-              <a:rPr lang="en-US" sz="2400" b="1" dirty="0" smtClean="0">
+              <a:rPr lang="en-US" sz="2400" b="1" dirty="0">
                 <a:solidFill>
                   <a:srgbClr val="FF0000"/>
                 </a:solidFill>
@@ -7490,7 +7837,7 @@
           </a:p>
           <a:p>
             <a:r>
-              <a:rPr lang="en-US" sz="2400" b="1" dirty="0" smtClean="0">
+              <a:rPr lang="en-US" sz="2400" b="1" dirty="0">
                 <a:solidFill>
                   <a:srgbClr val="222222"/>
                 </a:solidFill>
@@ -7554,11 +7901,11 @@
           <a:lstStyle/>
           <a:p>
             <a:r>
-              <a:rPr lang="en-IN" sz="2800" b="1" dirty="0" smtClean="0"/>
+              <a:rPr lang="en-IN" sz="2800" b="1" dirty="0"/>
               <a:t>Introduction </a:t>
             </a:r>
             <a:r>
-              <a:rPr lang="en-US" sz="2800" i="1" dirty="0" smtClean="0"/>
+              <a:rPr lang="en-US" sz="2800" i="1" dirty="0"/>
               <a:t>Nature of Services</a:t>
             </a:r>
             <a:endParaRPr lang="en-IN" sz="2800" b="1" i="1" dirty="0"/>
@@ -7587,7 +7934,7 @@
           <a:lstStyle/>
           <a:p>
             <a:r>
-              <a:rPr lang="en-US" sz="3200" dirty="0" smtClean="0"/>
+              <a:rPr lang="en-US" sz="3200" dirty="0"/>
               <a:t>Differences between services and operations</a:t>
             </a:r>
             <a:endParaRPr lang="en-IN" sz="3200" dirty="0"/>
@@ -7641,10 +7988,9 @@
           <a:lstStyle/>
           <a:p>
             <a:r>
-              <a:rPr lang="en-IN" b="1" dirty="0" smtClean="0"/>
+              <a:rPr lang="en-IN" b="1" dirty="0"/>
               <a:t>Retailer purchasing shelf’s for product display</a:t>
             </a:r>
-            <a:endParaRPr lang="en-IN" b="1" dirty="0"/>
           </a:p>
         </p:txBody>
       </p:sp>
@@ -7671,7 +8017,7 @@
           <a:lstStyle/>
           <a:p>
             <a:r>
-              <a:rPr lang="en-IN" sz="2800" b="1" u="sng" dirty="0" smtClean="0">
+              <a:rPr lang="en-IN" sz="2800" b="1" u="sng" dirty="0">
                 <a:solidFill>
                   <a:srgbClr val="FF0000"/>
                 </a:solidFill>
@@ -7681,10 +8027,9 @@
           </a:p>
           <a:p>
             <a:r>
-              <a:rPr lang="en-IN" sz="2800" dirty="0" smtClean="0"/>
+              <a:rPr lang="en-IN" sz="2800" dirty="0"/>
               <a:t>Immediate Repair / replacement from Shelf seller in case of malfunctioning</a:t>
             </a:r>
-            <a:endParaRPr lang="en-IN" sz="2800" dirty="0"/>
           </a:p>
         </p:txBody>
       </p:sp>
@@ -7711,10 +8056,9 @@
           <a:lstStyle/>
           <a:p>
             <a:r>
-              <a:rPr lang="en-IN" sz="3200" i="1" dirty="0" smtClean="0"/>
+              <a:rPr lang="en-IN" sz="3200" i="1" dirty="0"/>
               <a:t>From Retailers perspective </a:t>
             </a:r>
-            <a:endParaRPr lang="en-IN" sz="3200" i="1" dirty="0"/>
           </a:p>
         </p:txBody>
       </p:sp>
@@ -7770,10 +8114,9 @@
           <a:lstStyle/>
           <a:p>
             <a:r>
-              <a:rPr lang="en-IN" sz="2800" b="1" dirty="0" smtClean="0"/>
+              <a:rPr lang="en-IN" sz="2800" b="1" dirty="0"/>
               <a:t>Introduction</a:t>
             </a:r>
-            <a:endParaRPr lang="en-IN" sz="2800" b="1" dirty="0"/>
           </a:p>
         </p:txBody>
       </p:sp>
@@ -7829,10 +8172,9 @@
           <a:lstStyle/>
           <a:p>
             <a:r>
-              <a:rPr lang="en-IN" sz="2800" b="1" dirty="0" smtClean="0"/>
+              <a:rPr lang="en-IN" sz="2800" b="1" dirty="0"/>
               <a:t>Introduction</a:t>
             </a:r>
-            <a:endParaRPr lang="en-IN" sz="2800" b="1" dirty="0"/>
           </a:p>
         </p:txBody>
       </p:sp>
@@ -7874,27 +8216,295 @@
         </p:nvSpPr>
         <p:spPr>
           <a:xfrm>
-            <a:off x="0" y="0"/>
-            <a:ext cx="2044470" cy="523220"/>
+            <a:off x="-1" y="0"/>
+            <a:ext cx="10345784" cy="523220"/>
           </a:xfrm>
           <a:prstGeom prst="rect">
             <a:avLst/>
           </a:prstGeom>
         </p:spPr>
         <p:txBody>
-          <a:bodyPr wrap="none">
+          <a:bodyPr wrap="square">
             <a:spAutoFit/>
           </a:bodyPr>
           <a:lstStyle/>
           <a:p>
             <a:r>
-              <a:rPr lang="en-IN" sz="2800" b="1" dirty="0" smtClean="0"/>
-              <a:t>Introduction</a:t>
-            </a:r>
-            <a:endParaRPr lang="en-IN" sz="2800" b="1" dirty="0"/>
+              <a:rPr lang="en-IN" sz="2800" b="1" dirty="0"/>
+              <a:t>Characteristics of Service Operation</a:t>
+            </a:r>
           </a:p>
         </p:txBody>
       </p:sp>
+      <p:sp>
+        <p:nvSpPr>
+          <p:cNvPr id="2" name="TextBox 1"/>
+          <p:cNvSpPr txBox="1"/>
+          <p:nvPr/>
+        </p:nvSpPr>
+        <p:spPr>
+          <a:xfrm>
+            <a:off x="174171" y="718104"/>
+            <a:ext cx="3492137" cy="523220"/>
+          </a:xfrm>
+          <a:prstGeom prst="rect">
+            <a:avLst/>
+          </a:prstGeom>
+          <a:noFill/>
+        </p:spPr>
+        <p:txBody>
+          <a:bodyPr wrap="square" rtlCol="0">
+            <a:spAutoFit/>
+          </a:bodyPr>
+          <a:lstStyle/>
+          <a:p>
+            <a:r>
+              <a:rPr lang="en-IN" sz="2800" b="1" dirty="0">
+                <a:solidFill>
+                  <a:schemeClr val="accent5">
+                    <a:lumMod val="75000"/>
+                  </a:schemeClr>
+                </a:solidFill>
+              </a:rPr>
+              <a:t>Supply AND Demand</a:t>
+            </a:r>
+          </a:p>
+        </p:txBody>
+      </p:sp>
+      <p:sp>
+        <p:nvSpPr>
+          <p:cNvPr id="3" name="TextBox 2"/>
+          <p:cNvSpPr txBox="1"/>
+          <p:nvPr/>
+        </p:nvSpPr>
+        <p:spPr>
+          <a:xfrm>
+            <a:off x="174172" y="1308436"/>
+            <a:ext cx="8116388" cy="461665"/>
+          </a:xfrm>
+          <a:prstGeom prst="rect">
+            <a:avLst/>
+          </a:prstGeom>
+          <a:noFill/>
+        </p:spPr>
+        <p:txBody>
+          <a:bodyPr wrap="square" rtlCol="0">
+            <a:spAutoFit/>
+          </a:bodyPr>
+          <a:lstStyle/>
+          <a:p>
+            <a:r>
+              <a:rPr lang="en-IN" sz="2400" i="1" dirty="0"/>
+              <a:t>Business function (or run) according to supply and demand </a:t>
+            </a:r>
+          </a:p>
+        </p:txBody>
+      </p:sp>
+      <p:sp>
+        <p:nvSpPr>
+          <p:cNvPr id="5" name="TextBox 4"/>
+          <p:cNvSpPr txBox="1"/>
+          <p:nvPr/>
+        </p:nvSpPr>
+        <p:spPr>
+          <a:xfrm>
+            <a:off x="174171" y="2183590"/>
+            <a:ext cx="11033759" cy="461665"/>
+          </a:xfrm>
+          <a:prstGeom prst="rect">
+            <a:avLst/>
+          </a:prstGeom>
+          <a:noFill/>
+        </p:spPr>
+        <p:txBody>
+          <a:bodyPr wrap="square" rtlCol="0">
+            <a:spAutoFit/>
+          </a:bodyPr>
+          <a:lstStyle/>
+          <a:p>
+            <a:r>
+              <a:rPr lang="en-IN" sz="2400" i="1" dirty="0"/>
+              <a:t>Commodity prices / Service prices are dependent upon Supply and Demand</a:t>
+            </a:r>
+          </a:p>
+        </p:txBody>
+      </p:sp>
+      <p:cxnSp>
+        <p:nvCxnSpPr>
+          <p:cNvPr id="7" name="Straight Connector 6"/>
+          <p:cNvCxnSpPr/>
+          <p:nvPr/>
+        </p:nvCxnSpPr>
+        <p:spPr>
+          <a:xfrm>
+            <a:off x="1637211" y="2712367"/>
+            <a:ext cx="1" cy="3601347"/>
+          </a:xfrm>
+          <a:prstGeom prst="line">
+            <a:avLst/>
+          </a:prstGeom>
+          <a:ln w="38100">
+            <a:solidFill>
+              <a:srgbClr val="FF0000"/>
+            </a:solidFill>
+          </a:ln>
+        </p:spPr>
+        <p:style>
+          <a:lnRef idx="1">
+            <a:schemeClr val="accent1"/>
+          </a:lnRef>
+          <a:fillRef idx="0">
+            <a:schemeClr val="accent1"/>
+          </a:fillRef>
+          <a:effectRef idx="0">
+            <a:schemeClr val="accent1"/>
+          </a:effectRef>
+          <a:fontRef idx="minor">
+            <a:schemeClr val="tx1"/>
+          </a:fontRef>
+        </p:style>
+      </p:cxnSp>
+      <p:cxnSp>
+        <p:nvCxnSpPr>
+          <p:cNvPr id="8" name="Straight Connector 7"/>
+          <p:cNvCxnSpPr/>
+          <p:nvPr/>
+        </p:nvCxnSpPr>
+        <p:spPr>
+          <a:xfrm flipH="1">
+            <a:off x="1162595" y="6052457"/>
+            <a:ext cx="4715691" cy="39188"/>
+          </a:xfrm>
+          <a:prstGeom prst="line">
+            <a:avLst/>
+          </a:prstGeom>
+          <a:ln w="38100">
+            <a:solidFill>
+              <a:srgbClr val="FF0000"/>
+            </a:solidFill>
+          </a:ln>
+        </p:spPr>
+        <p:style>
+          <a:lnRef idx="1">
+            <a:schemeClr val="accent1"/>
+          </a:lnRef>
+          <a:fillRef idx="0">
+            <a:schemeClr val="accent1"/>
+          </a:fillRef>
+          <a:effectRef idx="0">
+            <a:schemeClr val="accent1"/>
+          </a:effectRef>
+          <a:fontRef idx="minor">
+            <a:schemeClr val="tx1"/>
+          </a:fontRef>
+        </p:style>
+      </p:cxnSp>
+      <p:sp>
+        <p:nvSpPr>
+          <p:cNvPr id="10" name="TextBox 9"/>
+          <p:cNvSpPr txBox="1"/>
+          <p:nvPr/>
+        </p:nvSpPr>
+        <p:spPr>
+          <a:xfrm>
+            <a:off x="2643050" y="6091645"/>
+            <a:ext cx="3048000" cy="584775"/>
+          </a:xfrm>
+          <a:prstGeom prst="rect">
+            <a:avLst/>
+          </a:prstGeom>
+          <a:noFill/>
+        </p:spPr>
+        <p:txBody>
+          <a:bodyPr wrap="square" rtlCol="0">
+            <a:spAutoFit/>
+          </a:bodyPr>
+          <a:lstStyle/>
+          <a:p>
+            <a:r>
+              <a:rPr lang="en-IN" sz="3200" dirty="0"/>
+              <a:t>Price ------</a:t>
+            </a:r>
+            <a:r>
+              <a:rPr lang="en-IN" sz="3200" dirty="0">
+                <a:sym typeface="Wingdings" panose="05000000000000000000" pitchFamily="2" charset="2"/>
+              </a:rPr>
+              <a:t>&gt;</a:t>
+            </a:r>
+            <a:endParaRPr lang="en-IN" sz="3200" dirty="0"/>
+          </a:p>
+        </p:txBody>
+      </p:sp>
+      <p:sp>
+        <p:nvSpPr>
+          <p:cNvPr id="11" name="TextBox 10"/>
+          <p:cNvSpPr txBox="1"/>
+          <p:nvPr/>
+        </p:nvSpPr>
+        <p:spPr>
+          <a:xfrm rot="16200000">
+            <a:off x="-233605" y="4013237"/>
+            <a:ext cx="2960915" cy="584775"/>
+          </a:xfrm>
+          <a:prstGeom prst="rect">
+            <a:avLst/>
+          </a:prstGeom>
+          <a:noFill/>
+        </p:spPr>
+        <p:txBody>
+          <a:bodyPr wrap="square" rtlCol="0">
+            <a:spAutoFit/>
+          </a:bodyPr>
+          <a:lstStyle/>
+          <a:p>
+            <a:r>
+              <a:rPr lang="en-IN" sz="3200" dirty="0"/>
+              <a:t>Demand -----</a:t>
+            </a:r>
+            <a:r>
+              <a:rPr lang="en-IN" sz="3200" dirty="0">
+                <a:sym typeface="Wingdings" panose="05000000000000000000" pitchFamily="2" charset="2"/>
+              </a:rPr>
+              <a:t>&gt;</a:t>
+            </a:r>
+          </a:p>
+        </p:txBody>
+      </p:sp>
+      <p:cxnSp>
+        <p:nvCxnSpPr>
+          <p:cNvPr id="14" name="Straight Connector 13"/>
+          <p:cNvCxnSpPr/>
+          <p:nvPr/>
+        </p:nvCxnSpPr>
+        <p:spPr>
+          <a:xfrm flipV="1">
+            <a:off x="1741714" y="2917371"/>
+            <a:ext cx="4136572" cy="3065418"/>
+          </a:xfrm>
+          <a:prstGeom prst="line">
+            <a:avLst/>
+          </a:prstGeom>
+          <a:ln w="28575">
+            <a:solidFill>
+              <a:srgbClr val="00B050"/>
+            </a:solidFill>
+          </a:ln>
+        </p:spPr>
+        <p:style>
+          <a:lnRef idx="1">
+            <a:schemeClr val="accent1"/>
+          </a:lnRef>
+          <a:fillRef idx="0">
+            <a:schemeClr val="accent1"/>
+          </a:fillRef>
+          <a:effectRef idx="0">
+            <a:schemeClr val="accent1"/>
+          </a:effectRef>
+          <a:fontRef idx="minor">
+            <a:schemeClr val="tx1"/>
+          </a:fontRef>
+        </p:style>
+      </p:cxnSp>
     </p:spTree>
     <p:extLst>
       <p:ext uri="{BB962C8B-B14F-4D97-AF65-F5344CB8AC3E}">
@@ -7933,31 +8543,196 @@
         </p:nvSpPr>
         <p:spPr>
           <a:xfrm>
-            <a:off x="0" y="0"/>
-            <a:ext cx="2044470" cy="523220"/>
+            <a:off x="-1" y="0"/>
+            <a:ext cx="10345784" cy="523220"/>
           </a:xfrm>
           <a:prstGeom prst="rect">
             <a:avLst/>
           </a:prstGeom>
         </p:spPr>
         <p:txBody>
-          <a:bodyPr wrap="none">
+          <a:bodyPr wrap="square">
             <a:spAutoFit/>
           </a:bodyPr>
           <a:lstStyle/>
           <a:p>
             <a:r>
-              <a:rPr lang="en-IN" sz="2800" b="1" dirty="0" smtClean="0"/>
-              <a:t>Introduction</a:t>
-            </a:r>
-            <a:endParaRPr lang="en-IN" sz="2800" b="1" dirty="0"/>
+              <a:rPr lang="en-IN" sz="2800" b="1" dirty="0"/>
+              <a:t>Characteristics of Service Operation</a:t>
+            </a:r>
           </a:p>
         </p:txBody>
       </p:sp>
+      <p:sp>
+        <p:nvSpPr>
+          <p:cNvPr id="5" name="TextBox 4"/>
+          <p:cNvSpPr txBox="1"/>
+          <p:nvPr/>
+        </p:nvSpPr>
+        <p:spPr>
+          <a:xfrm>
+            <a:off x="-1" y="631018"/>
+            <a:ext cx="9718767" cy="3539430"/>
+          </a:xfrm>
+          <a:prstGeom prst="rect">
+            <a:avLst/>
+          </a:prstGeom>
+          <a:noFill/>
+        </p:spPr>
+        <p:txBody>
+          <a:bodyPr wrap="square" rtlCol="0">
+            <a:spAutoFit/>
+          </a:bodyPr>
+          <a:lstStyle/>
+          <a:p>
+            <a:r>
+              <a:rPr lang="en-IN" sz="2800" b="1" dirty="0">
+                <a:solidFill>
+                  <a:schemeClr val="accent5">
+                    <a:lumMod val="75000"/>
+                  </a:schemeClr>
+                </a:solidFill>
+              </a:rPr>
+              <a:t>Case let:</a:t>
+            </a:r>
+          </a:p>
+          <a:p>
+            <a:r>
+              <a:rPr lang="en-IN" sz="2800" b="1" i="1" dirty="0">
+                <a:solidFill>
+                  <a:schemeClr val="accent5">
+                    <a:lumMod val="75000"/>
+                  </a:schemeClr>
+                </a:solidFill>
+              </a:rPr>
+              <a:t>(April ~ June 2020)</a:t>
+            </a:r>
+          </a:p>
+          <a:p>
+            <a:endParaRPr lang="en-IN" sz="2800" b="1" i="1" dirty="0">
+              <a:solidFill>
+                <a:schemeClr val="accent5">
+                  <a:lumMod val="75000"/>
+                </a:schemeClr>
+              </a:solidFill>
+            </a:endParaRPr>
+          </a:p>
+          <a:p>
+            <a:r>
+              <a:rPr lang="en-IN" sz="2800" b="1" u="sng" dirty="0">
+                <a:solidFill>
+                  <a:schemeClr val="accent2">
+                    <a:lumMod val="75000"/>
+                  </a:schemeClr>
+                </a:solidFill>
+              </a:rPr>
+              <a:t>Product</a:t>
+            </a:r>
+            <a:r>
+              <a:rPr lang="en-IN" sz="2800" dirty="0">
+                <a:solidFill>
+                  <a:schemeClr val="accent5">
+                    <a:lumMod val="75000"/>
+                  </a:schemeClr>
+                </a:solidFill>
+              </a:rPr>
+              <a:t>				</a:t>
+            </a:r>
+            <a:r>
+              <a:rPr lang="en-IN" sz="2800" b="1" u="sng" dirty="0">
+                <a:solidFill>
+                  <a:schemeClr val="accent2">
+                    <a:lumMod val="75000"/>
+                  </a:schemeClr>
+                </a:solidFill>
+              </a:rPr>
+              <a:t>Services</a:t>
+            </a:r>
+          </a:p>
+          <a:p>
+            <a:endParaRPr lang="en-IN" sz="2800" dirty="0">
+              <a:solidFill>
+                <a:schemeClr val="accent5">
+                  <a:lumMod val="75000"/>
+                </a:schemeClr>
+              </a:solidFill>
+            </a:endParaRPr>
+          </a:p>
+          <a:p>
+            <a:r>
+              <a:rPr lang="en-IN" sz="2800" dirty="0">
+                <a:solidFill>
+                  <a:schemeClr val="accent5">
+                    <a:lumMod val="75000"/>
+                  </a:schemeClr>
+                </a:solidFill>
+              </a:rPr>
+              <a:t>Sanitizer				SPAs, Saloons, Beauty Parlours</a:t>
+            </a:r>
+          </a:p>
+          <a:p>
+            <a:endParaRPr lang="en-IN" sz="2800" dirty="0">
+              <a:solidFill>
+                <a:schemeClr val="accent5">
+                  <a:lumMod val="75000"/>
+                </a:schemeClr>
+              </a:solidFill>
+            </a:endParaRPr>
+          </a:p>
+          <a:p>
+            <a:r>
+              <a:rPr lang="en-IN" sz="2800" dirty="0">
+                <a:solidFill>
+                  <a:schemeClr val="accent5">
+                    <a:lumMod val="75000"/>
+                  </a:schemeClr>
+                </a:solidFill>
+              </a:rPr>
+              <a:t>Online Meetings (Tools)		Software Services</a:t>
+            </a:r>
+            <a:endParaRPr lang="en-IN" sz="2800" dirty="0"/>
+          </a:p>
+        </p:txBody>
+      </p:sp>
+      <p:cxnSp>
+        <p:nvCxnSpPr>
+          <p:cNvPr id="7" name="Straight Connector 6"/>
+          <p:cNvCxnSpPr/>
+          <p:nvPr/>
+        </p:nvCxnSpPr>
+        <p:spPr>
+          <a:xfrm>
+            <a:off x="3675016" y="1959429"/>
+            <a:ext cx="0" cy="2211019"/>
+          </a:xfrm>
+          <a:prstGeom prst="line">
+            <a:avLst/>
+          </a:prstGeom>
+          <a:ln w="28575">
+            <a:solidFill>
+              <a:srgbClr val="FF0000"/>
+            </a:solidFill>
+          </a:ln>
+        </p:spPr>
+        <p:style>
+          <a:lnRef idx="1">
+            <a:schemeClr val="accent1"/>
+          </a:lnRef>
+          <a:fillRef idx="0">
+            <a:schemeClr val="accent1"/>
+          </a:fillRef>
+          <a:effectRef idx="0">
+            <a:schemeClr val="accent1"/>
+          </a:effectRef>
+          <a:fontRef idx="minor">
+            <a:schemeClr val="tx1"/>
+          </a:fontRef>
+        </p:style>
+      </p:cxnSp>
     </p:spTree>
     <p:extLst>
       <p:ext uri="{BB962C8B-B14F-4D97-AF65-F5344CB8AC3E}">
-        <p14:creationId xmlns:p14="http://schemas.microsoft.com/office/powerpoint/2010/main" val="570554553"/>
+        <p14:creationId xmlns:p14="http://schemas.microsoft.com/office/powerpoint/2010/main" val="3671609882"/>
       </p:ext>
     </p:extLst>
   </p:cSld>
@@ -7992,31 +8767,3117 @@
         </p:nvSpPr>
         <p:spPr>
           <a:xfrm>
-            <a:off x="0" y="0"/>
-            <a:ext cx="2044470" cy="523220"/>
+            <a:off x="-1" y="0"/>
+            <a:ext cx="10345784" cy="523220"/>
           </a:xfrm>
           <a:prstGeom prst="rect">
             <a:avLst/>
           </a:prstGeom>
         </p:spPr>
         <p:txBody>
-          <a:bodyPr wrap="none">
+          <a:bodyPr wrap="square">
             <a:spAutoFit/>
           </a:bodyPr>
           <a:lstStyle/>
           <a:p>
             <a:r>
-              <a:rPr lang="en-IN" sz="2800" b="1" dirty="0" smtClean="0"/>
-              <a:t>Introduction</a:t>
-            </a:r>
-            <a:endParaRPr lang="en-IN" sz="2800" b="1" dirty="0"/>
+              <a:rPr lang="en-IN" sz="2800" b="1" dirty="0"/>
+              <a:t>Characteristics of Service Operation</a:t>
+            </a:r>
+          </a:p>
+        </p:txBody>
+      </p:sp>
+      <p:graphicFrame>
+        <p:nvGraphicFramePr>
+          <p:cNvPr id="2" name="Table 1"/>
+          <p:cNvGraphicFramePr>
+            <a:graphicFrameLocks noGrp="1"/>
+          </p:cNvGraphicFramePr>
+          <p:nvPr>
+            <p:extLst>
+              <p:ext uri="{D42A27DB-BD31-4B8C-83A1-F6EECF244321}">
+                <p14:modId xmlns:p14="http://schemas.microsoft.com/office/powerpoint/2010/main" val="677965692"/>
+              </p:ext>
+            </p:extLst>
+          </p:nvPr>
+        </p:nvGraphicFramePr>
+        <p:xfrm>
+          <a:off x="366848" y="684166"/>
+          <a:ext cx="9874432" cy="5090160"/>
+        </p:xfrm>
+        <a:graphic>
+          <a:graphicData uri="http://schemas.openxmlformats.org/drawingml/2006/table">
+            <a:tbl>
+              <a:tblPr>
+                <a:tableStyleId>{5C22544A-7EE6-4342-B048-85BDC9FD1C3A}</a:tableStyleId>
+              </a:tblPr>
+              <a:tblGrid>
+                <a:gridCol w="1626309">
+                  <a:extLst>
+                    <a:ext uri="{9D8B030D-6E8A-4147-A177-3AD203B41FA5}">
+                      <a16:colId xmlns:a16="http://schemas.microsoft.com/office/drawing/2014/main" val="3650665160"/>
+                    </a:ext>
+                  </a:extLst>
+                </a:gridCol>
+                <a:gridCol w="2419062">
+                  <a:extLst>
+                    <a:ext uri="{9D8B030D-6E8A-4147-A177-3AD203B41FA5}">
+                      <a16:colId xmlns:a16="http://schemas.microsoft.com/office/drawing/2014/main" val="692684398"/>
+                    </a:ext>
+                  </a:extLst>
+                </a:gridCol>
+                <a:gridCol w="2098462">
+                  <a:extLst>
+                    <a:ext uri="{9D8B030D-6E8A-4147-A177-3AD203B41FA5}">
+                      <a16:colId xmlns:a16="http://schemas.microsoft.com/office/drawing/2014/main" val="120360919"/>
+                    </a:ext>
+                  </a:extLst>
+                </a:gridCol>
+                <a:gridCol w="2156753">
+                  <a:extLst>
+                    <a:ext uri="{9D8B030D-6E8A-4147-A177-3AD203B41FA5}">
+                      <a16:colId xmlns:a16="http://schemas.microsoft.com/office/drawing/2014/main" val="2467501707"/>
+                    </a:ext>
+                  </a:extLst>
+                </a:gridCol>
+                <a:gridCol w="1573846">
+                  <a:extLst>
+                    <a:ext uri="{9D8B030D-6E8A-4147-A177-3AD203B41FA5}">
+                      <a16:colId xmlns:a16="http://schemas.microsoft.com/office/drawing/2014/main" val="2152564731"/>
+                    </a:ext>
+                  </a:extLst>
+                </a:gridCol>
+              </a:tblGrid>
+              <a:tr h="515981">
+                <a:tc gridSpan="5">
+                  <a:txBody>
+                    <a:bodyPr/>
+                    <a:lstStyle/>
+                    <a:p>
+                      <a:pPr algn="ctr" fontAlgn="b"/>
+                      <a:r>
+                        <a:rPr lang="en-IN" sz="4000" u="none" strike="noStrike" dirty="0">
+                          <a:effectLst/>
+                        </a:rPr>
+                        <a:t>Sanitizer</a:t>
+                      </a:r>
+                      <a:endParaRPr lang="en-IN" sz="4000" b="0" i="0" u="none" strike="noStrike" dirty="0">
+                        <a:solidFill>
+                          <a:srgbClr val="2F5597"/>
+                        </a:solidFill>
+                        <a:effectLst/>
+                        <a:latin typeface="Calibri" panose="020F0502020204030204" pitchFamily="34" charset="0"/>
+                      </a:endParaRPr>
+                    </a:p>
+                  </a:txBody>
+                  <a:tcPr marL="7620" marR="7620" marT="7620" marB="0" anchor="b">
+                    <a:solidFill>
+                      <a:schemeClr val="accent4">
+                        <a:lumMod val="20000"/>
+                        <a:lumOff val="80000"/>
+                      </a:schemeClr>
+                    </a:solidFill>
+                  </a:tcPr>
+                </a:tc>
+                <a:tc hMerge="1">
+                  <a:txBody>
+                    <a:bodyPr/>
+                    <a:lstStyle/>
+                    <a:p>
+                      <a:endParaRPr lang="en-IN"/>
+                    </a:p>
+                  </a:txBody>
+                  <a:tcPr/>
+                </a:tc>
+                <a:tc hMerge="1">
+                  <a:txBody>
+                    <a:bodyPr/>
+                    <a:lstStyle/>
+                    <a:p>
+                      <a:endParaRPr lang="en-IN"/>
+                    </a:p>
+                  </a:txBody>
+                  <a:tcPr/>
+                </a:tc>
+                <a:tc hMerge="1">
+                  <a:txBody>
+                    <a:bodyPr/>
+                    <a:lstStyle/>
+                    <a:p>
+                      <a:endParaRPr lang="en-IN"/>
+                    </a:p>
+                  </a:txBody>
+                  <a:tcPr/>
+                </a:tc>
+                <a:tc hMerge="1">
+                  <a:txBody>
+                    <a:bodyPr/>
+                    <a:lstStyle/>
+                    <a:p>
+                      <a:endParaRPr lang="en-IN"/>
+                    </a:p>
+                  </a:txBody>
+                  <a:tcPr/>
+                </a:tc>
+                <a:extLst>
+                  <a:ext uri="{0D108BD9-81ED-4DB2-BD59-A6C34878D82A}">
+                    <a16:rowId xmlns:a16="http://schemas.microsoft.com/office/drawing/2014/main" val="1258564504"/>
+                  </a:ext>
+                </a:extLst>
+              </a:tr>
+              <a:tr h="669381">
+                <a:tc>
+                  <a:txBody>
+                    <a:bodyPr/>
+                    <a:lstStyle/>
+                    <a:p>
+                      <a:pPr algn="ctr" fontAlgn="ctr"/>
+                      <a:r>
+                        <a:rPr lang="en-IN" sz="2400" b="1" u="none" strike="noStrike" dirty="0">
+                          <a:effectLst/>
+                        </a:rPr>
+                        <a:t>Months</a:t>
+                      </a:r>
+                      <a:endParaRPr lang="en-IN" sz="2400" b="1" i="0" u="none" strike="noStrike" dirty="0">
+                        <a:solidFill>
+                          <a:srgbClr val="000000"/>
+                        </a:solidFill>
+                        <a:effectLst/>
+                        <a:latin typeface="Calibri" panose="020F0502020204030204" pitchFamily="34" charset="0"/>
+                      </a:endParaRPr>
+                    </a:p>
+                  </a:txBody>
+                  <a:tcPr marL="7620" marR="7620" marT="7620" marB="0" anchor="ctr">
+                    <a:solidFill>
+                      <a:schemeClr val="accent6">
+                        <a:lumMod val="40000"/>
+                        <a:lumOff val="60000"/>
+                      </a:schemeClr>
+                    </a:solidFill>
+                  </a:tcPr>
+                </a:tc>
+                <a:tc>
+                  <a:txBody>
+                    <a:bodyPr/>
+                    <a:lstStyle/>
+                    <a:p>
+                      <a:pPr algn="ctr" fontAlgn="ctr"/>
+                      <a:r>
+                        <a:rPr lang="en-IN" sz="2400" b="1" u="none" strike="noStrike" dirty="0">
+                          <a:effectLst/>
+                        </a:rPr>
+                        <a:t>Sales</a:t>
+                      </a:r>
+                      <a:br>
+                        <a:rPr lang="en-IN" sz="2400" b="1" u="none" strike="noStrike" dirty="0">
+                          <a:effectLst/>
+                        </a:rPr>
+                      </a:br>
+                      <a:r>
+                        <a:rPr lang="en-IN" sz="2400" b="1" u="none" strike="noStrike" dirty="0">
+                          <a:effectLst/>
+                        </a:rPr>
+                        <a:t>(million units)</a:t>
+                      </a:r>
+                      <a:endParaRPr lang="en-IN" sz="2400" b="1" i="0" u="none" strike="noStrike" dirty="0">
+                        <a:solidFill>
+                          <a:srgbClr val="000000"/>
+                        </a:solidFill>
+                        <a:effectLst/>
+                        <a:latin typeface="Calibri" panose="020F0502020204030204" pitchFamily="34" charset="0"/>
+                      </a:endParaRPr>
+                    </a:p>
+                  </a:txBody>
+                  <a:tcPr marL="7620" marR="7620" marT="7620" marB="0" anchor="ctr">
+                    <a:solidFill>
+                      <a:schemeClr val="accent6">
+                        <a:lumMod val="40000"/>
+                        <a:lumOff val="60000"/>
+                      </a:schemeClr>
+                    </a:solidFill>
+                  </a:tcPr>
+                </a:tc>
+                <a:tc>
+                  <a:txBody>
+                    <a:bodyPr/>
+                    <a:lstStyle/>
+                    <a:p>
+                      <a:pPr algn="ctr" fontAlgn="ctr"/>
+                      <a:r>
+                        <a:rPr lang="en-IN" sz="2400" b="1" u="none" strike="noStrike" dirty="0">
+                          <a:effectLst/>
+                        </a:rPr>
+                        <a:t>Consumption</a:t>
+                      </a:r>
+                      <a:br>
+                        <a:rPr lang="en-IN" sz="2400" b="1" u="none" strike="noStrike" dirty="0">
+                          <a:effectLst/>
+                        </a:rPr>
+                      </a:br>
+                      <a:r>
+                        <a:rPr lang="en-IN" sz="2400" b="1" u="none" strike="noStrike" dirty="0">
+                          <a:effectLst/>
+                        </a:rPr>
+                        <a:t>(lakh Litres)</a:t>
+                      </a:r>
+                      <a:endParaRPr lang="en-IN" sz="2400" b="1" i="0" u="none" strike="noStrike" dirty="0">
+                        <a:solidFill>
+                          <a:srgbClr val="000000"/>
+                        </a:solidFill>
+                        <a:effectLst/>
+                        <a:latin typeface="Calibri" panose="020F0502020204030204" pitchFamily="34" charset="0"/>
+                      </a:endParaRPr>
+                    </a:p>
+                  </a:txBody>
+                  <a:tcPr marL="7620" marR="7620" marT="7620" marB="0" anchor="ctr">
+                    <a:solidFill>
+                      <a:schemeClr val="accent6">
+                        <a:lumMod val="40000"/>
+                        <a:lumOff val="60000"/>
+                      </a:schemeClr>
+                    </a:solidFill>
+                  </a:tcPr>
+                </a:tc>
+                <a:tc>
+                  <a:txBody>
+                    <a:bodyPr/>
+                    <a:lstStyle/>
+                    <a:p>
+                      <a:pPr algn="ctr" fontAlgn="ctr"/>
+                      <a:r>
+                        <a:rPr lang="en-IN" sz="2400" b="1" u="none" strike="noStrike" dirty="0">
+                          <a:effectLst/>
+                        </a:rPr>
+                        <a:t>Supply</a:t>
+                      </a:r>
+                      <a:br>
+                        <a:rPr lang="en-IN" sz="2400" b="1" u="none" strike="noStrike" dirty="0">
+                          <a:effectLst/>
+                        </a:rPr>
+                      </a:br>
+                      <a:r>
+                        <a:rPr lang="en-IN" sz="2400" b="1" u="none" strike="noStrike" dirty="0">
+                          <a:effectLst/>
+                        </a:rPr>
+                        <a:t>(Litres) </a:t>
+                      </a:r>
+                      <a:endParaRPr lang="en-IN" sz="2400" b="1" i="0" u="none" strike="noStrike" dirty="0">
+                        <a:solidFill>
+                          <a:srgbClr val="000000"/>
+                        </a:solidFill>
+                        <a:effectLst/>
+                        <a:latin typeface="Calibri" panose="020F0502020204030204" pitchFamily="34" charset="0"/>
+                      </a:endParaRPr>
+                    </a:p>
+                  </a:txBody>
+                  <a:tcPr marL="7620" marR="7620" marT="7620" marB="0" anchor="ctr">
+                    <a:solidFill>
+                      <a:schemeClr val="accent6">
+                        <a:lumMod val="40000"/>
+                        <a:lumOff val="60000"/>
+                      </a:schemeClr>
+                    </a:solidFill>
+                  </a:tcPr>
+                </a:tc>
+                <a:tc>
+                  <a:txBody>
+                    <a:bodyPr/>
+                    <a:lstStyle/>
+                    <a:p>
+                      <a:pPr algn="ctr" fontAlgn="ctr"/>
+                      <a:r>
+                        <a:rPr lang="en-IN" sz="2400" b="1" u="none" strike="noStrike" dirty="0">
+                          <a:effectLst/>
+                        </a:rPr>
+                        <a:t>Demand</a:t>
+                      </a:r>
+                      <a:endParaRPr lang="en-IN" sz="2400" b="1" i="0" u="none" strike="noStrike" dirty="0">
+                        <a:solidFill>
+                          <a:srgbClr val="000000"/>
+                        </a:solidFill>
+                        <a:effectLst/>
+                        <a:latin typeface="Calibri" panose="020F0502020204030204" pitchFamily="34" charset="0"/>
+                      </a:endParaRPr>
+                    </a:p>
+                  </a:txBody>
+                  <a:tcPr marL="7620" marR="7620" marT="7620" marB="0" anchor="ctr">
+                    <a:solidFill>
+                      <a:schemeClr val="accent6">
+                        <a:lumMod val="40000"/>
+                        <a:lumOff val="60000"/>
+                      </a:schemeClr>
+                    </a:solidFill>
+                  </a:tcPr>
+                </a:tc>
+                <a:extLst>
+                  <a:ext uri="{0D108BD9-81ED-4DB2-BD59-A6C34878D82A}">
+                    <a16:rowId xmlns:a16="http://schemas.microsoft.com/office/drawing/2014/main" val="887185028"/>
+                  </a:ext>
+                </a:extLst>
+              </a:tr>
+              <a:tr h="334691">
+                <a:tc>
+                  <a:txBody>
+                    <a:bodyPr/>
+                    <a:lstStyle/>
+                    <a:p>
+                      <a:pPr algn="ctr" fontAlgn="ctr"/>
+                      <a:r>
+                        <a:rPr lang="en-IN" sz="2400" u="none" strike="noStrike" dirty="0">
+                          <a:effectLst/>
+                        </a:rPr>
+                        <a:t>Oct-19</a:t>
+                      </a:r>
+                      <a:endParaRPr lang="en-IN" sz="2400" b="0" i="0" u="none" strike="noStrike" dirty="0">
+                        <a:solidFill>
+                          <a:srgbClr val="000000"/>
+                        </a:solidFill>
+                        <a:effectLst/>
+                        <a:latin typeface="Calibri" panose="020F0502020204030204" pitchFamily="34" charset="0"/>
+                      </a:endParaRPr>
+                    </a:p>
+                  </a:txBody>
+                  <a:tcPr marL="7620" marR="7620" marT="7620" marB="0" anchor="ctr">
+                    <a:gradFill flip="none" rotWithShape="1">
+                      <a:gsLst>
+                        <a:gs pos="0">
+                          <a:schemeClr val="accent1">
+                            <a:tint val="20000"/>
+                            <a:shade val="30000"/>
+                            <a:satMod val="115000"/>
+                          </a:schemeClr>
+                        </a:gs>
+                        <a:gs pos="50000">
+                          <a:schemeClr val="accent1">
+                            <a:tint val="20000"/>
+                            <a:shade val="67500"/>
+                            <a:satMod val="115000"/>
+                          </a:schemeClr>
+                        </a:gs>
+                        <a:gs pos="100000">
+                          <a:schemeClr val="accent1">
+                            <a:tint val="20000"/>
+                            <a:shade val="100000"/>
+                            <a:satMod val="115000"/>
+                          </a:schemeClr>
+                        </a:gs>
+                      </a:gsLst>
+                      <a:path path="circle">
+                        <a:fillToRect l="100000" t="100000"/>
+                      </a:path>
+                      <a:tileRect r="-100000" b="-100000"/>
+                    </a:gradFill>
+                  </a:tcPr>
+                </a:tc>
+                <a:tc>
+                  <a:txBody>
+                    <a:bodyPr/>
+                    <a:lstStyle/>
+                    <a:p>
+                      <a:pPr algn="ctr" fontAlgn="ctr"/>
+                      <a:r>
+                        <a:rPr lang="en-IN" sz="2400" u="none" strike="noStrike">
+                          <a:effectLst/>
+                        </a:rPr>
+                        <a:t>10</a:t>
+                      </a:r>
+                      <a:endParaRPr lang="en-IN" sz="2400" b="0" i="0" u="none" strike="noStrike">
+                        <a:solidFill>
+                          <a:srgbClr val="000000"/>
+                        </a:solidFill>
+                        <a:effectLst/>
+                        <a:latin typeface="Calibri" panose="020F0502020204030204" pitchFamily="34" charset="0"/>
+                      </a:endParaRPr>
+                    </a:p>
+                  </a:txBody>
+                  <a:tcPr marL="7620" marR="7620" marT="7620" marB="0" anchor="ctr">
+                    <a:gradFill flip="none" rotWithShape="1">
+                      <a:gsLst>
+                        <a:gs pos="0">
+                          <a:schemeClr val="accent1">
+                            <a:tint val="20000"/>
+                            <a:shade val="30000"/>
+                            <a:satMod val="115000"/>
+                          </a:schemeClr>
+                        </a:gs>
+                        <a:gs pos="50000">
+                          <a:schemeClr val="accent1">
+                            <a:tint val="20000"/>
+                            <a:shade val="67500"/>
+                            <a:satMod val="115000"/>
+                          </a:schemeClr>
+                        </a:gs>
+                        <a:gs pos="100000">
+                          <a:schemeClr val="accent1">
+                            <a:tint val="20000"/>
+                            <a:shade val="100000"/>
+                            <a:satMod val="115000"/>
+                          </a:schemeClr>
+                        </a:gs>
+                      </a:gsLst>
+                      <a:path path="circle">
+                        <a:fillToRect l="100000" t="100000"/>
+                      </a:path>
+                      <a:tileRect r="-100000" b="-100000"/>
+                    </a:gradFill>
+                  </a:tcPr>
+                </a:tc>
+                <a:tc>
+                  <a:txBody>
+                    <a:bodyPr/>
+                    <a:lstStyle/>
+                    <a:p>
+                      <a:pPr algn="ctr" fontAlgn="ctr"/>
+                      <a:r>
+                        <a:rPr lang="en-IN" sz="2400" u="none" strike="noStrike">
+                          <a:effectLst/>
+                        </a:rPr>
+                        <a:t>10</a:t>
+                      </a:r>
+                      <a:endParaRPr lang="en-IN" sz="2400" b="0" i="0" u="none" strike="noStrike">
+                        <a:solidFill>
+                          <a:srgbClr val="000000"/>
+                        </a:solidFill>
+                        <a:effectLst/>
+                        <a:latin typeface="Calibri" panose="020F0502020204030204" pitchFamily="34" charset="0"/>
+                      </a:endParaRPr>
+                    </a:p>
+                  </a:txBody>
+                  <a:tcPr marL="7620" marR="7620" marT="7620" marB="0" anchor="ctr">
+                    <a:gradFill flip="none" rotWithShape="1">
+                      <a:gsLst>
+                        <a:gs pos="0">
+                          <a:schemeClr val="accent1">
+                            <a:tint val="20000"/>
+                            <a:shade val="30000"/>
+                            <a:satMod val="115000"/>
+                          </a:schemeClr>
+                        </a:gs>
+                        <a:gs pos="50000">
+                          <a:schemeClr val="accent1">
+                            <a:tint val="20000"/>
+                            <a:shade val="67500"/>
+                            <a:satMod val="115000"/>
+                          </a:schemeClr>
+                        </a:gs>
+                        <a:gs pos="100000">
+                          <a:schemeClr val="accent1">
+                            <a:tint val="20000"/>
+                            <a:shade val="100000"/>
+                            <a:satMod val="115000"/>
+                          </a:schemeClr>
+                        </a:gs>
+                      </a:gsLst>
+                      <a:path path="circle">
+                        <a:fillToRect l="100000" t="100000"/>
+                      </a:path>
+                      <a:tileRect r="-100000" b="-100000"/>
+                    </a:gradFill>
+                  </a:tcPr>
+                </a:tc>
+                <a:tc>
+                  <a:txBody>
+                    <a:bodyPr/>
+                    <a:lstStyle/>
+                    <a:p>
+                      <a:pPr algn="ctr" fontAlgn="ctr"/>
+                      <a:r>
+                        <a:rPr lang="en-IN" sz="2400" u="none" strike="noStrike">
+                          <a:effectLst/>
+                        </a:rPr>
+                        <a:t>9.95</a:t>
+                      </a:r>
+                      <a:endParaRPr lang="en-IN" sz="2400" b="0" i="0" u="none" strike="noStrike">
+                        <a:solidFill>
+                          <a:srgbClr val="000000"/>
+                        </a:solidFill>
+                        <a:effectLst/>
+                        <a:latin typeface="Calibri" panose="020F0502020204030204" pitchFamily="34" charset="0"/>
+                      </a:endParaRPr>
+                    </a:p>
+                  </a:txBody>
+                  <a:tcPr marL="7620" marR="7620" marT="7620" marB="0" anchor="ctr">
+                    <a:gradFill flip="none" rotWithShape="1">
+                      <a:gsLst>
+                        <a:gs pos="0">
+                          <a:schemeClr val="accent1">
+                            <a:tint val="20000"/>
+                            <a:shade val="30000"/>
+                            <a:satMod val="115000"/>
+                          </a:schemeClr>
+                        </a:gs>
+                        <a:gs pos="50000">
+                          <a:schemeClr val="accent1">
+                            <a:tint val="20000"/>
+                            <a:shade val="67500"/>
+                            <a:satMod val="115000"/>
+                          </a:schemeClr>
+                        </a:gs>
+                        <a:gs pos="100000">
+                          <a:schemeClr val="accent1">
+                            <a:tint val="20000"/>
+                            <a:shade val="100000"/>
+                            <a:satMod val="115000"/>
+                          </a:schemeClr>
+                        </a:gs>
+                      </a:gsLst>
+                      <a:path path="circle">
+                        <a:fillToRect l="100000" t="100000"/>
+                      </a:path>
+                      <a:tileRect r="-100000" b="-100000"/>
+                    </a:gradFill>
+                  </a:tcPr>
+                </a:tc>
+                <a:tc>
+                  <a:txBody>
+                    <a:bodyPr/>
+                    <a:lstStyle/>
+                    <a:p>
+                      <a:pPr algn="ctr" fontAlgn="ctr"/>
+                      <a:r>
+                        <a:rPr lang="en-IN" sz="2400" u="none" strike="noStrike">
+                          <a:effectLst/>
+                        </a:rPr>
+                        <a:t>1.005</a:t>
+                      </a:r>
+                      <a:endParaRPr lang="en-IN" sz="2400" b="0" i="0" u="none" strike="noStrike">
+                        <a:solidFill>
+                          <a:srgbClr val="000000"/>
+                        </a:solidFill>
+                        <a:effectLst/>
+                        <a:latin typeface="Calibri" panose="020F0502020204030204" pitchFamily="34" charset="0"/>
+                      </a:endParaRPr>
+                    </a:p>
+                  </a:txBody>
+                  <a:tcPr marL="7620" marR="7620" marT="7620" marB="0" anchor="ctr">
+                    <a:gradFill flip="none" rotWithShape="1">
+                      <a:gsLst>
+                        <a:gs pos="0">
+                          <a:schemeClr val="accent1">
+                            <a:tint val="20000"/>
+                            <a:shade val="30000"/>
+                            <a:satMod val="115000"/>
+                          </a:schemeClr>
+                        </a:gs>
+                        <a:gs pos="50000">
+                          <a:schemeClr val="accent1">
+                            <a:tint val="20000"/>
+                            <a:shade val="67500"/>
+                            <a:satMod val="115000"/>
+                          </a:schemeClr>
+                        </a:gs>
+                        <a:gs pos="100000">
+                          <a:schemeClr val="accent1">
+                            <a:tint val="20000"/>
+                            <a:shade val="100000"/>
+                            <a:satMod val="115000"/>
+                          </a:schemeClr>
+                        </a:gs>
+                      </a:gsLst>
+                      <a:path path="circle">
+                        <a:fillToRect l="100000" t="100000"/>
+                      </a:path>
+                      <a:tileRect r="-100000" b="-100000"/>
+                    </a:gradFill>
+                  </a:tcPr>
+                </a:tc>
+                <a:extLst>
+                  <a:ext uri="{0D108BD9-81ED-4DB2-BD59-A6C34878D82A}">
+                    <a16:rowId xmlns:a16="http://schemas.microsoft.com/office/drawing/2014/main" val="33573933"/>
+                  </a:ext>
+                </a:extLst>
+              </a:tr>
+              <a:tr h="334691">
+                <a:tc>
+                  <a:txBody>
+                    <a:bodyPr/>
+                    <a:lstStyle/>
+                    <a:p>
+                      <a:pPr algn="ctr" fontAlgn="ctr"/>
+                      <a:r>
+                        <a:rPr lang="en-IN" sz="2400" u="none" strike="noStrike">
+                          <a:effectLst/>
+                        </a:rPr>
+                        <a:t>Dec-19</a:t>
+                      </a:r>
+                      <a:endParaRPr lang="en-IN" sz="2400" b="0" i="0" u="none" strike="noStrike">
+                        <a:solidFill>
+                          <a:srgbClr val="000000"/>
+                        </a:solidFill>
+                        <a:effectLst/>
+                        <a:latin typeface="Calibri" panose="020F0502020204030204" pitchFamily="34" charset="0"/>
+                      </a:endParaRPr>
+                    </a:p>
+                  </a:txBody>
+                  <a:tcPr marL="7620" marR="7620" marT="7620" marB="0" anchor="ctr">
+                    <a:gradFill flip="none" rotWithShape="1">
+                      <a:gsLst>
+                        <a:gs pos="0">
+                          <a:schemeClr val="accent1">
+                            <a:tint val="20000"/>
+                            <a:shade val="30000"/>
+                            <a:satMod val="115000"/>
+                          </a:schemeClr>
+                        </a:gs>
+                        <a:gs pos="50000">
+                          <a:schemeClr val="accent1">
+                            <a:tint val="20000"/>
+                            <a:shade val="67500"/>
+                            <a:satMod val="115000"/>
+                          </a:schemeClr>
+                        </a:gs>
+                        <a:gs pos="100000">
+                          <a:schemeClr val="accent1">
+                            <a:tint val="20000"/>
+                            <a:shade val="100000"/>
+                            <a:satMod val="115000"/>
+                          </a:schemeClr>
+                        </a:gs>
+                      </a:gsLst>
+                      <a:path path="circle">
+                        <a:fillToRect l="100000" t="100000"/>
+                      </a:path>
+                      <a:tileRect r="-100000" b="-100000"/>
+                    </a:gradFill>
+                  </a:tcPr>
+                </a:tc>
+                <a:tc>
+                  <a:txBody>
+                    <a:bodyPr/>
+                    <a:lstStyle/>
+                    <a:p>
+                      <a:pPr algn="ctr" fontAlgn="ctr"/>
+                      <a:r>
+                        <a:rPr lang="en-IN" sz="2400" u="none" strike="noStrike" dirty="0">
+                          <a:effectLst/>
+                        </a:rPr>
+                        <a:t>10.02</a:t>
+                      </a:r>
+                      <a:endParaRPr lang="en-IN" sz="2400" b="0" i="0" u="none" strike="noStrike" dirty="0">
+                        <a:solidFill>
+                          <a:srgbClr val="000000"/>
+                        </a:solidFill>
+                        <a:effectLst/>
+                        <a:latin typeface="Calibri" panose="020F0502020204030204" pitchFamily="34" charset="0"/>
+                      </a:endParaRPr>
+                    </a:p>
+                  </a:txBody>
+                  <a:tcPr marL="7620" marR="7620" marT="7620" marB="0" anchor="ctr">
+                    <a:gradFill flip="none" rotWithShape="1">
+                      <a:gsLst>
+                        <a:gs pos="0">
+                          <a:schemeClr val="accent1">
+                            <a:tint val="20000"/>
+                            <a:shade val="30000"/>
+                            <a:satMod val="115000"/>
+                          </a:schemeClr>
+                        </a:gs>
+                        <a:gs pos="50000">
+                          <a:schemeClr val="accent1">
+                            <a:tint val="20000"/>
+                            <a:shade val="67500"/>
+                            <a:satMod val="115000"/>
+                          </a:schemeClr>
+                        </a:gs>
+                        <a:gs pos="100000">
+                          <a:schemeClr val="accent1">
+                            <a:tint val="20000"/>
+                            <a:shade val="100000"/>
+                            <a:satMod val="115000"/>
+                          </a:schemeClr>
+                        </a:gs>
+                      </a:gsLst>
+                      <a:path path="circle">
+                        <a:fillToRect l="100000" t="100000"/>
+                      </a:path>
+                      <a:tileRect r="-100000" b="-100000"/>
+                    </a:gradFill>
+                  </a:tcPr>
+                </a:tc>
+                <a:tc>
+                  <a:txBody>
+                    <a:bodyPr/>
+                    <a:lstStyle/>
+                    <a:p>
+                      <a:pPr algn="ctr" fontAlgn="ctr"/>
+                      <a:r>
+                        <a:rPr lang="en-IN" sz="2400" u="none" strike="noStrike" dirty="0">
+                          <a:effectLst/>
+                        </a:rPr>
+                        <a:t>10.02</a:t>
+                      </a:r>
+                      <a:endParaRPr lang="en-IN" sz="2400" b="0" i="0" u="none" strike="noStrike" dirty="0">
+                        <a:solidFill>
+                          <a:srgbClr val="000000"/>
+                        </a:solidFill>
+                        <a:effectLst/>
+                        <a:latin typeface="Calibri" panose="020F0502020204030204" pitchFamily="34" charset="0"/>
+                      </a:endParaRPr>
+                    </a:p>
+                  </a:txBody>
+                  <a:tcPr marL="7620" marR="7620" marT="7620" marB="0" anchor="ctr">
+                    <a:gradFill flip="none" rotWithShape="1">
+                      <a:gsLst>
+                        <a:gs pos="0">
+                          <a:schemeClr val="accent1">
+                            <a:tint val="20000"/>
+                            <a:shade val="30000"/>
+                            <a:satMod val="115000"/>
+                          </a:schemeClr>
+                        </a:gs>
+                        <a:gs pos="50000">
+                          <a:schemeClr val="accent1">
+                            <a:tint val="20000"/>
+                            <a:shade val="67500"/>
+                            <a:satMod val="115000"/>
+                          </a:schemeClr>
+                        </a:gs>
+                        <a:gs pos="100000">
+                          <a:schemeClr val="accent1">
+                            <a:tint val="20000"/>
+                            <a:shade val="100000"/>
+                            <a:satMod val="115000"/>
+                          </a:schemeClr>
+                        </a:gs>
+                      </a:gsLst>
+                      <a:path path="circle">
+                        <a:fillToRect l="100000" t="100000"/>
+                      </a:path>
+                      <a:tileRect r="-100000" b="-100000"/>
+                    </a:gradFill>
+                  </a:tcPr>
+                </a:tc>
+                <a:tc>
+                  <a:txBody>
+                    <a:bodyPr/>
+                    <a:lstStyle/>
+                    <a:p>
+                      <a:pPr algn="ctr" fontAlgn="ctr"/>
+                      <a:r>
+                        <a:rPr lang="en-IN" sz="2400" u="none" strike="noStrike">
+                          <a:effectLst/>
+                        </a:rPr>
+                        <a:t>10</a:t>
+                      </a:r>
+                      <a:endParaRPr lang="en-IN" sz="2400" b="0" i="0" u="none" strike="noStrike">
+                        <a:solidFill>
+                          <a:srgbClr val="000000"/>
+                        </a:solidFill>
+                        <a:effectLst/>
+                        <a:latin typeface="Calibri" panose="020F0502020204030204" pitchFamily="34" charset="0"/>
+                      </a:endParaRPr>
+                    </a:p>
+                  </a:txBody>
+                  <a:tcPr marL="7620" marR="7620" marT="7620" marB="0" anchor="ctr">
+                    <a:gradFill flip="none" rotWithShape="1">
+                      <a:gsLst>
+                        <a:gs pos="0">
+                          <a:schemeClr val="accent1">
+                            <a:tint val="20000"/>
+                            <a:shade val="30000"/>
+                            <a:satMod val="115000"/>
+                          </a:schemeClr>
+                        </a:gs>
+                        <a:gs pos="50000">
+                          <a:schemeClr val="accent1">
+                            <a:tint val="20000"/>
+                            <a:shade val="67500"/>
+                            <a:satMod val="115000"/>
+                          </a:schemeClr>
+                        </a:gs>
+                        <a:gs pos="100000">
+                          <a:schemeClr val="accent1">
+                            <a:tint val="20000"/>
+                            <a:shade val="100000"/>
+                            <a:satMod val="115000"/>
+                          </a:schemeClr>
+                        </a:gs>
+                      </a:gsLst>
+                      <a:path path="circle">
+                        <a:fillToRect l="100000" t="100000"/>
+                      </a:path>
+                      <a:tileRect r="-100000" b="-100000"/>
+                    </a:gradFill>
+                  </a:tcPr>
+                </a:tc>
+                <a:tc>
+                  <a:txBody>
+                    <a:bodyPr/>
+                    <a:lstStyle/>
+                    <a:p>
+                      <a:pPr algn="ctr" fontAlgn="ctr"/>
+                      <a:r>
+                        <a:rPr lang="en-IN" sz="2400" u="none" strike="noStrike">
+                          <a:effectLst/>
+                        </a:rPr>
+                        <a:t>1.002</a:t>
+                      </a:r>
+                      <a:endParaRPr lang="en-IN" sz="2400" b="0" i="0" u="none" strike="noStrike">
+                        <a:solidFill>
+                          <a:srgbClr val="000000"/>
+                        </a:solidFill>
+                        <a:effectLst/>
+                        <a:latin typeface="Calibri" panose="020F0502020204030204" pitchFamily="34" charset="0"/>
+                      </a:endParaRPr>
+                    </a:p>
+                  </a:txBody>
+                  <a:tcPr marL="7620" marR="7620" marT="7620" marB="0" anchor="ctr">
+                    <a:gradFill flip="none" rotWithShape="1">
+                      <a:gsLst>
+                        <a:gs pos="0">
+                          <a:schemeClr val="accent1">
+                            <a:tint val="20000"/>
+                            <a:shade val="30000"/>
+                            <a:satMod val="115000"/>
+                          </a:schemeClr>
+                        </a:gs>
+                        <a:gs pos="50000">
+                          <a:schemeClr val="accent1">
+                            <a:tint val="20000"/>
+                            <a:shade val="67500"/>
+                            <a:satMod val="115000"/>
+                          </a:schemeClr>
+                        </a:gs>
+                        <a:gs pos="100000">
+                          <a:schemeClr val="accent1">
+                            <a:tint val="20000"/>
+                            <a:shade val="100000"/>
+                            <a:satMod val="115000"/>
+                          </a:schemeClr>
+                        </a:gs>
+                      </a:gsLst>
+                      <a:path path="circle">
+                        <a:fillToRect l="100000" t="100000"/>
+                      </a:path>
+                      <a:tileRect r="-100000" b="-100000"/>
+                    </a:gradFill>
+                  </a:tcPr>
+                </a:tc>
+                <a:extLst>
+                  <a:ext uri="{0D108BD9-81ED-4DB2-BD59-A6C34878D82A}">
+                    <a16:rowId xmlns:a16="http://schemas.microsoft.com/office/drawing/2014/main" val="3671560110"/>
+                  </a:ext>
+                </a:extLst>
+              </a:tr>
+              <a:tr h="334691">
+                <a:tc>
+                  <a:txBody>
+                    <a:bodyPr/>
+                    <a:lstStyle/>
+                    <a:p>
+                      <a:pPr algn="ctr" fontAlgn="ctr"/>
+                      <a:r>
+                        <a:rPr lang="en-IN" sz="2400" u="none" strike="noStrike">
+                          <a:effectLst/>
+                        </a:rPr>
+                        <a:t>Jan-20</a:t>
+                      </a:r>
+                      <a:endParaRPr lang="en-IN" sz="2400" b="0" i="0" u="none" strike="noStrike">
+                        <a:solidFill>
+                          <a:srgbClr val="000000"/>
+                        </a:solidFill>
+                        <a:effectLst/>
+                        <a:latin typeface="Calibri" panose="020F0502020204030204" pitchFamily="34" charset="0"/>
+                      </a:endParaRPr>
+                    </a:p>
+                  </a:txBody>
+                  <a:tcPr marL="7620" marR="7620" marT="7620" marB="0" anchor="ctr">
+                    <a:gradFill flip="none" rotWithShape="1">
+                      <a:gsLst>
+                        <a:gs pos="0">
+                          <a:schemeClr val="accent1">
+                            <a:tint val="20000"/>
+                            <a:shade val="30000"/>
+                            <a:satMod val="115000"/>
+                          </a:schemeClr>
+                        </a:gs>
+                        <a:gs pos="50000">
+                          <a:schemeClr val="accent1">
+                            <a:tint val="20000"/>
+                            <a:shade val="67500"/>
+                            <a:satMod val="115000"/>
+                          </a:schemeClr>
+                        </a:gs>
+                        <a:gs pos="100000">
+                          <a:schemeClr val="accent1">
+                            <a:tint val="20000"/>
+                            <a:shade val="100000"/>
+                            <a:satMod val="115000"/>
+                          </a:schemeClr>
+                        </a:gs>
+                      </a:gsLst>
+                      <a:path path="circle">
+                        <a:fillToRect l="100000" t="100000"/>
+                      </a:path>
+                      <a:tileRect r="-100000" b="-100000"/>
+                    </a:gradFill>
+                  </a:tcPr>
+                </a:tc>
+                <a:tc>
+                  <a:txBody>
+                    <a:bodyPr/>
+                    <a:lstStyle/>
+                    <a:p>
+                      <a:pPr algn="ctr" fontAlgn="ctr"/>
+                      <a:r>
+                        <a:rPr lang="en-IN" sz="2400" u="none" strike="noStrike">
+                          <a:effectLst/>
+                        </a:rPr>
+                        <a:t>10.01</a:t>
+                      </a:r>
+                      <a:endParaRPr lang="en-IN" sz="2400" b="0" i="0" u="none" strike="noStrike">
+                        <a:solidFill>
+                          <a:srgbClr val="000000"/>
+                        </a:solidFill>
+                        <a:effectLst/>
+                        <a:latin typeface="Calibri" panose="020F0502020204030204" pitchFamily="34" charset="0"/>
+                      </a:endParaRPr>
+                    </a:p>
+                  </a:txBody>
+                  <a:tcPr marL="7620" marR="7620" marT="7620" marB="0" anchor="ctr">
+                    <a:gradFill flip="none" rotWithShape="1">
+                      <a:gsLst>
+                        <a:gs pos="0">
+                          <a:schemeClr val="accent1">
+                            <a:tint val="20000"/>
+                            <a:shade val="30000"/>
+                            <a:satMod val="115000"/>
+                          </a:schemeClr>
+                        </a:gs>
+                        <a:gs pos="50000">
+                          <a:schemeClr val="accent1">
+                            <a:tint val="20000"/>
+                            <a:shade val="67500"/>
+                            <a:satMod val="115000"/>
+                          </a:schemeClr>
+                        </a:gs>
+                        <a:gs pos="100000">
+                          <a:schemeClr val="accent1">
+                            <a:tint val="20000"/>
+                            <a:shade val="100000"/>
+                            <a:satMod val="115000"/>
+                          </a:schemeClr>
+                        </a:gs>
+                      </a:gsLst>
+                      <a:path path="circle">
+                        <a:fillToRect l="100000" t="100000"/>
+                      </a:path>
+                      <a:tileRect r="-100000" b="-100000"/>
+                    </a:gradFill>
+                  </a:tcPr>
+                </a:tc>
+                <a:tc>
+                  <a:txBody>
+                    <a:bodyPr/>
+                    <a:lstStyle/>
+                    <a:p>
+                      <a:pPr algn="ctr" fontAlgn="ctr"/>
+                      <a:r>
+                        <a:rPr lang="en-IN" sz="2400" u="none" strike="noStrike" dirty="0">
+                          <a:effectLst/>
+                        </a:rPr>
+                        <a:t>10.01</a:t>
+                      </a:r>
+                      <a:endParaRPr lang="en-IN" sz="2400" b="0" i="0" u="none" strike="noStrike" dirty="0">
+                        <a:solidFill>
+                          <a:srgbClr val="000000"/>
+                        </a:solidFill>
+                        <a:effectLst/>
+                        <a:latin typeface="Calibri" panose="020F0502020204030204" pitchFamily="34" charset="0"/>
+                      </a:endParaRPr>
+                    </a:p>
+                  </a:txBody>
+                  <a:tcPr marL="7620" marR="7620" marT="7620" marB="0" anchor="ctr">
+                    <a:gradFill flip="none" rotWithShape="1">
+                      <a:gsLst>
+                        <a:gs pos="0">
+                          <a:schemeClr val="accent1">
+                            <a:tint val="20000"/>
+                            <a:shade val="30000"/>
+                            <a:satMod val="115000"/>
+                          </a:schemeClr>
+                        </a:gs>
+                        <a:gs pos="50000">
+                          <a:schemeClr val="accent1">
+                            <a:tint val="20000"/>
+                            <a:shade val="67500"/>
+                            <a:satMod val="115000"/>
+                          </a:schemeClr>
+                        </a:gs>
+                        <a:gs pos="100000">
+                          <a:schemeClr val="accent1">
+                            <a:tint val="20000"/>
+                            <a:shade val="100000"/>
+                            <a:satMod val="115000"/>
+                          </a:schemeClr>
+                        </a:gs>
+                      </a:gsLst>
+                      <a:path path="circle">
+                        <a:fillToRect l="100000" t="100000"/>
+                      </a:path>
+                      <a:tileRect r="-100000" b="-100000"/>
+                    </a:gradFill>
+                  </a:tcPr>
+                </a:tc>
+                <a:tc>
+                  <a:txBody>
+                    <a:bodyPr/>
+                    <a:lstStyle/>
+                    <a:p>
+                      <a:pPr algn="ctr" fontAlgn="ctr"/>
+                      <a:r>
+                        <a:rPr lang="en-IN" sz="2400" u="none" strike="noStrike">
+                          <a:effectLst/>
+                        </a:rPr>
+                        <a:t>10.01</a:t>
+                      </a:r>
+                      <a:endParaRPr lang="en-IN" sz="2400" b="0" i="0" u="none" strike="noStrike">
+                        <a:solidFill>
+                          <a:srgbClr val="000000"/>
+                        </a:solidFill>
+                        <a:effectLst/>
+                        <a:latin typeface="Calibri" panose="020F0502020204030204" pitchFamily="34" charset="0"/>
+                      </a:endParaRPr>
+                    </a:p>
+                  </a:txBody>
+                  <a:tcPr marL="7620" marR="7620" marT="7620" marB="0" anchor="ctr">
+                    <a:gradFill flip="none" rotWithShape="1">
+                      <a:gsLst>
+                        <a:gs pos="0">
+                          <a:schemeClr val="accent1">
+                            <a:tint val="20000"/>
+                            <a:shade val="30000"/>
+                            <a:satMod val="115000"/>
+                          </a:schemeClr>
+                        </a:gs>
+                        <a:gs pos="50000">
+                          <a:schemeClr val="accent1">
+                            <a:tint val="20000"/>
+                            <a:shade val="67500"/>
+                            <a:satMod val="115000"/>
+                          </a:schemeClr>
+                        </a:gs>
+                        <a:gs pos="100000">
+                          <a:schemeClr val="accent1">
+                            <a:tint val="20000"/>
+                            <a:shade val="100000"/>
+                            <a:satMod val="115000"/>
+                          </a:schemeClr>
+                        </a:gs>
+                      </a:gsLst>
+                      <a:path path="circle">
+                        <a:fillToRect l="100000" t="100000"/>
+                      </a:path>
+                      <a:tileRect r="-100000" b="-100000"/>
+                    </a:gradFill>
+                  </a:tcPr>
+                </a:tc>
+                <a:tc>
+                  <a:txBody>
+                    <a:bodyPr/>
+                    <a:lstStyle/>
+                    <a:p>
+                      <a:pPr algn="ctr" fontAlgn="ctr"/>
+                      <a:r>
+                        <a:rPr lang="en-IN" sz="2400" u="none" strike="noStrike">
+                          <a:effectLst/>
+                        </a:rPr>
+                        <a:t>1.000</a:t>
+                      </a:r>
+                      <a:endParaRPr lang="en-IN" sz="2400" b="0" i="0" u="none" strike="noStrike">
+                        <a:solidFill>
+                          <a:srgbClr val="000000"/>
+                        </a:solidFill>
+                        <a:effectLst/>
+                        <a:latin typeface="Calibri" panose="020F0502020204030204" pitchFamily="34" charset="0"/>
+                      </a:endParaRPr>
+                    </a:p>
+                  </a:txBody>
+                  <a:tcPr marL="7620" marR="7620" marT="7620" marB="0" anchor="ctr">
+                    <a:gradFill flip="none" rotWithShape="1">
+                      <a:gsLst>
+                        <a:gs pos="0">
+                          <a:schemeClr val="accent1">
+                            <a:tint val="20000"/>
+                            <a:shade val="30000"/>
+                            <a:satMod val="115000"/>
+                          </a:schemeClr>
+                        </a:gs>
+                        <a:gs pos="50000">
+                          <a:schemeClr val="accent1">
+                            <a:tint val="20000"/>
+                            <a:shade val="67500"/>
+                            <a:satMod val="115000"/>
+                          </a:schemeClr>
+                        </a:gs>
+                        <a:gs pos="100000">
+                          <a:schemeClr val="accent1">
+                            <a:tint val="20000"/>
+                            <a:shade val="100000"/>
+                            <a:satMod val="115000"/>
+                          </a:schemeClr>
+                        </a:gs>
+                      </a:gsLst>
+                      <a:path path="circle">
+                        <a:fillToRect l="100000" t="100000"/>
+                      </a:path>
+                      <a:tileRect r="-100000" b="-100000"/>
+                    </a:gradFill>
+                  </a:tcPr>
+                </a:tc>
+                <a:extLst>
+                  <a:ext uri="{0D108BD9-81ED-4DB2-BD59-A6C34878D82A}">
+                    <a16:rowId xmlns:a16="http://schemas.microsoft.com/office/drawing/2014/main" val="860361263"/>
+                  </a:ext>
+                </a:extLst>
+              </a:tr>
+              <a:tr h="334691">
+                <a:tc>
+                  <a:txBody>
+                    <a:bodyPr/>
+                    <a:lstStyle/>
+                    <a:p>
+                      <a:pPr algn="ctr" fontAlgn="ctr"/>
+                      <a:r>
+                        <a:rPr lang="en-IN" sz="2400" u="none" strike="noStrike">
+                          <a:effectLst/>
+                        </a:rPr>
+                        <a:t>Feb-20</a:t>
+                      </a:r>
+                      <a:endParaRPr lang="en-IN" sz="2400" b="0" i="0" u="none" strike="noStrike">
+                        <a:solidFill>
+                          <a:srgbClr val="000000"/>
+                        </a:solidFill>
+                        <a:effectLst/>
+                        <a:latin typeface="Calibri" panose="020F0502020204030204" pitchFamily="34" charset="0"/>
+                      </a:endParaRPr>
+                    </a:p>
+                  </a:txBody>
+                  <a:tcPr marL="7620" marR="7620" marT="7620" marB="0" anchor="ctr">
+                    <a:gradFill flip="none" rotWithShape="1">
+                      <a:gsLst>
+                        <a:gs pos="0">
+                          <a:schemeClr val="accent1">
+                            <a:tint val="20000"/>
+                            <a:shade val="30000"/>
+                            <a:satMod val="115000"/>
+                          </a:schemeClr>
+                        </a:gs>
+                        <a:gs pos="50000">
+                          <a:schemeClr val="accent1">
+                            <a:tint val="20000"/>
+                            <a:shade val="67500"/>
+                            <a:satMod val="115000"/>
+                          </a:schemeClr>
+                        </a:gs>
+                        <a:gs pos="100000">
+                          <a:schemeClr val="accent1">
+                            <a:tint val="20000"/>
+                            <a:shade val="100000"/>
+                            <a:satMod val="115000"/>
+                          </a:schemeClr>
+                        </a:gs>
+                      </a:gsLst>
+                      <a:path path="circle">
+                        <a:fillToRect l="100000" t="100000"/>
+                      </a:path>
+                      <a:tileRect r="-100000" b="-100000"/>
+                    </a:gradFill>
+                  </a:tcPr>
+                </a:tc>
+                <a:tc>
+                  <a:txBody>
+                    <a:bodyPr/>
+                    <a:lstStyle/>
+                    <a:p>
+                      <a:pPr algn="ctr" fontAlgn="ctr"/>
+                      <a:r>
+                        <a:rPr lang="en-IN" sz="2400" u="none" strike="noStrike">
+                          <a:effectLst/>
+                        </a:rPr>
+                        <a:t>10</a:t>
+                      </a:r>
+                      <a:endParaRPr lang="en-IN" sz="2400" b="0" i="0" u="none" strike="noStrike">
+                        <a:solidFill>
+                          <a:srgbClr val="000000"/>
+                        </a:solidFill>
+                        <a:effectLst/>
+                        <a:latin typeface="Calibri" panose="020F0502020204030204" pitchFamily="34" charset="0"/>
+                      </a:endParaRPr>
+                    </a:p>
+                  </a:txBody>
+                  <a:tcPr marL="7620" marR="7620" marT="7620" marB="0" anchor="ctr">
+                    <a:gradFill flip="none" rotWithShape="1">
+                      <a:gsLst>
+                        <a:gs pos="0">
+                          <a:schemeClr val="accent1">
+                            <a:tint val="20000"/>
+                            <a:shade val="30000"/>
+                            <a:satMod val="115000"/>
+                          </a:schemeClr>
+                        </a:gs>
+                        <a:gs pos="50000">
+                          <a:schemeClr val="accent1">
+                            <a:tint val="20000"/>
+                            <a:shade val="67500"/>
+                            <a:satMod val="115000"/>
+                          </a:schemeClr>
+                        </a:gs>
+                        <a:gs pos="100000">
+                          <a:schemeClr val="accent1">
+                            <a:tint val="20000"/>
+                            <a:shade val="100000"/>
+                            <a:satMod val="115000"/>
+                          </a:schemeClr>
+                        </a:gs>
+                      </a:gsLst>
+                      <a:path path="circle">
+                        <a:fillToRect l="100000" t="100000"/>
+                      </a:path>
+                      <a:tileRect r="-100000" b="-100000"/>
+                    </a:gradFill>
+                  </a:tcPr>
+                </a:tc>
+                <a:tc>
+                  <a:txBody>
+                    <a:bodyPr/>
+                    <a:lstStyle/>
+                    <a:p>
+                      <a:pPr algn="ctr" fontAlgn="ctr"/>
+                      <a:r>
+                        <a:rPr lang="en-IN" sz="2400" u="none" strike="noStrike" dirty="0">
+                          <a:effectLst/>
+                        </a:rPr>
+                        <a:t>10</a:t>
+                      </a:r>
+                      <a:endParaRPr lang="en-IN" sz="2400" b="0" i="0" u="none" strike="noStrike" dirty="0">
+                        <a:solidFill>
+                          <a:srgbClr val="000000"/>
+                        </a:solidFill>
+                        <a:effectLst/>
+                        <a:latin typeface="Calibri" panose="020F0502020204030204" pitchFamily="34" charset="0"/>
+                      </a:endParaRPr>
+                    </a:p>
+                  </a:txBody>
+                  <a:tcPr marL="7620" marR="7620" marT="7620" marB="0" anchor="ctr">
+                    <a:gradFill flip="none" rotWithShape="1">
+                      <a:gsLst>
+                        <a:gs pos="0">
+                          <a:schemeClr val="accent1">
+                            <a:tint val="20000"/>
+                            <a:shade val="30000"/>
+                            <a:satMod val="115000"/>
+                          </a:schemeClr>
+                        </a:gs>
+                        <a:gs pos="50000">
+                          <a:schemeClr val="accent1">
+                            <a:tint val="20000"/>
+                            <a:shade val="67500"/>
+                            <a:satMod val="115000"/>
+                          </a:schemeClr>
+                        </a:gs>
+                        <a:gs pos="100000">
+                          <a:schemeClr val="accent1">
+                            <a:tint val="20000"/>
+                            <a:shade val="100000"/>
+                            <a:satMod val="115000"/>
+                          </a:schemeClr>
+                        </a:gs>
+                      </a:gsLst>
+                      <a:path path="circle">
+                        <a:fillToRect l="100000" t="100000"/>
+                      </a:path>
+                      <a:tileRect r="-100000" b="-100000"/>
+                    </a:gradFill>
+                  </a:tcPr>
+                </a:tc>
+                <a:tc>
+                  <a:txBody>
+                    <a:bodyPr/>
+                    <a:lstStyle/>
+                    <a:p>
+                      <a:pPr algn="ctr" fontAlgn="ctr"/>
+                      <a:r>
+                        <a:rPr lang="en-IN" sz="2400" u="none" strike="noStrike" dirty="0">
+                          <a:effectLst/>
+                        </a:rPr>
+                        <a:t>10.01</a:t>
+                      </a:r>
+                      <a:endParaRPr lang="en-IN" sz="2400" b="0" i="0" u="none" strike="noStrike" dirty="0">
+                        <a:solidFill>
+                          <a:srgbClr val="000000"/>
+                        </a:solidFill>
+                        <a:effectLst/>
+                        <a:latin typeface="Calibri" panose="020F0502020204030204" pitchFamily="34" charset="0"/>
+                      </a:endParaRPr>
+                    </a:p>
+                  </a:txBody>
+                  <a:tcPr marL="7620" marR="7620" marT="7620" marB="0" anchor="ctr">
+                    <a:gradFill flip="none" rotWithShape="1">
+                      <a:gsLst>
+                        <a:gs pos="0">
+                          <a:schemeClr val="accent1">
+                            <a:tint val="20000"/>
+                            <a:shade val="30000"/>
+                            <a:satMod val="115000"/>
+                          </a:schemeClr>
+                        </a:gs>
+                        <a:gs pos="50000">
+                          <a:schemeClr val="accent1">
+                            <a:tint val="20000"/>
+                            <a:shade val="67500"/>
+                            <a:satMod val="115000"/>
+                          </a:schemeClr>
+                        </a:gs>
+                        <a:gs pos="100000">
+                          <a:schemeClr val="accent1">
+                            <a:tint val="20000"/>
+                            <a:shade val="100000"/>
+                            <a:satMod val="115000"/>
+                          </a:schemeClr>
+                        </a:gs>
+                      </a:gsLst>
+                      <a:path path="circle">
+                        <a:fillToRect l="100000" t="100000"/>
+                      </a:path>
+                      <a:tileRect r="-100000" b="-100000"/>
+                    </a:gradFill>
+                  </a:tcPr>
+                </a:tc>
+                <a:tc>
+                  <a:txBody>
+                    <a:bodyPr/>
+                    <a:lstStyle/>
+                    <a:p>
+                      <a:pPr algn="ctr" fontAlgn="ctr"/>
+                      <a:r>
+                        <a:rPr lang="en-IN" sz="2400" u="none" strike="noStrike">
+                          <a:effectLst/>
+                        </a:rPr>
+                        <a:t>0.999</a:t>
+                      </a:r>
+                      <a:endParaRPr lang="en-IN" sz="2400" b="0" i="0" u="none" strike="noStrike">
+                        <a:solidFill>
+                          <a:srgbClr val="000000"/>
+                        </a:solidFill>
+                        <a:effectLst/>
+                        <a:latin typeface="Calibri" panose="020F0502020204030204" pitchFamily="34" charset="0"/>
+                      </a:endParaRPr>
+                    </a:p>
+                  </a:txBody>
+                  <a:tcPr marL="7620" marR="7620" marT="7620" marB="0" anchor="ctr">
+                    <a:gradFill flip="none" rotWithShape="1">
+                      <a:gsLst>
+                        <a:gs pos="0">
+                          <a:schemeClr val="accent1">
+                            <a:tint val="20000"/>
+                            <a:shade val="30000"/>
+                            <a:satMod val="115000"/>
+                          </a:schemeClr>
+                        </a:gs>
+                        <a:gs pos="50000">
+                          <a:schemeClr val="accent1">
+                            <a:tint val="20000"/>
+                            <a:shade val="67500"/>
+                            <a:satMod val="115000"/>
+                          </a:schemeClr>
+                        </a:gs>
+                        <a:gs pos="100000">
+                          <a:schemeClr val="accent1">
+                            <a:tint val="20000"/>
+                            <a:shade val="100000"/>
+                            <a:satMod val="115000"/>
+                          </a:schemeClr>
+                        </a:gs>
+                      </a:gsLst>
+                      <a:path path="circle">
+                        <a:fillToRect l="100000" t="100000"/>
+                      </a:path>
+                      <a:tileRect r="-100000" b="-100000"/>
+                    </a:gradFill>
+                  </a:tcPr>
+                </a:tc>
+                <a:extLst>
+                  <a:ext uri="{0D108BD9-81ED-4DB2-BD59-A6C34878D82A}">
+                    <a16:rowId xmlns:a16="http://schemas.microsoft.com/office/drawing/2014/main" val="1587959083"/>
+                  </a:ext>
+                </a:extLst>
+              </a:tr>
+              <a:tr h="334691">
+                <a:tc>
+                  <a:txBody>
+                    <a:bodyPr/>
+                    <a:lstStyle/>
+                    <a:p>
+                      <a:pPr algn="ctr" fontAlgn="ctr"/>
+                      <a:r>
+                        <a:rPr lang="en-IN" sz="2400" u="none" strike="noStrike">
+                          <a:effectLst/>
+                        </a:rPr>
+                        <a:t>Mar-20</a:t>
+                      </a:r>
+                      <a:endParaRPr lang="en-IN" sz="2400" b="0" i="0" u="none" strike="noStrike">
+                        <a:solidFill>
+                          <a:srgbClr val="000000"/>
+                        </a:solidFill>
+                        <a:effectLst/>
+                        <a:latin typeface="Calibri" panose="020F0502020204030204" pitchFamily="34" charset="0"/>
+                      </a:endParaRPr>
+                    </a:p>
+                  </a:txBody>
+                  <a:tcPr marL="7620" marR="7620" marT="7620" marB="0" anchor="ctr">
+                    <a:gradFill flip="none" rotWithShape="1">
+                      <a:gsLst>
+                        <a:gs pos="0">
+                          <a:schemeClr val="accent1">
+                            <a:tint val="20000"/>
+                            <a:shade val="30000"/>
+                            <a:satMod val="115000"/>
+                          </a:schemeClr>
+                        </a:gs>
+                        <a:gs pos="50000">
+                          <a:schemeClr val="accent1">
+                            <a:tint val="20000"/>
+                            <a:shade val="67500"/>
+                            <a:satMod val="115000"/>
+                          </a:schemeClr>
+                        </a:gs>
+                        <a:gs pos="100000">
+                          <a:schemeClr val="accent1">
+                            <a:tint val="20000"/>
+                            <a:shade val="100000"/>
+                            <a:satMod val="115000"/>
+                          </a:schemeClr>
+                        </a:gs>
+                      </a:gsLst>
+                      <a:path path="circle">
+                        <a:fillToRect l="100000" t="100000"/>
+                      </a:path>
+                      <a:tileRect r="-100000" b="-100000"/>
+                    </a:gradFill>
+                  </a:tcPr>
+                </a:tc>
+                <a:tc>
+                  <a:txBody>
+                    <a:bodyPr/>
+                    <a:lstStyle/>
+                    <a:p>
+                      <a:pPr algn="ctr" fontAlgn="ctr"/>
+                      <a:r>
+                        <a:rPr lang="en-IN" sz="2400" u="none" strike="noStrike">
+                          <a:effectLst/>
+                        </a:rPr>
+                        <a:t>10</a:t>
+                      </a:r>
+                      <a:endParaRPr lang="en-IN" sz="2400" b="0" i="0" u="none" strike="noStrike">
+                        <a:solidFill>
+                          <a:srgbClr val="000000"/>
+                        </a:solidFill>
+                        <a:effectLst/>
+                        <a:latin typeface="Calibri" panose="020F0502020204030204" pitchFamily="34" charset="0"/>
+                      </a:endParaRPr>
+                    </a:p>
+                  </a:txBody>
+                  <a:tcPr marL="7620" marR="7620" marT="7620" marB="0" anchor="ctr">
+                    <a:gradFill flip="none" rotWithShape="1">
+                      <a:gsLst>
+                        <a:gs pos="0">
+                          <a:schemeClr val="accent1">
+                            <a:tint val="20000"/>
+                            <a:shade val="30000"/>
+                            <a:satMod val="115000"/>
+                          </a:schemeClr>
+                        </a:gs>
+                        <a:gs pos="50000">
+                          <a:schemeClr val="accent1">
+                            <a:tint val="20000"/>
+                            <a:shade val="67500"/>
+                            <a:satMod val="115000"/>
+                          </a:schemeClr>
+                        </a:gs>
+                        <a:gs pos="100000">
+                          <a:schemeClr val="accent1">
+                            <a:tint val="20000"/>
+                            <a:shade val="100000"/>
+                            <a:satMod val="115000"/>
+                          </a:schemeClr>
+                        </a:gs>
+                      </a:gsLst>
+                      <a:path path="circle">
+                        <a:fillToRect l="100000" t="100000"/>
+                      </a:path>
+                      <a:tileRect r="-100000" b="-100000"/>
+                    </a:gradFill>
+                  </a:tcPr>
+                </a:tc>
+                <a:tc>
+                  <a:txBody>
+                    <a:bodyPr/>
+                    <a:lstStyle/>
+                    <a:p>
+                      <a:pPr algn="ctr" fontAlgn="ctr"/>
+                      <a:r>
+                        <a:rPr lang="en-IN" sz="2400" u="none" strike="noStrike">
+                          <a:effectLst/>
+                        </a:rPr>
+                        <a:t>10</a:t>
+                      </a:r>
+                      <a:endParaRPr lang="en-IN" sz="2400" b="0" i="0" u="none" strike="noStrike">
+                        <a:solidFill>
+                          <a:srgbClr val="000000"/>
+                        </a:solidFill>
+                        <a:effectLst/>
+                        <a:latin typeface="Calibri" panose="020F0502020204030204" pitchFamily="34" charset="0"/>
+                      </a:endParaRPr>
+                    </a:p>
+                  </a:txBody>
+                  <a:tcPr marL="7620" marR="7620" marT="7620" marB="0" anchor="ctr">
+                    <a:gradFill flip="none" rotWithShape="1">
+                      <a:gsLst>
+                        <a:gs pos="0">
+                          <a:schemeClr val="accent1">
+                            <a:tint val="20000"/>
+                            <a:shade val="30000"/>
+                            <a:satMod val="115000"/>
+                          </a:schemeClr>
+                        </a:gs>
+                        <a:gs pos="50000">
+                          <a:schemeClr val="accent1">
+                            <a:tint val="20000"/>
+                            <a:shade val="67500"/>
+                            <a:satMod val="115000"/>
+                          </a:schemeClr>
+                        </a:gs>
+                        <a:gs pos="100000">
+                          <a:schemeClr val="accent1">
+                            <a:tint val="20000"/>
+                            <a:shade val="100000"/>
+                            <a:satMod val="115000"/>
+                          </a:schemeClr>
+                        </a:gs>
+                      </a:gsLst>
+                      <a:path path="circle">
+                        <a:fillToRect l="100000" t="100000"/>
+                      </a:path>
+                      <a:tileRect r="-100000" b="-100000"/>
+                    </a:gradFill>
+                  </a:tcPr>
+                </a:tc>
+                <a:tc>
+                  <a:txBody>
+                    <a:bodyPr/>
+                    <a:lstStyle/>
+                    <a:p>
+                      <a:pPr algn="ctr" fontAlgn="ctr"/>
+                      <a:r>
+                        <a:rPr lang="en-IN" sz="2400" u="none" strike="noStrike" dirty="0">
+                          <a:effectLst/>
+                        </a:rPr>
+                        <a:t>10.01</a:t>
+                      </a:r>
+                      <a:endParaRPr lang="en-IN" sz="2400" b="0" i="0" u="none" strike="noStrike" dirty="0">
+                        <a:solidFill>
+                          <a:srgbClr val="000000"/>
+                        </a:solidFill>
+                        <a:effectLst/>
+                        <a:latin typeface="Calibri" panose="020F0502020204030204" pitchFamily="34" charset="0"/>
+                      </a:endParaRPr>
+                    </a:p>
+                  </a:txBody>
+                  <a:tcPr marL="7620" marR="7620" marT="7620" marB="0" anchor="ctr">
+                    <a:gradFill flip="none" rotWithShape="1">
+                      <a:gsLst>
+                        <a:gs pos="0">
+                          <a:schemeClr val="accent1">
+                            <a:tint val="20000"/>
+                            <a:shade val="30000"/>
+                            <a:satMod val="115000"/>
+                          </a:schemeClr>
+                        </a:gs>
+                        <a:gs pos="50000">
+                          <a:schemeClr val="accent1">
+                            <a:tint val="20000"/>
+                            <a:shade val="67500"/>
+                            <a:satMod val="115000"/>
+                          </a:schemeClr>
+                        </a:gs>
+                        <a:gs pos="100000">
+                          <a:schemeClr val="accent1">
+                            <a:tint val="20000"/>
+                            <a:shade val="100000"/>
+                            <a:satMod val="115000"/>
+                          </a:schemeClr>
+                        </a:gs>
+                      </a:gsLst>
+                      <a:path path="circle">
+                        <a:fillToRect l="100000" t="100000"/>
+                      </a:path>
+                      <a:tileRect r="-100000" b="-100000"/>
+                    </a:gradFill>
+                  </a:tcPr>
+                </a:tc>
+                <a:tc>
+                  <a:txBody>
+                    <a:bodyPr/>
+                    <a:lstStyle/>
+                    <a:p>
+                      <a:pPr algn="ctr" fontAlgn="ctr"/>
+                      <a:r>
+                        <a:rPr lang="en-IN" sz="2400" u="none" strike="noStrike">
+                          <a:effectLst/>
+                        </a:rPr>
+                        <a:t>0.999</a:t>
+                      </a:r>
+                      <a:endParaRPr lang="en-IN" sz="2400" b="0" i="0" u="none" strike="noStrike">
+                        <a:solidFill>
+                          <a:srgbClr val="000000"/>
+                        </a:solidFill>
+                        <a:effectLst/>
+                        <a:latin typeface="Calibri" panose="020F0502020204030204" pitchFamily="34" charset="0"/>
+                      </a:endParaRPr>
+                    </a:p>
+                  </a:txBody>
+                  <a:tcPr marL="7620" marR="7620" marT="7620" marB="0" anchor="ctr">
+                    <a:gradFill flip="none" rotWithShape="1">
+                      <a:gsLst>
+                        <a:gs pos="0">
+                          <a:schemeClr val="accent1">
+                            <a:tint val="20000"/>
+                            <a:shade val="30000"/>
+                            <a:satMod val="115000"/>
+                          </a:schemeClr>
+                        </a:gs>
+                        <a:gs pos="50000">
+                          <a:schemeClr val="accent1">
+                            <a:tint val="20000"/>
+                            <a:shade val="67500"/>
+                            <a:satMod val="115000"/>
+                          </a:schemeClr>
+                        </a:gs>
+                        <a:gs pos="100000">
+                          <a:schemeClr val="accent1">
+                            <a:tint val="20000"/>
+                            <a:shade val="100000"/>
+                            <a:satMod val="115000"/>
+                          </a:schemeClr>
+                        </a:gs>
+                      </a:gsLst>
+                      <a:path path="circle">
+                        <a:fillToRect l="100000" t="100000"/>
+                      </a:path>
+                      <a:tileRect r="-100000" b="-100000"/>
+                    </a:gradFill>
+                  </a:tcPr>
+                </a:tc>
+                <a:extLst>
+                  <a:ext uri="{0D108BD9-81ED-4DB2-BD59-A6C34878D82A}">
+                    <a16:rowId xmlns:a16="http://schemas.microsoft.com/office/drawing/2014/main" val="1392332844"/>
+                  </a:ext>
+                </a:extLst>
+              </a:tr>
+              <a:tr h="334691">
+                <a:tc>
+                  <a:txBody>
+                    <a:bodyPr/>
+                    <a:lstStyle/>
+                    <a:p>
+                      <a:pPr algn="ctr" fontAlgn="ctr"/>
+                      <a:r>
+                        <a:rPr lang="en-IN" sz="2400" u="none" strike="noStrike">
+                          <a:effectLst/>
+                        </a:rPr>
+                        <a:t>Apr-20</a:t>
+                      </a:r>
+                      <a:endParaRPr lang="en-IN" sz="2400" b="0" i="0" u="none" strike="noStrike">
+                        <a:solidFill>
+                          <a:srgbClr val="000000"/>
+                        </a:solidFill>
+                        <a:effectLst/>
+                        <a:latin typeface="Calibri" panose="020F0502020204030204" pitchFamily="34" charset="0"/>
+                      </a:endParaRPr>
+                    </a:p>
+                  </a:txBody>
+                  <a:tcPr marL="7620" marR="7620" marT="7620" marB="0" anchor="ctr">
+                    <a:gradFill flip="none" rotWithShape="1">
+                      <a:gsLst>
+                        <a:gs pos="0">
+                          <a:schemeClr val="accent1">
+                            <a:tint val="20000"/>
+                            <a:shade val="30000"/>
+                            <a:satMod val="115000"/>
+                          </a:schemeClr>
+                        </a:gs>
+                        <a:gs pos="50000">
+                          <a:schemeClr val="accent1">
+                            <a:tint val="20000"/>
+                            <a:shade val="67500"/>
+                            <a:satMod val="115000"/>
+                          </a:schemeClr>
+                        </a:gs>
+                        <a:gs pos="100000">
+                          <a:schemeClr val="accent1">
+                            <a:tint val="20000"/>
+                            <a:shade val="100000"/>
+                            <a:satMod val="115000"/>
+                          </a:schemeClr>
+                        </a:gs>
+                      </a:gsLst>
+                      <a:path path="circle">
+                        <a:fillToRect l="100000" t="100000"/>
+                      </a:path>
+                      <a:tileRect r="-100000" b="-100000"/>
+                    </a:gradFill>
+                  </a:tcPr>
+                </a:tc>
+                <a:tc>
+                  <a:txBody>
+                    <a:bodyPr/>
+                    <a:lstStyle/>
+                    <a:p>
+                      <a:pPr algn="ctr" fontAlgn="ctr"/>
+                      <a:r>
+                        <a:rPr lang="en-IN" sz="2400" u="none" strike="noStrike">
+                          <a:effectLst/>
+                        </a:rPr>
+                        <a:t>10</a:t>
+                      </a:r>
+                      <a:endParaRPr lang="en-IN" sz="2400" b="0" i="0" u="none" strike="noStrike">
+                        <a:solidFill>
+                          <a:srgbClr val="000000"/>
+                        </a:solidFill>
+                        <a:effectLst/>
+                        <a:latin typeface="Calibri" panose="020F0502020204030204" pitchFamily="34" charset="0"/>
+                      </a:endParaRPr>
+                    </a:p>
+                  </a:txBody>
+                  <a:tcPr marL="7620" marR="7620" marT="7620" marB="0" anchor="ctr">
+                    <a:gradFill flip="none" rotWithShape="1">
+                      <a:gsLst>
+                        <a:gs pos="0">
+                          <a:schemeClr val="accent1">
+                            <a:tint val="20000"/>
+                            <a:shade val="30000"/>
+                            <a:satMod val="115000"/>
+                          </a:schemeClr>
+                        </a:gs>
+                        <a:gs pos="50000">
+                          <a:schemeClr val="accent1">
+                            <a:tint val="20000"/>
+                            <a:shade val="67500"/>
+                            <a:satMod val="115000"/>
+                          </a:schemeClr>
+                        </a:gs>
+                        <a:gs pos="100000">
+                          <a:schemeClr val="accent1">
+                            <a:tint val="20000"/>
+                            <a:shade val="100000"/>
+                            <a:satMod val="115000"/>
+                          </a:schemeClr>
+                        </a:gs>
+                      </a:gsLst>
+                      <a:path path="circle">
+                        <a:fillToRect l="100000" t="100000"/>
+                      </a:path>
+                      <a:tileRect r="-100000" b="-100000"/>
+                    </a:gradFill>
+                  </a:tcPr>
+                </a:tc>
+                <a:tc>
+                  <a:txBody>
+                    <a:bodyPr/>
+                    <a:lstStyle/>
+                    <a:p>
+                      <a:pPr algn="ctr" fontAlgn="ctr"/>
+                      <a:r>
+                        <a:rPr lang="en-IN" sz="2400" u="none" strike="noStrike">
+                          <a:effectLst/>
+                        </a:rPr>
+                        <a:t>11</a:t>
+                      </a:r>
+                      <a:endParaRPr lang="en-IN" sz="2400" b="0" i="0" u="none" strike="noStrike">
+                        <a:solidFill>
+                          <a:srgbClr val="000000"/>
+                        </a:solidFill>
+                        <a:effectLst/>
+                        <a:latin typeface="Calibri" panose="020F0502020204030204" pitchFamily="34" charset="0"/>
+                      </a:endParaRPr>
+                    </a:p>
+                  </a:txBody>
+                  <a:tcPr marL="7620" marR="7620" marT="7620" marB="0" anchor="ctr">
+                    <a:gradFill flip="none" rotWithShape="1">
+                      <a:gsLst>
+                        <a:gs pos="0">
+                          <a:schemeClr val="accent1">
+                            <a:tint val="20000"/>
+                            <a:shade val="30000"/>
+                            <a:satMod val="115000"/>
+                          </a:schemeClr>
+                        </a:gs>
+                        <a:gs pos="50000">
+                          <a:schemeClr val="accent1">
+                            <a:tint val="20000"/>
+                            <a:shade val="67500"/>
+                            <a:satMod val="115000"/>
+                          </a:schemeClr>
+                        </a:gs>
+                        <a:gs pos="100000">
+                          <a:schemeClr val="accent1">
+                            <a:tint val="20000"/>
+                            <a:shade val="100000"/>
+                            <a:satMod val="115000"/>
+                          </a:schemeClr>
+                        </a:gs>
+                      </a:gsLst>
+                      <a:path path="circle">
+                        <a:fillToRect l="100000" t="100000"/>
+                      </a:path>
+                      <a:tileRect r="-100000" b="-100000"/>
+                    </a:gradFill>
+                  </a:tcPr>
+                </a:tc>
+                <a:tc>
+                  <a:txBody>
+                    <a:bodyPr/>
+                    <a:lstStyle/>
+                    <a:p>
+                      <a:pPr algn="ctr" fontAlgn="ctr"/>
+                      <a:r>
+                        <a:rPr lang="en-IN" sz="2400" u="none" strike="noStrike" dirty="0">
+                          <a:effectLst/>
+                        </a:rPr>
+                        <a:t>10.01</a:t>
+                      </a:r>
+                      <a:endParaRPr lang="en-IN" sz="2400" b="0" i="0" u="none" strike="noStrike" dirty="0">
+                        <a:solidFill>
+                          <a:srgbClr val="000000"/>
+                        </a:solidFill>
+                        <a:effectLst/>
+                        <a:latin typeface="Calibri" panose="020F0502020204030204" pitchFamily="34" charset="0"/>
+                      </a:endParaRPr>
+                    </a:p>
+                  </a:txBody>
+                  <a:tcPr marL="7620" marR="7620" marT="7620" marB="0" anchor="ctr">
+                    <a:gradFill flip="none" rotWithShape="1">
+                      <a:gsLst>
+                        <a:gs pos="0">
+                          <a:schemeClr val="accent1">
+                            <a:tint val="20000"/>
+                            <a:shade val="30000"/>
+                            <a:satMod val="115000"/>
+                          </a:schemeClr>
+                        </a:gs>
+                        <a:gs pos="50000">
+                          <a:schemeClr val="accent1">
+                            <a:tint val="20000"/>
+                            <a:shade val="67500"/>
+                            <a:satMod val="115000"/>
+                          </a:schemeClr>
+                        </a:gs>
+                        <a:gs pos="100000">
+                          <a:schemeClr val="accent1">
+                            <a:tint val="20000"/>
+                            <a:shade val="100000"/>
+                            <a:satMod val="115000"/>
+                          </a:schemeClr>
+                        </a:gs>
+                      </a:gsLst>
+                      <a:path path="circle">
+                        <a:fillToRect l="100000" t="100000"/>
+                      </a:path>
+                      <a:tileRect r="-100000" b="-100000"/>
+                    </a:gradFill>
+                  </a:tcPr>
+                </a:tc>
+                <a:tc>
+                  <a:txBody>
+                    <a:bodyPr/>
+                    <a:lstStyle/>
+                    <a:p>
+                      <a:pPr algn="ctr" fontAlgn="ctr"/>
+                      <a:r>
+                        <a:rPr lang="en-IN" sz="2400" u="none" strike="noStrike">
+                          <a:effectLst/>
+                        </a:rPr>
+                        <a:t>1.10</a:t>
+                      </a:r>
+                      <a:endParaRPr lang="en-IN" sz="2400" b="0" i="0" u="none" strike="noStrike">
+                        <a:solidFill>
+                          <a:srgbClr val="000000"/>
+                        </a:solidFill>
+                        <a:effectLst/>
+                        <a:latin typeface="Calibri" panose="020F0502020204030204" pitchFamily="34" charset="0"/>
+                      </a:endParaRPr>
+                    </a:p>
+                  </a:txBody>
+                  <a:tcPr marL="7620" marR="7620" marT="7620" marB="0" anchor="ctr">
+                    <a:gradFill flip="none" rotWithShape="1">
+                      <a:gsLst>
+                        <a:gs pos="0">
+                          <a:schemeClr val="accent1">
+                            <a:tint val="20000"/>
+                            <a:shade val="30000"/>
+                            <a:satMod val="115000"/>
+                          </a:schemeClr>
+                        </a:gs>
+                        <a:gs pos="50000">
+                          <a:schemeClr val="accent1">
+                            <a:tint val="20000"/>
+                            <a:shade val="67500"/>
+                            <a:satMod val="115000"/>
+                          </a:schemeClr>
+                        </a:gs>
+                        <a:gs pos="100000">
+                          <a:schemeClr val="accent1">
+                            <a:tint val="20000"/>
+                            <a:shade val="100000"/>
+                            <a:satMod val="115000"/>
+                          </a:schemeClr>
+                        </a:gs>
+                      </a:gsLst>
+                      <a:path path="circle">
+                        <a:fillToRect l="100000" t="100000"/>
+                      </a:path>
+                      <a:tileRect r="-100000" b="-100000"/>
+                    </a:gradFill>
+                  </a:tcPr>
+                </a:tc>
+                <a:extLst>
+                  <a:ext uri="{0D108BD9-81ED-4DB2-BD59-A6C34878D82A}">
+                    <a16:rowId xmlns:a16="http://schemas.microsoft.com/office/drawing/2014/main" val="1643003132"/>
+                  </a:ext>
+                </a:extLst>
+              </a:tr>
+              <a:tr h="334691">
+                <a:tc>
+                  <a:txBody>
+                    <a:bodyPr/>
+                    <a:lstStyle/>
+                    <a:p>
+                      <a:pPr algn="ctr" fontAlgn="ctr"/>
+                      <a:r>
+                        <a:rPr lang="en-IN" sz="2400" u="none" strike="noStrike">
+                          <a:effectLst/>
+                        </a:rPr>
+                        <a:t>May-20</a:t>
+                      </a:r>
+                      <a:endParaRPr lang="en-IN" sz="2400" b="0" i="0" u="none" strike="noStrike">
+                        <a:solidFill>
+                          <a:srgbClr val="000000"/>
+                        </a:solidFill>
+                        <a:effectLst/>
+                        <a:latin typeface="Calibri" panose="020F0502020204030204" pitchFamily="34" charset="0"/>
+                      </a:endParaRPr>
+                    </a:p>
+                  </a:txBody>
+                  <a:tcPr marL="7620" marR="7620" marT="7620" marB="0" anchor="ctr">
+                    <a:gradFill flip="none" rotWithShape="1">
+                      <a:gsLst>
+                        <a:gs pos="0">
+                          <a:schemeClr val="accent1">
+                            <a:tint val="20000"/>
+                            <a:shade val="30000"/>
+                            <a:satMod val="115000"/>
+                          </a:schemeClr>
+                        </a:gs>
+                        <a:gs pos="50000">
+                          <a:schemeClr val="accent1">
+                            <a:tint val="20000"/>
+                            <a:shade val="67500"/>
+                            <a:satMod val="115000"/>
+                          </a:schemeClr>
+                        </a:gs>
+                        <a:gs pos="100000">
+                          <a:schemeClr val="accent1">
+                            <a:tint val="20000"/>
+                            <a:shade val="100000"/>
+                            <a:satMod val="115000"/>
+                          </a:schemeClr>
+                        </a:gs>
+                      </a:gsLst>
+                      <a:path path="circle">
+                        <a:fillToRect l="100000" t="100000"/>
+                      </a:path>
+                      <a:tileRect r="-100000" b="-100000"/>
+                    </a:gradFill>
+                  </a:tcPr>
+                </a:tc>
+                <a:tc>
+                  <a:txBody>
+                    <a:bodyPr/>
+                    <a:lstStyle/>
+                    <a:p>
+                      <a:pPr algn="ctr" fontAlgn="ctr"/>
+                      <a:r>
+                        <a:rPr lang="en-IN" sz="2400" u="none" strike="noStrike">
+                          <a:effectLst/>
+                        </a:rPr>
+                        <a:t>10</a:t>
+                      </a:r>
+                      <a:endParaRPr lang="en-IN" sz="2400" b="0" i="0" u="none" strike="noStrike">
+                        <a:solidFill>
+                          <a:srgbClr val="000000"/>
+                        </a:solidFill>
+                        <a:effectLst/>
+                        <a:latin typeface="Calibri" panose="020F0502020204030204" pitchFamily="34" charset="0"/>
+                      </a:endParaRPr>
+                    </a:p>
+                  </a:txBody>
+                  <a:tcPr marL="7620" marR="7620" marT="7620" marB="0" anchor="ctr">
+                    <a:gradFill flip="none" rotWithShape="1">
+                      <a:gsLst>
+                        <a:gs pos="0">
+                          <a:schemeClr val="accent1">
+                            <a:tint val="20000"/>
+                            <a:shade val="30000"/>
+                            <a:satMod val="115000"/>
+                          </a:schemeClr>
+                        </a:gs>
+                        <a:gs pos="50000">
+                          <a:schemeClr val="accent1">
+                            <a:tint val="20000"/>
+                            <a:shade val="67500"/>
+                            <a:satMod val="115000"/>
+                          </a:schemeClr>
+                        </a:gs>
+                        <a:gs pos="100000">
+                          <a:schemeClr val="accent1">
+                            <a:tint val="20000"/>
+                            <a:shade val="100000"/>
+                            <a:satMod val="115000"/>
+                          </a:schemeClr>
+                        </a:gs>
+                      </a:gsLst>
+                      <a:path path="circle">
+                        <a:fillToRect l="100000" t="100000"/>
+                      </a:path>
+                      <a:tileRect r="-100000" b="-100000"/>
+                    </a:gradFill>
+                  </a:tcPr>
+                </a:tc>
+                <a:tc>
+                  <a:txBody>
+                    <a:bodyPr/>
+                    <a:lstStyle/>
+                    <a:p>
+                      <a:pPr algn="ctr" fontAlgn="ctr"/>
+                      <a:r>
+                        <a:rPr lang="en-IN" sz="2400" u="none" strike="noStrike">
+                          <a:effectLst/>
+                        </a:rPr>
+                        <a:t>13</a:t>
+                      </a:r>
+                      <a:endParaRPr lang="en-IN" sz="2400" b="0" i="0" u="none" strike="noStrike">
+                        <a:solidFill>
+                          <a:srgbClr val="000000"/>
+                        </a:solidFill>
+                        <a:effectLst/>
+                        <a:latin typeface="Calibri" panose="020F0502020204030204" pitchFamily="34" charset="0"/>
+                      </a:endParaRPr>
+                    </a:p>
+                  </a:txBody>
+                  <a:tcPr marL="7620" marR="7620" marT="7620" marB="0" anchor="ctr">
+                    <a:gradFill flip="none" rotWithShape="1">
+                      <a:gsLst>
+                        <a:gs pos="0">
+                          <a:schemeClr val="accent1">
+                            <a:tint val="20000"/>
+                            <a:shade val="30000"/>
+                            <a:satMod val="115000"/>
+                          </a:schemeClr>
+                        </a:gs>
+                        <a:gs pos="50000">
+                          <a:schemeClr val="accent1">
+                            <a:tint val="20000"/>
+                            <a:shade val="67500"/>
+                            <a:satMod val="115000"/>
+                          </a:schemeClr>
+                        </a:gs>
+                        <a:gs pos="100000">
+                          <a:schemeClr val="accent1">
+                            <a:tint val="20000"/>
+                            <a:shade val="100000"/>
+                            <a:satMod val="115000"/>
+                          </a:schemeClr>
+                        </a:gs>
+                      </a:gsLst>
+                      <a:path path="circle">
+                        <a:fillToRect l="100000" t="100000"/>
+                      </a:path>
+                      <a:tileRect r="-100000" b="-100000"/>
+                    </a:gradFill>
+                  </a:tcPr>
+                </a:tc>
+                <a:tc>
+                  <a:txBody>
+                    <a:bodyPr/>
+                    <a:lstStyle/>
+                    <a:p>
+                      <a:pPr algn="ctr" fontAlgn="ctr"/>
+                      <a:r>
+                        <a:rPr lang="en-IN" sz="2400" u="none" strike="noStrike" dirty="0">
+                          <a:effectLst/>
+                        </a:rPr>
+                        <a:t>10.01</a:t>
+                      </a:r>
+                      <a:endParaRPr lang="en-IN" sz="2400" b="0" i="0" u="none" strike="noStrike" dirty="0">
+                        <a:solidFill>
+                          <a:srgbClr val="000000"/>
+                        </a:solidFill>
+                        <a:effectLst/>
+                        <a:latin typeface="Calibri" panose="020F0502020204030204" pitchFamily="34" charset="0"/>
+                      </a:endParaRPr>
+                    </a:p>
+                  </a:txBody>
+                  <a:tcPr marL="7620" marR="7620" marT="7620" marB="0" anchor="ctr">
+                    <a:gradFill flip="none" rotWithShape="1">
+                      <a:gsLst>
+                        <a:gs pos="0">
+                          <a:schemeClr val="accent1">
+                            <a:tint val="20000"/>
+                            <a:shade val="30000"/>
+                            <a:satMod val="115000"/>
+                          </a:schemeClr>
+                        </a:gs>
+                        <a:gs pos="50000">
+                          <a:schemeClr val="accent1">
+                            <a:tint val="20000"/>
+                            <a:shade val="67500"/>
+                            <a:satMod val="115000"/>
+                          </a:schemeClr>
+                        </a:gs>
+                        <a:gs pos="100000">
+                          <a:schemeClr val="accent1">
+                            <a:tint val="20000"/>
+                            <a:shade val="100000"/>
+                            <a:satMod val="115000"/>
+                          </a:schemeClr>
+                        </a:gs>
+                      </a:gsLst>
+                      <a:path path="circle">
+                        <a:fillToRect l="100000" t="100000"/>
+                      </a:path>
+                      <a:tileRect r="-100000" b="-100000"/>
+                    </a:gradFill>
+                  </a:tcPr>
+                </a:tc>
+                <a:tc>
+                  <a:txBody>
+                    <a:bodyPr/>
+                    <a:lstStyle/>
+                    <a:p>
+                      <a:pPr algn="ctr" fontAlgn="ctr"/>
+                      <a:r>
+                        <a:rPr lang="en-IN" sz="2400" u="none" strike="noStrike" dirty="0">
+                          <a:effectLst/>
+                        </a:rPr>
+                        <a:t>1.30</a:t>
+                      </a:r>
+                      <a:endParaRPr lang="en-IN" sz="2400" b="0" i="0" u="none" strike="noStrike" dirty="0">
+                        <a:solidFill>
+                          <a:srgbClr val="000000"/>
+                        </a:solidFill>
+                        <a:effectLst/>
+                        <a:latin typeface="Calibri" panose="020F0502020204030204" pitchFamily="34" charset="0"/>
+                      </a:endParaRPr>
+                    </a:p>
+                  </a:txBody>
+                  <a:tcPr marL="7620" marR="7620" marT="7620" marB="0" anchor="ctr">
+                    <a:gradFill flip="none" rotWithShape="1">
+                      <a:gsLst>
+                        <a:gs pos="0">
+                          <a:schemeClr val="accent1">
+                            <a:tint val="20000"/>
+                            <a:shade val="30000"/>
+                            <a:satMod val="115000"/>
+                          </a:schemeClr>
+                        </a:gs>
+                        <a:gs pos="50000">
+                          <a:schemeClr val="accent1">
+                            <a:tint val="20000"/>
+                            <a:shade val="67500"/>
+                            <a:satMod val="115000"/>
+                          </a:schemeClr>
+                        </a:gs>
+                        <a:gs pos="100000">
+                          <a:schemeClr val="accent1">
+                            <a:tint val="20000"/>
+                            <a:shade val="100000"/>
+                            <a:satMod val="115000"/>
+                          </a:schemeClr>
+                        </a:gs>
+                      </a:gsLst>
+                      <a:path path="circle">
+                        <a:fillToRect l="100000" t="100000"/>
+                      </a:path>
+                      <a:tileRect r="-100000" b="-100000"/>
+                    </a:gradFill>
+                  </a:tcPr>
+                </a:tc>
+                <a:extLst>
+                  <a:ext uri="{0D108BD9-81ED-4DB2-BD59-A6C34878D82A}">
+                    <a16:rowId xmlns:a16="http://schemas.microsoft.com/office/drawing/2014/main" val="2776776332"/>
+                  </a:ext>
+                </a:extLst>
+              </a:tr>
+              <a:tr h="334691">
+                <a:tc>
+                  <a:txBody>
+                    <a:bodyPr/>
+                    <a:lstStyle/>
+                    <a:p>
+                      <a:pPr algn="ctr" fontAlgn="ctr"/>
+                      <a:r>
+                        <a:rPr lang="en-IN" sz="2400" u="none" strike="noStrike">
+                          <a:effectLst/>
+                        </a:rPr>
+                        <a:t>Jun-20</a:t>
+                      </a:r>
+                      <a:endParaRPr lang="en-IN" sz="2400" b="0" i="0" u="none" strike="noStrike">
+                        <a:solidFill>
+                          <a:srgbClr val="000000"/>
+                        </a:solidFill>
+                        <a:effectLst/>
+                        <a:latin typeface="Calibri" panose="020F0502020204030204" pitchFamily="34" charset="0"/>
+                      </a:endParaRPr>
+                    </a:p>
+                  </a:txBody>
+                  <a:tcPr marL="7620" marR="7620" marT="7620" marB="0" anchor="ctr">
+                    <a:gradFill flip="none" rotWithShape="1">
+                      <a:gsLst>
+                        <a:gs pos="0">
+                          <a:schemeClr val="accent1">
+                            <a:tint val="20000"/>
+                            <a:shade val="30000"/>
+                            <a:satMod val="115000"/>
+                          </a:schemeClr>
+                        </a:gs>
+                        <a:gs pos="50000">
+                          <a:schemeClr val="accent1">
+                            <a:tint val="20000"/>
+                            <a:shade val="67500"/>
+                            <a:satMod val="115000"/>
+                          </a:schemeClr>
+                        </a:gs>
+                        <a:gs pos="100000">
+                          <a:schemeClr val="accent1">
+                            <a:tint val="20000"/>
+                            <a:shade val="100000"/>
+                            <a:satMod val="115000"/>
+                          </a:schemeClr>
+                        </a:gs>
+                      </a:gsLst>
+                      <a:path path="circle">
+                        <a:fillToRect l="100000" t="100000"/>
+                      </a:path>
+                      <a:tileRect r="-100000" b="-100000"/>
+                    </a:gradFill>
+                  </a:tcPr>
+                </a:tc>
+                <a:tc>
+                  <a:txBody>
+                    <a:bodyPr/>
+                    <a:lstStyle/>
+                    <a:p>
+                      <a:pPr algn="ctr" fontAlgn="ctr"/>
+                      <a:r>
+                        <a:rPr lang="en-IN" sz="2400" u="none" strike="noStrike">
+                          <a:effectLst/>
+                        </a:rPr>
+                        <a:t>10.02</a:t>
+                      </a:r>
+                      <a:endParaRPr lang="en-IN" sz="2400" b="0" i="0" u="none" strike="noStrike">
+                        <a:solidFill>
+                          <a:srgbClr val="000000"/>
+                        </a:solidFill>
+                        <a:effectLst/>
+                        <a:latin typeface="Calibri" panose="020F0502020204030204" pitchFamily="34" charset="0"/>
+                      </a:endParaRPr>
+                    </a:p>
+                  </a:txBody>
+                  <a:tcPr marL="7620" marR="7620" marT="7620" marB="0" anchor="ctr">
+                    <a:gradFill flip="none" rotWithShape="1">
+                      <a:gsLst>
+                        <a:gs pos="0">
+                          <a:schemeClr val="accent1">
+                            <a:tint val="20000"/>
+                            <a:shade val="30000"/>
+                            <a:satMod val="115000"/>
+                          </a:schemeClr>
+                        </a:gs>
+                        <a:gs pos="50000">
+                          <a:schemeClr val="accent1">
+                            <a:tint val="20000"/>
+                            <a:shade val="67500"/>
+                            <a:satMod val="115000"/>
+                          </a:schemeClr>
+                        </a:gs>
+                        <a:gs pos="100000">
+                          <a:schemeClr val="accent1">
+                            <a:tint val="20000"/>
+                            <a:shade val="100000"/>
+                            <a:satMod val="115000"/>
+                          </a:schemeClr>
+                        </a:gs>
+                      </a:gsLst>
+                      <a:path path="circle">
+                        <a:fillToRect l="100000" t="100000"/>
+                      </a:path>
+                      <a:tileRect r="-100000" b="-100000"/>
+                    </a:gradFill>
+                  </a:tcPr>
+                </a:tc>
+                <a:tc>
+                  <a:txBody>
+                    <a:bodyPr/>
+                    <a:lstStyle/>
+                    <a:p>
+                      <a:pPr algn="ctr" fontAlgn="ctr"/>
+                      <a:r>
+                        <a:rPr lang="en-IN" sz="2400" u="none" strike="noStrike">
+                          <a:effectLst/>
+                        </a:rPr>
+                        <a:t>18</a:t>
+                      </a:r>
+                      <a:endParaRPr lang="en-IN" sz="2400" b="0" i="0" u="none" strike="noStrike">
+                        <a:solidFill>
+                          <a:srgbClr val="000000"/>
+                        </a:solidFill>
+                        <a:effectLst/>
+                        <a:latin typeface="Calibri" panose="020F0502020204030204" pitchFamily="34" charset="0"/>
+                      </a:endParaRPr>
+                    </a:p>
+                  </a:txBody>
+                  <a:tcPr marL="7620" marR="7620" marT="7620" marB="0" anchor="ctr">
+                    <a:gradFill flip="none" rotWithShape="1">
+                      <a:gsLst>
+                        <a:gs pos="0">
+                          <a:schemeClr val="accent1">
+                            <a:tint val="20000"/>
+                            <a:shade val="30000"/>
+                            <a:satMod val="115000"/>
+                          </a:schemeClr>
+                        </a:gs>
+                        <a:gs pos="50000">
+                          <a:schemeClr val="accent1">
+                            <a:tint val="20000"/>
+                            <a:shade val="67500"/>
+                            <a:satMod val="115000"/>
+                          </a:schemeClr>
+                        </a:gs>
+                        <a:gs pos="100000">
+                          <a:schemeClr val="accent1">
+                            <a:tint val="20000"/>
+                            <a:shade val="100000"/>
+                            <a:satMod val="115000"/>
+                          </a:schemeClr>
+                        </a:gs>
+                      </a:gsLst>
+                      <a:path path="circle">
+                        <a:fillToRect l="100000" t="100000"/>
+                      </a:path>
+                      <a:tileRect r="-100000" b="-100000"/>
+                    </a:gradFill>
+                  </a:tcPr>
+                </a:tc>
+                <a:tc>
+                  <a:txBody>
+                    <a:bodyPr/>
+                    <a:lstStyle/>
+                    <a:p>
+                      <a:pPr algn="ctr" fontAlgn="ctr"/>
+                      <a:r>
+                        <a:rPr lang="en-IN" sz="2400" u="none" strike="noStrike">
+                          <a:effectLst/>
+                        </a:rPr>
+                        <a:t>10.02</a:t>
+                      </a:r>
+                      <a:endParaRPr lang="en-IN" sz="2400" b="0" i="0" u="none" strike="noStrike">
+                        <a:solidFill>
+                          <a:srgbClr val="000000"/>
+                        </a:solidFill>
+                        <a:effectLst/>
+                        <a:latin typeface="Calibri" panose="020F0502020204030204" pitchFamily="34" charset="0"/>
+                      </a:endParaRPr>
+                    </a:p>
+                  </a:txBody>
+                  <a:tcPr marL="7620" marR="7620" marT="7620" marB="0" anchor="ctr">
+                    <a:gradFill flip="none" rotWithShape="1">
+                      <a:gsLst>
+                        <a:gs pos="0">
+                          <a:schemeClr val="accent1">
+                            <a:tint val="20000"/>
+                            <a:shade val="30000"/>
+                            <a:satMod val="115000"/>
+                          </a:schemeClr>
+                        </a:gs>
+                        <a:gs pos="50000">
+                          <a:schemeClr val="accent1">
+                            <a:tint val="20000"/>
+                            <a:shade val="67500"/>
+                            <a:satMod val="115000"/>
+                          </a:schemeClr>
+                        </a:gs>
+                        <a:gs pos="100000">
+                          <a:schemeClr val="accent1">
+                            <a:tint val="20000"/>
+                            <a:shade val="100000"/>
+                            <a:satMod val="115000"/>
+                          </a:schemeClr>
+                        </a:gs>
+                      </a:gsLst>
+                      <a:path path="circle">
+                        <a:fillToRect l="100000" t="100000"/>
+                      </a:path>
+                      <a:tileRect r="-100000" b="-100000"/>
+                    </a:gradFill>
+                  </a:tcPr>
+                </a:tc>
+                <a:tc>
+                  <a:txBody>
+                    <a:bodyPr/>
+                    <a:lstStyle/>
+                    <a:p>
+                      <a:pPr algn="ctr" fontAlgn="ctr"/>
+                      <a:r>
+                        <a:rPr lang="en-IN" sz="2400" u="none" strike="noStrike" dirty="0">
+                          <a:effectLst/>
+                        </a:rPr>
+                        <a:t>1.80</a:t>
+                      </a:r>
+                      <a:endParaRPr lang="en-IN" sz="2400" b="0" i="0" u="none" strike="noStrike" dirty="0">
+                        <a:solidFill>
+                          <a:srgbClr val="000000"/>
+                        </a:solidFill>
+                        <a:effectLst/>
+                        <a:latin typeface="Calibri" panose="020F0502020204030204" pitchFamily="34" charset="0"/>
+                      </a:endParaRPr>
+                    </a:p>
+                  </a:txBody>
+                  <a:tcPr marL="7620" marR="7620" marT="7620" marB="0" anchor="ctr">
+                    <a:gradFill flip="none" rotWithShape="1">
+                      <a:gsLst>
+                        <a:gs pos="0">
+                          <a:schemeClr val="accent1">
+                            <a:tint val="20000"/>
+                            <a:shade val="30000"/>
+                            <a:satMod val="115000"/>
+                          </a:schemeClr>
+                        </a:gs>
+                        <a:gs pos="50000">
+                          <a:schemeClr val="accent1">
+                            <a:tint val="20000"/>
+                            <a:shade val="67500"/>
+                            <a:satMod val="115000"/>
+                          </a:schemeClr>
+                        </a:gs>
+                        <a:gs pos="100000">
+                          <a:schemeClr val="accent1">
+                            <a:tint val="20000"/>
+                            <a:shade val="100000"/>
+                            <a:satMod val="115000"/>
+                          </a:schemeClr>
+                        </a:gs>
+                      </a:gsLst>
+                      <a:path path="circle">
+                        <a:fillToRect l="100000" t="100000"/>
+                      </a:path>
+                      <a:tileRect r="-100000" b="-100000"/>
+                    </a:gradFill>
+                  </a:tcPr>
+                </a:tc>
+                <a:extLst>
+                  <a:ext uri="{0D108BD9-81ED-4DB2-BD59-A6C34878D82A}">
+                    <a16:rowId xmlns:a16="http://schemas.microsoft.com/office/drawing/2014/main" val="965867039"/>
+                  </a:ext>
+                </a:extLst>
+              </a:tr>
+              <a:tr h="334691">
+                <a:tc>
+                  <a:txBody>
+                    <a:bodyPr/>
+                    <a:lstStyle/>
+                    <a:p>
+                      <a:pPr algn="ctr" fontAlgn="ctr"/>
+                      <a:r>
+                        <a:rPr lang="en-IN" sz="2400" u="none" strike="noStrike">
+                          <a:effectLst/>
+                        </a:rPr>
+                        <a:t>Jul-20</a:t>
+                      </a:r>
+                      <a:endParaRPr lang="en-IN" sz="2400" b="0" i="0" u="none" strike="noStrike">
+                        <a:solidFill>
+                          <a:srgbClr val="000000"/>
+                        </a:solidFill>
+                        <a:effectLst/>
+                        <a:latin typeface="Calibri" panose="020F0502020204030204" pitchFamily="34" charset="0"/>
+                      </a:endParaRPr>
+                    </a:p>
+                  </a:txBody>
+                  <a:tcPr marL="7620" marR="7620" marT="7620" marB="0" anchor="ctr">
+                    <a:gradFill flip="none" rotWithShape="1">
+                      <a:gsLst>
+                        <a:gs pos="0">
+                          <a:schemeClr val="accent1">
+                            <a:tint val="20000"/>
+                            <a:shade val="30000"/>
+                            <a:satMod val="115000"/>
+                          </a:schemeClr>
+                        </a:gs>
+                        <a:gs pos="50000">
+                          <a:schemeClr val="accent1">
+                            <a:tint val="20000"/>
+                            <a:shade val="67500"/>
+                            <a:satMod val="115000"/>
+                          </a:schemeClr>
+                        </a:gs>
+                        <a:gs pos="100000">
+                          <a:schemeClr val="accent1">
+                            <a:tint val="20000"/>
+                            <a:shade val="100000"/>
+                            <a:satMod val="115000"/>
+                          </a:schemeClr>
+                        </a:gs>
+                      </a:gsLst>
+                      <a:path path="circle">
+                        <a:fillToRect l="100000" t="100000"/>
+                      </a:path>
+                      <a:tileRect r="-100000" b="-100000"/>
+                    </a:gradFill>
+                  </a:tcPr>
+                </a:tc>
+                <a:tc>
+                  <a:txBody>
+                    <a:bodyPr/>
+                    <a:lstStyle/>
+                    <a:p>
+                      <a:pPr algn="ctr" fontAlgn="ctr"/>
+                      <a:r>
+                        <a:rPr lang="en-IN" sz="2400" u="none" strike="noStrike">
+                          <a:effectLst/>
+                        </a:rPr>
+                        <a:t>13</a:t>
+                      </a:r>
+                      <a:endParaRPr lang="en-IN" sz="2400" b="0" i="0" u="none" strike="noStrike">
+                        <a:solidFill>
+                          <a:srgbClr val="000000"/>
+                        </a:solidFill>
+                        <a:effectLst/>
+                        <a:latin typeface="Calibri" panose="020F0502020204030204" pitchFamily="34" charset="0"/>
+                      </a:endParaRPr>
+                    </a:p>
+                  </a:txBody>
+                  <a:tcPr marL="7620" marR="7620" marT="7620" marB="0" anchor="ctr">
+                    <a:gradFill flip="none" rotWithShape="1">
+                      <a:gsLst>
+                        <a:gs pos="0">
+                          <a:schemeClr val="accent1">
+                            <a:tint val="20000"/>
+                            <a:shade val="30000"/>
+                            <a:satMod val="115000"/>
+                          </a:schemeClr>
+                        </a:gs>
+                        <a:gs pos="50000">
+                          <a:schemeClr val="accent1">
+                            <a:tint val="20000"/>
+                            <a:shade val="67500"/>
+                            <a:satMod val="115000"/>
+                          </a:schemeClr>
+                        </a:gs>
+                        <a:gs pos="100000">
+                          <a:schemeClr val="accent1">
+                            <a:tint val="20000"/>
+                            <a:shade val="100000"/>
+                            <a:satMod val="115000"/>
+                          </a:schemeClr>
+                        </a:gs>
+                      </a:gsLst>
+                      <a:path path="circle">
+                        <a:fillToRect l="100000" t="100000"/>
+                      </a:path>
+                      <a:tileRect r="-100000" b="-100000"/>
+                    </a:gradFill>
+                  </a:tcPr>
+                </a:tc>
+                <a:tc>
+                  <a:txBody>
+                    <a:bodyPr/>
+                    <a:lstStyle/>
+                    <a:p>
+                      <a:pPr algn="ctr" fontAlgn="ctr"/>
+                      <a:r>
+                        <a:rPr lang="en-IN" sz="2400" u="none" strike="noStrike">
+                          <a:effectLst/>
+                        </a:rPr>
+                        <a:t>20</a:t>
+                      </a:r>
+                      <a:endParaRPr lang="en-IN" sz="2400" b="0" i="0" u="none" strike="noStrike">
+                        <a:solidFill>
+                          <a:srgbClr val="000000"/>
+                        </a:solidFill>
+                        <a:effectLst/>
+                        <a:latin typeface="Calibri" panose="020F0502020204030204" pitchFamily="34" charset="0"/>
+                      </a:endParaRPr>
+                    </a:p>
+                  </a:txBody>
+                  <a:tcPr marL="7620" marR="7620" marT="7620" marB="0" anchor="ctr">
+                    <a:gradFill flip="none" rotWithShape="1">
+                      <a:gsLst>
+                        <a:gs pos="0">
+                          <a:schemeClr val="accent1">
+                            <a:tint val="20000"/>
+                            <a:shade val="30000"/>
+                            <a:satMod val="115000"/>
+                          </a:schemeClr>
+                        </a:gs>
+                        <a:gs pos="50000">
+                          <a:schemeClr val="accent1">
+                            <a:tint val="20000"/>
+                            <a:shade val="67500"/>
+                            <a:satMod val="115000"/>
+                          </a:schemeClr>
+                        </a:gs>
+                        <a:gs pos="100000">
+                          <a:schemeClr val="accent1">
+                            <a:tint val="20000"/>
+                            <a:shade val="100000"/>
+                            <a:satMod val="115000"/>
+                          </a:schemeClr>
+                        </a:gs>
+                      </a:gsLst>
+                      <a:path path="circle">
+                        <a:fillToRect l="100000" t="100000"/>
+                      </a:path>
+                      <a:tileRect r="-100000" b="-100000"/>
+                    </a:gradFill>
+                  </a:tcPr>
+                </a:tc>
+                <a:tc>
+                  <a:txBody>
+                    <a:bodyPr/>
+                    <a:lstStyle/>
+                    <a:p>
+                      <a:pPr algn="ctr" fontAlgn="ctr"/>
+                      <a:r>
+                        <a:rPr lang="en-IN" sz="2400" u="none" strike="noStrike">
+                          <a:effectLst/>
+                        </a:rPr>
+                        <a:t>13</a:t>
+                      </a:r>
+                      <a:endParaRPr lang="en-IN" sz="2400" b="0" i="0" u="none" strike="noStrike">
+                        <a:solidFill>
+                          <a:srgbClr val="000000"/>
+                        </a:solidFill>
+                        <a:effectLst/>
+                        <a:latin typeface="Calibri" panose="020F0502020204030204" pitchFamily="34" charset="0"/>
+                      </a:endParaRPr>
+                    </a:p>
+                  </a:txBody>
+                  <a:tcPr marL="7620" marR="7620" marT="7620" marB="0" anchor="ctr">
+                    <a:gradFill flip="none" rotWithShape="1">
+                      <a:gsLst>
+                        <a:gs pos="0">
+                          <a:schemeClr val="accent1">
+                            <a:tint val="20000"/>
+                            <a:shade val="30000"/>
+                            <a:satMod val="115000"/>
+                          </a:schemeClr>
+                        </a:gs>
+                        <a:gs pos="50000">
+                          <a:schemeClr val="accent1">
+                            <a:tint val="20000"/>
+                            <a:shade val="67500"/>
+                            <a:satMod val="115000"/>
+                          </a:schemeClr>
+                        </a:gs>
+                        <a:gs pos="100000">
+                          <a:schemeClr val="accent1">
+                            <a:tint val="20000"/>
+                            <a:shade val="100000"/>
+                            <a:satMod val="115000"/>
+                          </a:schemeClr>
+                        </a:gs>
+                      </a:gsLst>
+                      <a:path path="circle">
+                        <a:fillToRect l="100000" t="100000"/>
+                      </a:path>
+                      <a:tileRect r="-100000" b="-100000"/>
+                    </a:gradFill>
+                  </a:tcPr>
+                </a:tc>
+                <a:tc>
+                  <a:txBody>
+                    <a:bodyPr/>
+                    <a:lstStyle/>
+                    <a:p>
+                      <a:pPr algn="ctr" fontAlgn="ctr"/>
+                      <a:r>
+                        <a:rPr lang="en-IN" sz="2400" u="none" strike="noStrike" dirty="0">
+                          <a:effectLst/>
+                        </a:rPr>
+                        <a:t>1.54</a:t>
+                      </a:r>
+                      <a:endParaRPr lang="en-IN" sz="2400" b="0" i="0" u="none" strike="noStrike" dirty="0">
+                        <a:solidFill>
+                          <a:srgbClr val="000000"/>
+                        </a:solidFill>
+                        <a:effectLst/>
+                        <a:latin typeface="Calibri" panose="020F0502020204030204" pitchFamily="34" charset="0"/>
+                      </a:endParaRPr>
+                    </a:p>
+                  </a:txBody>
+                  <a:tcPr marL="7620" marR="7620" marT="7620" marB="0" anchor="ctr">
+                    <a:gradFill flip="none" rotWithShape="1">
+                      <a:gsLst>
+                        <a:gs pos="0">
+                          <a:schemeClr val="accent1">
+                            <a:tint val="20000"/>
+                            <a:shade val="30000"/>
+                            <a:satMod val="115000"/>
+                          </a:schemeClr>
+                        </a:gs>
+                        <a:gs pos="50000">
+                          <a:schemeClr val="accent1">
+                            <a:tint val="20000"/>
+                            <a:shade val="67500"/>
+                            <a:satMod val="115000"/>
+                          </a:schemeClr>
+                        </a:gs>
+                        <a:gs pos="100000">
+                          <a:schemeClr val="accent1">
+                            <a:tint val="20000"/>
+                            <a:shade val="100000"/>
+                            <a:satMod val="115000"/>
+                          </a:schemeClr>
+                        </a:gs>
+                      </a:gsLst>
+                      <a:path path="circle">
+                        <a:fillToRect l="100000" t="100000"/>
+                      </a:path>
+                      <a:tileRect r="-100000" b="-100000"/>
+                    </a:gradFill>
+                  </a:tcPr>
+                </a:tc>
+                <a:extLst>
+                  <a:ext uri="{0D108BD9-81ED-4DB2-BD59-A6C34878D82A}">
+                    <a16:rowId xmlns:a16="http://schemas.microsoft.com/office/drawing/2014/main" val="3815957857"/>
+                  </a:ext>
+                </a:extLst>
+              </a:tr>
+              <a:tr h="334691">
+                <a:tc>
+                  <a:txBody>
+                    <a:bodyPr/>
+                    <a:lstStyle/>
+                    <a:p>
+                      <a:pPr algn="ctr" fontAlgn="ctr"/>
+                      <a:r>
+                        <a:rPr lang="en-IN" sz="2400" u="none" strike="noStrike">
+                          <a:effectLst/>
+                        </a:rPr>
+                        <a:t>Aug-20</a:t>
+                      </a:r>
+                      <a:endParaRPr lang="en-IN" sz="2400" b="0" i="0" u="none" strike="noStrike">
+                        <a:solidFill>
+                          <a:srgbClr val="000000"/>
+                        </a:solidFill>
+                        <a:effectLst/>
+                        <a:latin typeface="Calibri" panose="020F0502020204030204" pitchFamily="34" charset="0"/>
+                      </a:endParaRPr>
+                    </a:p>
+                  </a:txBody>
+                  <a:tcPr marL="7620" marR="7620" marT="7620" marB="0" anchor="ctr">
+                    <a:gradFill flip="none" rotWithShape="1">
+                      <a:gsLst>
+                        <a:gs pos="0">
+                          <a:schemeClr val="accent1">
+                            <a:tint val="20000"/>
+                            <a:shade val="30000"/>
+                            <a:satMod val="115000"/>
+                          </a:schemeClr>
+                        </a:gs>
+                        <a:gs pos="50000">
+                          <a:schemeClr val="accent1">
+                            <a:tint val="20000"/>
+                            <a:shade val="67500"/>
+                            <a:satMod val="115000"/>
+                          </a:schemeClr>
+                        </a:gs>
+                        <a:gs pos="100000">
+                          <a:schemeClr val="accent1">
+                            <a:tint val="20000"/>
+                            <a:shade val="100000"/>
+                            <a:satMod val="115000"/>
+                          </a:schemeClr>
+                        </a:gs>
+                      </a:gsLst>
+                      <a:path path="circle">
+                        <a:fillToRect l="100000" t="100000"/>
+                      </a:path>
+                      <a:tileRect r="-100000" b="-100000"/>
+                    </a:gradFill>
+                  </a:tcPr>
+                </a:tc>
+                <a:tc>
+                  <a:txBody>
+                    <a:bodyPr/>
+                    <a:lstStyle/>
+                    <a:p>
+                      <a:pPr algn="ctr" fontAlgn="ctr"/>
+                      <a:r>
+                        <a:rPr lang="en-IN" sz="2400" u="none" strike="noStrike">
+                          <a:effectLst/>
+                        </a:rPr>
+                        <a:t>20</a:t>
+                      </a:r>
+                      <a:endParaRPr lang="en-IN" sz="2400" b="0" i="0" u="none" strike="noStrike">
+                        <a:solidFill>
+                          <a:srgbClr val="000000"/>
+                        </a:solidFill>
+                        <a:effectLst/>
+                        <a:latin typeface="Calibri" panose="020F0502020204030204" pitchFamily="34" charset="0"/>
+                      </a:endParaRPr>
+                    </a:p>
+                  </a:txBody>
+                  <a:tcPr marL="7620" marR="7620" marT="7620" marB="0" anchor="ctr">
+                    <a:gradFill flip="none" rotWithShape="1">
+                      <a:gsLst>
+                        <a:gs pos="0">
+                          <a:schemeClr val="accent1">
+                            <a:tint val="20000"/>
+                            <a:shade val="30000"/>
+                            <a:satMod val="115000"/>
+                          </a:schemeClr>
+                        </a:gs>
+                        <a:gs pos="50000">
+                          <a:schemeClr val="accent1">
+                            <a:tint val="20000"/>
+                            <a:shade val="67500"/>
+                            <a:satMod val="115000"/>
+                          </a:schemeClr>
+                        </a:gs>
+                        <a:gs pos="100000">
+                          <a:schemeClr val="accent1">
+                            <a:tint val="20000"/>
+                            <a:shade val="100000"/>
+                            <a:satMod val="115000"/>
+                          </a:schemeClr>
+                        </a:gs>
+                      </a:gsLst>
+                      <a:path path="circle">
+                        <a:fillToRect l="100000" t="100000"/>
+                      </a:path>
+                      <a:tileRect r="-100000" b="-100000"/>
+                    </a:gradFill>
+                  </a:tcPr>
+                </a:tc>
+                <a:tc>
+                  <a:txBody>
+                    <a:bodyPr/>
+                    <a:lstStyle/>
+                    <a:p>
+                      <a:pPr algn="ctr" fontAlgn="ctr"/>
+                      <a:r>
+                        <a:rPr lang="en-IN" sz="2400" u="none" strike="noStrike">
+                          <a:effectLst/>
+                        </a:rPr>
+                        <a:t>21</a:t>
+                      </a:r>
+                      <a:endParaRPr lang="en-IN" sz="2400" b="0" i="0" u="none" strike="noStrike">
+                        <a:solidFill>
+                          <a:srgbClr val="000000"/>
+                        </a:solidFill>
+                        <a:effectLst/>
+                        <a:latin typeface="Calibri" panose="020F0502020204030204" pitchFamily="34" charset="0"/>
+                      </a:endParaRPr>
+                    </a:p>
+                  </a:txBody>
+                  <a:tcPr marL="7620" marR="7620" marT="7620" marB="0" anchor="ctr">
+                    <a:gradFill flip="none" rotWithShape="1">
+                      <a:gsLst>
+                        <a:gs pos="0">
+                          <a:schemeClr val="accent1">
+                            <a:tint val="20000"/>
+                            <a:shade val="30000"/>
+                            <a:satMod val="115000"/>
+                          </a:schemeClr>
+                        </a:gs>
+                        <a:gs pos="50000">
+                          <a:schemeClr val="accent1">
+                            <a:tint val="20000"/>
+                            <a:shade val="67500"/>
+                            <a:satMod val="115000"/>
+                          </a:schemeClr>
+                        </a:gs>
+                        <a:gs pos="100000">
+                          <a:schemeClr val="accent1">
+                            <a:tint val="20000"/>
+                            <a:shade val="100000"/>
+                            <a:satMod val="115000"/>
+                          </a:schemeClr>
+                        </a:gs>
+                      </a:gsLst>
+                      <a:path path="circle">
+                        <a:fillToRect l="100000" t="100000"/>
+                      </a:path>
+                      <a:tileRect r="-100000" b="-100000"/>
+                    </a:gradFill>
+                  </a:tcPr>
+                </a:tc>
+                <a:tc>
+                  <a:txBody>
+                    <a:bodyPr/>
+                    <a:lstStyle/>
+                    <a:p>
+                      <a:pPr algn="ctr" fontAlgn="ctr"/>
+                      <a:r>
+                        <a:rPr lang="en-IN" sz="2400" u="none" strike="noStrike">
+                          <a:effectLst/>
+                        </a:rPr>
+                        <a:t>20</a:t>
+                      </a:r>
+                      <a:endParaRPr lang="en-IN" sz="2400" b="0" i="0" u="none" strike="noStrike">
+                        <a:solidFill>
+                          <a:srgbClr val="000000"/>
+                        </a:solidFill>
+                        <a:effectLst/>
+                        <a:latin typeface="Calibri" panose="020F0502020204030204" pitchFamily="34" charset="0"/>
+                      </a:endParaRPr>
+                    </a:p>
+                  </a:txBody>
+                  <a:tcPr marL="7620" marR="7620" marT="7620" marB="0" anchor="ctr">
+                    <a:gradFill flip="none" rotWithShape="1">
+                      <a:gsLst>
+                        <a:gs pos="0">
+                          <a:schemeClr val="accent1">
+                            <a:tint val="20000"/>
+                            <a:shade val="30000"/>
+                            <a:satMod val="115000"/>
+                          </a:schemeClr>
+                        </a:gs>
+                        <a:gs pos="50000">
+                          <a:schemeClr val="accent1">
+                            <a:tint val="20000"/>
+                            <a:shade val="67500"/>
+                            <a:satMod val="115000"/>
+                          </a:schemeClr>
+                        </a:gs>
+                        <a:gs pos="100000">
+                          <a:schemeClr val="accent1">
+                            <a:tint val="20000"/>
+                            <a:shade val="100000"/>
+                            <a:satMod val="115000"/>
+                          </a:schemeClr>
+                        </a:gs>
+                      </a:gsLst>
+                      <a:path path="circle">
+                        <a:fillToRect l="100000" t="100000"/>
+                      </a:path>
+                      <a:tileRect r="-100000" b="-100000"/>
+                    </a:gradFill>
+                  </a:tcPr>
+                </a:tc>
+                <a:tc>
+                  <a:txBody>
+                    <a:bodyPr/>
+                    <a:lstStyle/>
+                    <a:p>
+                      <a:pPr algn="ctr" fontAlgn="ctr"/>
+                      <a:r>
+                        <a:rPr lang="en-IN" sz="2400" u="none" strike="noStrike" dirty="0">
+                          <a:effectLst/>
+                        </a:rPr>
+                        <a:t>1.05</a:t>
+                      </a:r>
+                      <a:endParaRPr lang="en-IN" sz="2400" b="0" i="0" u="none" strike="noStrike" dirty="0">
+                        <a:solidFill>
+                          <a:srgbClr val="000000"/>
+                        </a:solidFill>
+                        <a:effectLst/>
+                        <a:latin typeface="Calibri" panose="020F0502020204030204" pitchFamily="34" charset="0"/>
+                      </a:endParaRPr>
+                    </a:p>
+                  </a:txBody>
+                  <a:tcPr marL="7620" marR="7620" marT="7620" marB="0" anchor="ctr">
+                    <a:gradFill flip="none" rotWithShape="1">
+                      <a:gsLst>
+                        <a:gs pos="0">
+                          <a:schemeClr val="accent1">
+                            <a:tint val="20000"/>
+                            <a:shade val="30000"/>
+                            <a:satMod val="115000"/>
+                          </a:schemeClr>
+                        </a:gs>
+                        <a:gs pos="50000">
+                          <a:schemeClr val="accent1">
+                            <a:tint val="20000"/>
+                            <a:shade val="67500"/>
+                            <a:satMod val="115000"/>
+                          </a:schemeClr>
+                        </a:gs>
+                        <a:gs pos="100000">
+                          <a:schemeClr val="accent1">
+                            <a:tint val="20000"/>
+                            <a:shade val="100000"/>
+                            <a:satMod val="115000"/>
+                          </a:schemeClr>
+                        </a:gs>
+                      </a:gsLst>
+                      <a:path path="circle">
+                        <a:fillToRect l="100000" t="100000"/>
+                      </a:path>
+                      <a:tileRect r="-100000" b="-100000"/>
+                    </a:gradFill>
+                  </a:tcPr>
+                </a:tc>
+                <a:extLst>
+                  <a:ext uri="{0D108BD9-81ED-4DB2-BD59-A6C34878D82A}">
+                    <a16:rowId xmlns:a16="http://schemas.microsoft.com/office/drawing/2014/main" val="2877621471"/>
+                  </a:ext>
+                </a:extLst>
+              </a:tr>
+            </a:tbl>
+          </a:graphicData>
+        </a:graphic>
+      </p:graphicFrame>
+      <p:sp>
+        <p:nvSpPr>
+          <p:cNvPr id="3" name="TextBox 2"/>
+          <p:cNvSpPr txBox="1"/>
+          <p:nvPr/>
+        </p:nvSpPr>
+        <p:spPr>
+          <a:xfrm>
+            <a:off x="123008" y="5935272"/>
+            <a:ext cx="11825152" cy="584775"/>
+          </a:xfrm>
+          <a:prstGeom prst="rect">
+            <a:avLst/>
+          </a:prstGeom>
+          <a:noFill/>
+        </p:spPr>
+        <p:txBody>
+          <a:bodyPr wrap="square" rtlCol="0">
+            <a:spAutoFit/>
+          </a:bodyPr>
+          <a:lstStyle/>
+          <a:p>
+            <a:r>
+              <a:rPr lang="en-IN" sz="3200" dirty="0">
+                <a:solidFill>
+                  <a:schemeClr val="accent2">
+                    <a:lumMod val="75000"/>
+                  </a:schemeClr>
+                </a:solidFill>
+              </a:rPr>
+              <a:t>Discuss product pricing subject to demand and supply (month wise)?</a:t>
+            </a:r>
           </a:p>
         </p:txBody>
       </p:sp>
     </p:spTree>
     <p:extLst>
       <p:ext uri="{BB962C8B-B14F-4D97-AF65-F5344CB8AC3E}">
-        <p14:creationId xmlns:p14="http://schemas.microsoft.com/office/powerpoint/2010/main" val="3484953418"/>
+        <p14:creationId xmlns:p14="http://schemas.microsoft.com/office/powerpoint/2010/main" val="3612669114"/>
       </p:ext>
     </p:extLst>
   </p:cSld>
@@ -8051,31 +11912,80 @@
         </p:nvSpPr>
         <p:spPr>
           <a:xfrm>
-            <a:off x="0" y="0"/>
-            <a:ext cx="2044470" cy="523220"/>
+            <a:off x="-1" y="0"/>
+            <a:ext cx="10345784" cy="523220"/>
           </a:xfrm>
           <a:prstGeom prst="rect">
             <a:avLst/>
           </a:prstGeom>
         </p:spPr>
         <p:txBody>
-          <a:bodyPr wrap="none">
+          <a:bodyPr wrap="square">
             <a:spAutoFit/>
           </a:bodyPr>
           <a:lstStyle/>
           <a:p>
             <a:r>
-              <a:rPr lang="en-IN" sz="2800" b="1" dirty="0" smtClean="0"/>
-              <a:t>Introduction</a:t>
-            </a:r>
-            <a:endParaRPr lang="en-IN" sz="2800" b="1" dirty="0"/>
+              <a:rPr lang="en-IN" sz="2800" b="1" dirty="0"/>
+              <a:t>Characteristics of Service Operation</a:t>
+            </a:r>
+          </a:p>
+        </p:txBody>
+      </p:sp>
+      <p:sp>
+        <p:nvSpPr>
+          <p:cNvPr id="3" name="TextBox 2"/>
+          <p:cNvSpPr txBox="1"/>
+          <p:nvPr/>
+        </p:nvSpPr>
+        <p:spPr>
+          <a:xfrm>
+            <a:off x="243840" y="1393371"/>
+            <a:ext cx="11469188" cy="2677656"/>
+          </a:xfrm>
+          <a:prstGeom prst="rect">
+            <a:avLst/>
+          </a:prstGeom>
+          <a:noFill/>
+        </p:spPr>
+        <p:txBody>
+          <a:bodyPr wrap="square" rtlCol="0">
+            <a:spAutoFit/>
+          </a:bodyPr>
+          <a:lstStyle/>
+          <a:p>
+            <a:r>
+              <a:rPr lang="en-IN" sz="2800" b="1" u="sng" dirty="0"/>
+              <a:t>Exercise:</a:t>
+            </a:r>
+          </a:p>
+          <a:p>
+            <a:r>
+              <a:rPr lang="en-IN" sz="2800" i="1" dirty="0"/>
+              <a:t>Illustrate the same for “Online Meeting Tools” </a:t>
+            </a:r>
+          </a:p>
+          <a:p>
+            <a:r>
+              <a:rPr lang="en-IN" sz="2800" i="1" dirty="0"/>
+              <a:t>(Sales of MST / Zoom / Google Meet etc. Subscriptions / Licences ……. Pre Covid, During Covid and Post Covid) </a:t>
+            </a:r>
+          </a:p>
+          <a:p>
+            <a:endParaRPr lang="en-IN" sz="2800" i="1" dirty="0"/>
+          </a:p>
+          <a:p>
+            <a:r>
+              <a:rPr lang="en-IN" sz="2800" i="1" dirty="0"/>
+              <a:t>What impact did it create for Software Services during those period?</a:t>
+            </a:r>
           </a:p>
         </p:txBody>
       </p:sp>
     </p:spTree>
     <p:extLst>
       <p:ext uri="{BB962C8B-B14F-4D97-AF65-F5344CB8AC3E}">
-        <p14:creationId xmlns:p14="http://schemas.microsoft.com/office/powerpoint/2010/main" val="836122718"/>
+        <p14:creationId xmlns:p14="http://schemas.microsoft.com/office/powerpoint/2010/main" val="1643414858"/>
       </p:ext>
     </p:extLst>
   </p:cSld>
@@ -8110,8 +12020,36 @@
         </p:nvSpPr>
         <p:spPr>
           <a:xfrm>
-            <a:off x="0" y="0"/>
-            <a:ext cx="2044470" cy="523220"/>
+            <a:off x="-1" y="0"/>
+            <a:ext cx="10345784" cy="523220"/>
+          </a:xfrm>
+          <a:prstGeom prst="rect">
+            <a:avLst/>
+          </a:prstGeom>
+        </p:spPr>
+        <p:txBody>
+          <a:bodyPr wrap="square">
+            <a:spAutoFit/>
+          </a:bodyPr>
+          <a:lstStyle/>
+          <a:p>
+            <a:r>
+              <a:rPr lang="en-IN" sz="2800" b="1" dirty="0"/>
+              <a:t>Characteristics of Service Operation</a:t>
+            </a:r>
+          </a:p>
+        </p:txBody>
+      </p:sp>
+      <p:sp>
+        <p:nvSpPr>
+          <p:cNvPr id="2" name="Rectangle 1"/>
+          <p:cNvSpPr/>
+          <p:nvPr/>
+        </p:nvSpPr>
+        <p:spPr>
+          <a:xfrm>
+            <a:off x="2673530" y="788516"/>
+            <a:ext cx="5393656" cy="584775"/>
           </a:xfrm>
           <a:prstGeom prst="rect">
             <a:avLst/>
@@ -8124,17 +12062,520 @@
           <a:lstStyle/>
           <a:p>
             <a:r>
-              <a:rPr lang="en-IN" sz="2800" b="1" dirty="0" smtClean="0"/>
-              <a:t>Introduction</a:t>
-            </a:r>
-            <a:endParaRPr lang="en-IN" sz="2800" b="1" dirty="0"/>
+              <a:rPr lang="en-IN" sz="3200" b="1" i="1" dirty="0">
+                <a:solidFill>
+                  <a:schemeClr val="accent5">
+                    <a:lumMod val="75000"/>
+                  </a:schemeClr>
+                </a:solidFill>
+              </a:rPr>
+              <a:t>SPAs, Saloons, Beauty Parlours</a:t>
+            </a:r>
+          </a:p>
+        </p:txBody>
+      </p:sp>
+      <p:sp>
+        <p:nvSpPr>
+          <p:cNvPr id="5" name="TextBox 4"/>
+          <p:cNvSpPr txBox="1"/>
+          <p:nvPr/>
+        </p:nvSpPr>
+        <p:spPr>
+          <a:xfrm>
+            <a:off x="522515" y="1837509"/>
+            <a:ext cx="10485120" cy="830997"/>
+          </a:xfrm>
+          <a:prstGeom prst="rect">
+            <a:avLst/>
+          </a:prstGeom>
+          <a:noFill/>
+        </p:spPr>
+        <p:txBody>
+          <a:bodyPr wrap="square" rtlCol="0">
+            <a:spAutoFit/>
+          </a:bodyPr>
+          <a:lstStyle/>
+          <a:p>
+            <a:r>
+              <a:rPr lang="en-IN" sz="2400" i="1" dirty="0"/>
+              <a:t>Case let of the above mentioned services in terms of Demand, Supply, Resources and most important “Customer Participation” </a:t>
+            </a:r>
+          </a:p>
+        </p:txBody>
+      </p:sp>
+      <p:sp>
+        <p:nvSpPr>
+          <p:cNvPr id="6" name="Rectangle 5"/>
+          <p:cNvSpPr/>
+          <p:nvPr/>
+        </p:nvSpPr>
+        <p:spPr>
+          <a:xfrm>
+            <a:off x="2673530" y="3690407"/>
+            <a:ext cx="1203984" cy="584775"/>
+          </a:xfrm>
+          <a:prstGeom prst="rect">
+            <a:avLst/>
+          </a:prstGeom>
+        </p:spPr>
+        <p:txBody>
+          <a:bodyPr wrap="none">
+            <a:spAutoFit/>
+          </a:bodyPr>
+          <a:lstStyle/>
+          <a:p>
+            <a:r>
+              <a:rPr lang="en-IN" sz="3200" b="1" i="1" dirty="0">
+                <a:solidFill>
+                  <a:schemeClr val="accent5">
+                    <a:lumMod val="75000"/>
+                  </a:schemeClr>
+                </a:solidFill>
+              </a:rPr>
+              <a:t>Banks</a:t>
+            </a:r>
+          </a:p>
+        </p:txBody>
+      </p:sp>
+      <p:sp>
+        <p:nvSpPr>
+          <p:cNvPr id="7" name="TextBox 6"/>
+          <p:cNvSpPr txBox="1"/>
+          <p:nvPr/>
+        </p:nvSpPr>
+        <p:spPr>
+          <a:xfrm>
+            <a:off x="522515" y="4881584"/>
+            <a:ext cx="10485120" cy="830997"/>
+          </a:xfrm>
+          <a:prstGeom prst="rect">
+            <a:avLst/>
+          </a:prstGeom>
+          <a:noFill/>
+        </p:spPr>
+        <p:txBody>
+          <a:bodyPr wrap="square" rtlCol="0">
+            <a:spAutoFit/>
+          </a:bodyPr>
+          <a:lstStyle/>
+          <a:p>
+            <a:r>
+              <a:rPr lang="en-IN" sz="2400" i="1" dirty="0"/>
+              <a:t>How much did “Customer Participation” impact Banking Services (as compared to offline banking) </a:t>
+            </a:r>
           </a:p>
         </p:txBody>
       </p:sp>
     </p:spTree>
     <p:extLst>
       <p:ext uri="{BB962C8B-B14F-4D97-AF65-F5344CB8AC3E}">
-        <p14:creationId xmlns:p14="http://schemas.microsoft.com/office/powerpoint/2010/main" val="1888304884"/>
+        <p14:creationId xmlns:p14="http://schemas.microsoft.com/office/powerpoint/2010/main" val="643604547"/>
+      </p:ext>
+    </p:extLst>
+  </p:cSld>
+  <p:clrMapOvr>
+    <a:masterClrMapping/>
+  </p:clrMapOvr>
+</p:sld>
+</file>
+
+<file path=ppt/slides/slide28.xml><?xml version="1.0" encoding="utf-8"?>
+<p:sld xmlns:a="http://schemas.openxmlformats.org/drawingml/2006/main" xmlns:r="http://schemas.openxmlformats.org/officeDocument/2006/relationships" xmlns:p="http://schemas.openxmlformats.org/presentationml/2006/main">
+  <p:cSld>
+    <p:spTree>
+      <p:nvGrpSpPr>
+        <p:cNvPr id="1" name=""/>
+        <p:cNvGrpSpPr/>
+        <p:nvPr/>
+      </p:nvGrpSpPr>
+      <p:grpSpPr>
+        <a:xfrm>
+          <a:off x="0" y="0"/>
+          <a:ext cx="0" cy="0"/>
+          <a:chOff x="0" y="0"/>
+          <a:chExt cx="0" cy="0"/>
+        </a:xfrm>
+      </p:grpSpPr>
+      <p:sp>
+        <p:nvSpPr>
+          <p:cNvPr id="4" name="Rectangle 3"/>
+          <p:cNvSpPr/>
+          <p:nvPr/>
+        </p:nvSpPr>
+        <p:spPr>
+          <a:xfrm>
+            <a:off x="-1" y="0"/>
+            <a:ext cx="10345784" cy="523220"/>
+          </a:xfrm>
+          <a:prstGeom prst="rect">
+            <a:avLst/>
+          </a:prstGeom>
+        </p:spPr>
+        <p:txBody>
+          <a:bodyPr wrap="square">
+            <a:spAutoFit/>
+          </a:bodyPr>
+          <a:lstStyle/>
+          <a:p>
+            <a:r>
+              <a:rPr lang="en-IN" sz="2800" b="1" dirty="0"/>
+              <a:t>Characteristics of Service Operation</a:t>
+            </a:r>
+          </a:p>
+        </p:txBody>
+      </p:sp>
+      <p:sp>
+        <p:nvSpPr>
+          <p:cNvPr id="2" name="Rectangle 1"/>
+          <p:cNvSpPr/>
+          <p:nvPr/>
+        </p:nvSpPr>
+        <p:spPr>
+          <a:xfrm>
+            <a:off x="-2" y="936563"/>
+            <a:ext cx="6705602" cy="523220"/>
+          </a:xfrm>
+          <a:prstGeom prst="rect">
+            <a:avLst/>
+          </a:prstGeom>
+        </p:spPr>
+        <p:txBody>
+          <a:bodyPr wrap="square">
+            <a:spAutoFit/>
+          </a:bodyPr>
+          <a:lstStyle/>
+          <a:p>
+            <a:r>
+              <a:rPr lang="en-IN" sz="2800" b="1" dirty="0"/>
+              <a:t>1. Customer Participation </a:t>
+            </a:r>
+            <a:r>
+              <a:rPr lang="en-IN" sz="2800" i="1" dirty="0"/>
+              <a:t>(page 13 &amp; 14)</a:t>
+            </a:r>
+          </a:p>
+        </p:txBody>
+      </p:sp>
+      <p:sp>
+        <p:nvSpPr>
+          <p:cNvPr id="5" name="Rectangle 4"/>
+          <p:cNvSpPr/>
+          <p:nvPr/>
+        </p:nvSpPr>
+        <p:spPr>
+          <a:xfrm>
+            <a:off x="-43544" y="1825211"/>
+            <a:ext cx="11956869" cy="2246769"/>
+          </a:xfrm>
+          <a:prstGeom prst="rect">
+            <a:avLst/>
+          </a:prstGeom>
+        </p:spPr>
+        <p:txBody>
+          <a:bodyPr wrap="square">
+            <a:spAutoFit/>
+          </a:bodyPr>
+          <a:lstStyle/>
+          <a:p>
+            <a:r>
+              <a:rPr lang="en-IN" sz="2800" b="1" dirty="0"/>
+              <a:t>2. Simultaneity </a:t>
+            </a:r>
+            <a:r>
+              <a:rPr lang="en-IN" sz="2800" i="1" dirty="0"/>
+              <a:t>(page 14): </a:t>
+            </a:r>
+            <a:r>
+              <a:rPr lang="en-US" sz="2800" i="1" dirty="0">
+                <a:solidFill>
+                  <a:srgbClr val="0070C0"/>
+                </a:solidFill>
+              </a:rPr>
+              <a:t>The fact that services are created and consumed simultaneously and, thus, cannot be stored is a critical feature in the management of services.</a:t>
+            </a:r>
+          </a:p>
+          <a:p>
+            <a:endParaRPr lang="en-US" sz="2800" i="1" dirty="0">
+              <a:solidFill>
+                <a:srgbClr val="0070C0"/>
+              </a:solidFill>
+            </a:endParaRPr>
+          </a:p>
+          <a:p>
+            <a:r>
+              <a:rPr lang="en-US" sz="2800" i="1" dirty="0">
+                <a:solidFill>
+                  <a:srgbClr val="0070C0"/>
+                </a:solidFill>
+              </a:rPr>
+              <a:t>Example: Qatar World Cup 2022</a:t>
+            </a:r>
+            <a:endParaRPr lang="en-IN" sz="2800" i="1" dirty="0">
+              <a:solidFill>
+                <a:srgbClr val="0070C0"/>
+              </a:solidFill>
+            </a:endParaRPr>
+          </a:p>
+        </p:txBody>
+      </p:sp>
+      <p:sp>
+        <p:nvSpPr>
+          <p:cNvPr id="6" name="Rectangle 5"/>
+          <p:cNvSpPr/>
+          <p:nvPr/>
+        </p:nvSpPr>
+        <p:spPr>
+          <a:xfrm>
+            <a:off x="-2" y="4437409"/>
+            <a:ext cx="11956869" cy="1815882"/>
+          </a:xfrm>
+          <a:prstGeom prst="rect">
+            <a:avLst/>
+          </a:prstGeom>
+        </p:spPr>
+        <p:txBody>
+          <a:bodyPr wrap="square">
+            <a:spAutoFit/>
+          </a:bodyPr>
+          <a:lstStyle/>
+          <a:p>
+            <a:r>
+              <a:rPr lang="en-IN" sz="2800" b="1" dirty="0"/>
+              <a:t>3. Perishability </a:t>
+            </a:r>
+            <a:r>
+              <a:rPr lang="en-IN" sz="2800" i="1" dirty="0"/>
+              <a:t>(page 14): </a:t>
+            </a:r>
+            <a:r>
+              <a:rPr lang="en-US" sz="2800" i="1" dirty="0">
+                <a:solidFill>
+                  <a:srgbClr val="0070C0"/>
+                </a:solidFill>
+              </a:rPr>
+              <a:t>A service is a perishable commodity.</a:t>
+            </a:r>
+          </a:p>
+          <a:p>
+            <a:endParaRPr lang="en-US" sz="2800" i="1" dirty="0">
+              <a:solidFill>
+                <a:srgbClr val="0070C0"/>
+              </a:solidFill>
+            </a:endParaRPr>
+          </a:p>
+          <a:p>
+            <a:r>
+              <a:rPr lang="en-US" sz="2800" i="1" dirty="0">
+                <a:solidFill>
+                  <a:srgbClr val="0070C0"/>
+                </a:solidFill>
+              </a:rPr>
+              <a:t>Example: Hotel occupancy, footfall during weekends</a:t>
+            </a:r>
+          </a:p>
+          <a:p>
+            <a:r>
+              <a:rPr lang="en-US" sz="2800" i="1" dirty="0">
+                <a:solidFill>
+                  <a:srgbClr val="0070C0"/>
+                </a:solidFill>
+              </a:rPr>
+              <a:t>                 Ticket pricing for IPL</a:t>
+            </a:r>
+            <a:endParaRPr lang="en-IN" sz="2800" i="1" dirty="0">
+              <a:solidFill>
+                <a:srgbClr val="0070C0"/>
+              </a:solidFill>
+            </a:endParaRPr>
+          </a:p>
+        </p:txBody>
+      </p:sp>
+    </p:spTree>
+    <p:extLst>
+      <p:ext uri="{BB962C8B-B14F-4D97-AF65-F5344CB8AC3E}">
+        <p14:creationId xmlns:p14="http://schemas.microsoft.com/office/powerpoint/2010/main" val="578800430"/>
+      </p:ext>
+    </p:extLst>
+  </p:cSld>
+  <p:clrMapOvr>
+    <a:masterClrMapping/>
+  </p:clrMapOvr>
+</p:sld>
+</file>
+
+<file path=ppt/slides/slide29.xml><?xml version="1.0" encoding="utf-8"?>
+<p:sld xmlns:a="http://schemas.openxmlformats.org/drawingml/2006/main" xmlns:r="http://schemas.openxmlformats.org/officeDocument/2006/relationships" xmlns:p="http://schemas.openxmlformats.org/presentationml/2006/main">
+  <p:cSld>
+    <p:spTree>
+      <p:nvGrpSpPr>
+        <p:cNvPr id="1" name=""/>
+        <p:cNvGrpSpPr/>
+        <p:nvPr/>
+      </p:nvGrpSpPr>
+      <p:grpSpPr>
+        <a:xfrm>
+          <a:off x="0" y="0"/>
+          <a:ext cx="0" cy="0"/>
+          <a:chOff x="0" y="0"/>
+          <a:chExt cx="0" cy="0"/>
+        </a:xfrm>
+      </p:grpSpPr>
+      <p:sp>
+        <p:nvSpPr>
+          <p:cNvPr id="4" name="Rectangle 3"/>
+          <p:cNvSpPr/>
+          <p:nvPr/>
+        </p:nvSpPr>
+        <p:spPr>
+          <a:xfrm>
+            <a:off x="-1" y="0"/>
+            <a:ext cx="10345784" cy="523220"/>
+          </a:xfrm>
+          <a:prstGeom prst="rect">
+            <a:avLst/>
+          </a:prstGeom>
+        </p:spPr>
+        <p:txBody>
+          <a:bodyPr wrap="square">
+            <a:spAutoFit/>
+          </a:bodyPr>
+          <a:lstStyle/>
+          <a:p>
+            <a:r>
+              <a:rPr lang="en-IN" sz="2800" b="1" dirty="0"/>
+              <a:t>Characteristics of Service Operation</a:t>
+            </a:r>
+          </a:p>
+        </p:txBody>
+      </p:sp>
+      <p:sp>
+        <p:nvSpPr>
+          <p:cNvPr id="2" name="Rectangle 1"/>
+          <p:cNvSpPr/>
+          <p:nvPr/>
+        </p:nvSpPr>
+        <p:spPr>
+          <a:xfrm>
+            <a:off x="-3" y="936563"/>
+            <a:ext cx="11956869" cy="1815882"/>
+          </a:xfrm>
+          <a:prstGeom prst="rect">
+            <a:avLst/>
+          </a:prstGeom>
+        </p:spPr>
+        <p:txBody>
+          <a:bodyPr wrap="square">
+            <a:spAutoFit/>
+          </a:bodyPr>
+          <a:lstStyle/>
+          <a:p>
+            <a:r>
+              <a:rPr lang="en-IN" sz="2800" b="1" dirty="0"/>
+              <a:t>4. Intangibility </a:t>
+            </a:r>
+            <a:r>
+              <a:rPr lang="en-IN" sz="2800" i="1" dirty="0"/>
+              <a:t>(page 15): </a:t>
+            </a:r>
+            <a:r>
+              <a:rPr lang="en-US" sz="2800" i="1" dirty="0">
+                <a:solidFill>
+                  <a:srgbClr val="0070C0"/>
+                </a:solidFill>
+              </a:rPr>
+              <a:t>Services are ideas and concepts; products are things. Therefore, it follows that service innovations are not patentable.</a:t>
+            </a:r>
+          </a:p>
+          <a:p>
+            <a:endParaRPr lang="en-US" sz="2800" i="1" dirty="0">
+              <a:solidFill>
+                <a:srgbClr val="0070C0"/>
+              </a:solidFill>
+            </a:endParaRPr>
+          </a:p>
+          <a:p>
+            <a:r>
+              <a:rPr lang="en-US" sz="2800" i="1" dirty="0">
+                <a:solidFill>
+                  <a:srgbClr val="0070C0"/>
+                </a:solidFill>
+              </a:rPr>
+              <a:t>Example: Franchising (Eatery, Software Services)</a:t>
+            </a:r>
+            <a:endParaRPr lang="en-IN" sz="2800" i="1" dirty="0">
+              <a:solidFill>
+                <a:srgbClr val="0070C0"/>
+              </a:solidFill>
+            </a:endParaRPr>
+          </a:p>
+        </p:txBody>
+      </p:sp>
+      <p:sp>
+        <p:nvSpPr>
+          <p:cNvPr id="6" name="Rectangle 5"/>
+          <p:cNvSpPr/>
+          <p:nvPr/>
+        </p:nvSpPr>
+        <p:spPr>
+          <a:xfrm>
+            <a:off x="0" y="3165788"/>
+            <a:ext cx="11956869" cy="2677656"/>
+          </a:xfrm>
+          <a:prstGeom prst="rect">
+            <a:avLst/>
+          </a:prstGeom>
+        </p:spPr>
+        <p:txBody>
+          <a:bodyPr wrap="square">
+            <a:spAutoFit/>
+          </a:bodyPr>
+          <a:lstStyle/>
+          <a:p>
+            <a:r>
+              <a:rPr lang="en-IN" sz="2800" b="1" dirty="0"/>
+              <a:t>5. Heterogeneity </a:t>
+            </a:r>
+            <a:r>
+              <a:rPr lang="en-IN" sz="2800" i="1" dirty="0"/>
+              <a:t>(page 15): </a:t>
+            </a:r>
+            <a:r>
+              <a:rPr lang="en-US" sz="2800" i="1" dirty="0">
+                <a:solidFill>
+                  <a:srgbClr val="0070C0"/>
+                </a:solidFill>
+              </a:rPr>
+              <a:t>The combination of the intangible nature of services and the customer as a participant in the service delivery system results in variation of service from customer to customer.</a:t>
+            </a:r>
+          </a:p>
+          <a:p>
+            <a:endParaRPr lang="en-US" sz="2800" i="1" dirty="0">
+              <a:solidFill>
+                <a:srgbClr val="0070C0"/>
+              </a:solidFill>
+            </a:endParaRPr>
+          </a:p>
+          <a:p>
+            <a:r>
+              <a:rPr lang="en-US" sz="2800" i="1" dirty="0">
+                <a:solidFill>
+                  <a:srgbClr val="0070C0"/>
+                </a:solidFill>
+              </a:rPr>
+              <a:t>Example: Automobile companies (proactively) recalling defective (minor) products (cars) and getting it repaired or serviced free of cost</a:t>
+            </a:r>
+            <a:endParaRPr lang="en-IN" sz="2800" i="1" dirty="0">
+              <a:solidFill>
+                <a:srgbClr val="0070C0"/>
+              </a:solidFill>
+            </a:endParaRPr>
+          </a:p>
+        </p:txBody>
+      </p:sp>
+    </p:spTree>
+    <p:extLst>
+      <p:ext uri="{BB962C8B-B14F-4D97-AF65-F5344CB8AC3E}">
+        <p14:creationId xmlns:p14="http://schemas.microsoft.com/office/powerpoint/2010/main" val="2997410626"/>
       </p:ext>
     </p:extLst>
   </p:cSld>
@@ -8183,10 +12624,9 @@
           <a:lstStyle/>
           <a:p>
             <a:r>
-              <a:rPr lang="en-IN" sz="2800" b="1" dirty="0" smtClean="0"/>
+              <a:rPr lang="en-IN" sz="2800" b="1" dirty="0"/>
               <a:t>Introduction</a:t>
             </a:r>
-            <a:endParaRPr lang="en-IN" sz="2800" b="1" dirty="0"/>
           </a:p>
         </p:txBody>
       </p:sp>
@@ -12453,7 +16893,7 @@
           <a:lstStyle/>
           <a:p>
             <a:r>
-              <a:rPr lang="en-US" sz="2400" b="1" i="0" dirty="0" smtClean="0">
+              <a:rPr lang="en-US" sz="2400" b="1" i="0" dirty="0">
                 <a:solidFill>
                   <a:srgbClr val="000000"/>
                 </a:solidFill>
@@ -12488,7 +16928,7 @@
           <a:lstStyle/>
           <a:p>
             <a:r>
-              <a:rPr lang="en-US" sz="2400" b="1" dirty="0" smtClean="0">
+              <a:rPr lang="en-US" sz="2400" b="1" dirty="0">
                 <a:solidFill>
                   <a:srgbClr val="202124"/>
                 </a:solidFill>
@@ -12498,7 +16938,7 @@
               <a:t>GDP: </a:t>
             </a:r>
             <a:r>
-              <a:rPr lang="en-US" sz="2400" b="0" i="1" dirty="0" smtClean="0">
+              <a:rPr lang="en-US" sz="2400" b="0" i="1" dirty="0">
                 <a:solidFill>
                   <a:srgbClr val="202124"/>
                 </a:solidFill>
@@ -12508,7 +16948,7 @@
               <a:t>The total </a:t>
             </a:r>
             <a:r>
-              <a:rPr lang="en-US" sz="2400" b="0" i="1" dirty="0" smtClean="0">
+              <a:rPr lang="en-US" sz="2400" b="0" i="1" dirty="0">
                 <a:solidFill>
                   <a:srgbClr val="FF0000"/>
                 </a:solidFill>
@@ -12518,7 +16958,7 @@
               <a:t>value</a:t>
             </a:r>
             <a:r>
-              <a:rPr lang="en-US" sz="2400" b="0" i="1" dirty="0" smtClean="0">
+              <a:rPr lang="en-US" sz="2400" b="0" i="1" dirty="0">
                 <a:solidFill>
                   <a:srgbClr val="202124"/>
                 </a:solidFill>
@@ -12528,7 +16968,7 @@
               <a:t> of all the </a:t>
             </a:r>
             <a:r>
-              <a:rPr lang="en-US" sz="2400" b="0" i="1" dirty="0" smtClean="0">
+              <a:rPr lang="en-US" sz="2400" b="0" i="1" dirty="0">
                 <a:solidFill>
                   <a:srgbClr val="FF0000"/>
                 </a:solidFill>
@@ -12538,7 +16978,7 @@
               <a:t>goods</a:t>
             </a:r>
             <a:r>
-              <a:rPr lang="en-US" sz="2400" b="0" i="1" dirty="0" smtClean="0">
+              <a:rPr lang="en-US" sz="2400" b="0" i="1" dirty="0">
                 <a:solidFill>
                   <a:srgbClr val="202124"/>
                 </a:solidFill>
@@ -12548,7 +16988,7 @@
               <a:t> and </a:t>
             </a:r>
             <a:r>
-              <a:rPr lang="en-US" sz="2400" b="0" i="1" dirty="0" smtClean="0">
+              <a:rPr lang="en-US" sz="2400" b="0" i="1" dirty="0">
                 <a:solidFill>
                   <a:srgbClr val="FF0000"/>
                 </a:solidFill>
@@ -12558,7 +16998,7 @@
               <a:t>services</a:t>
             </a:r>
             <a:r>
-              <a:rPr lang="en-US" sz="2400" b="0" i="1" dirty="0" smtClean="0">
+              <a:rPr lang="en-US" sz="2400" b="0" i="1" dirty="0">
                 <a:solidFill>
                   <a:srgbClr val="202124"/>
                 </a:solidFill>
@@ -12568,7 +17008,7 @@
               <a:t> produced in a country in </a:t>
             </a:r>
             <a:r>
-              <a:rPr lang="en-US" sz="2400" b="0" i="1" dirty="0" smtClean="0">
+              <a:rPr lang="en-US" sz="2400" b="0" i="1" dirty="0">
                 <a:solidFill>
                   <a:srgbClr val="FF0000"/>
                 </a:solidFill>
@@ -12578,7 +17018,7 @@
               <a:t>one</a:t>
             </a:r>
             <a:r>
-              <a:rPr lang="en-US" sz="2400" b="0" i="1" dirty="0" smtClean="0">
+              <a:rPr lang="en-US" sz="2400" b="0" i="1" dirty="0">
                 <a:solidFill>
                   <a:srgbClr val="202124"/>
                 </a:solidFill>
@@ -12595,6 +17035,1381 @@
     <p:extLst>
       <p:ext uri="{BB962C8B-B14F-4D97-AF65-F5344CB8AC3E}">
         <p14:creationId xmlns:p14="http://schemas.microsoft.com/office/powerpoint/2010/main" val="211963327"/>
+      </p:ext>
+    </p:extLst>
+  </p:cSld>
+  <p:clrMapOvr>
+    <a:masterClrMapping/>
+  </p:clrMapOvr>
+</p:sld>
+</file>
+
+<file path=ppt/slides/slide30.xml><?xml version="1.0" encoding="utf-8"?>
+<p:sld xmlns:a="http://schemas.openxmlformats.org/drawingml/2006/main" xmlns:r="http://schemas.openxmlformats.org/officeDocument/2006/relationships" xmlns:p="http://schemas.openxmlformats.org/presentationml/2006/main">
+  <p:cSld>
+    <p:spTree>
+      <p:nvGrpSpPr>
+        <p:cNvPr id="1" name=""/>
+        <p:cNvGrpSpPr/>
+        <p:nvPr/>
+      </p:nvGrpSpPr>
+      <p:grpSpPr>
+        <a:xfrm>
+          <a:off x="0" y="0"/>
+          <a:ext cx="0" cy="0"/>
+          <a:chOff x="0" y="0"/>
+          <a:chExt cx="0" cy="0"/>
+        </a:xfrm>
+      </p:grpSpPr>
+      <p:sp>
+        <p:nvSpPr>
+          <p:cNvPr id="4" name="Rectangle 3"/>
+          <p:cNvSpPr/>
+          <p:nvPr/>
+        </p:nvSpPr>
+        <p:spPr>
+          <a:xfrm>
+            <a:off x="-1" y="0"/>
+            <a:ext cx="10345784" cy="523220"/>
+          </a:xfrm>
+          <a:prstGeom prst="rect">
+            <a:avLst/>
+          </a:prstGeom>
+        </p:spPr>
+        <p:txBody>
+          <a:bodyPr wrap="square">
+            <a:spAutoFit/>
+          </a:bodyPr>
+          <a:lstStyle/>
+          <a:p>
+            <a:r>
+              <a:rPr lang="en-IN" sz="2800" b="1" dirty="0"/>
+              <a:t>Characteristics of Service Operation</a:t>
+            </a:r>
+          </a:p>
+        </p:txBody>
+      </p:sp>
+      <p:sp>
+        <p:nvSpPr>
+          <p:cNvPr id="2" name="Rectangle 1"/>
+          <p:cNvSpPr/>
+          <p:nvPr/>
+        </p:nvSpPr>
+        <p:spPr>
+          <a:xfrm>
+            <a:off x="-3" y="936563"/>
+            <a:ext cx="11956869" cy="2677656"/>
+          </a:xfrm>
+          <a:prstGeom prst="rect">
+            <a:avLst/>
+          </a:prstGeom>
+        </p:spPr>
+        <p:txBody>
+          <a:bodyPr wrap="square">
+            <a:spAutoFit/>
+          </a:bodyPr>
+          <a:lstStyle/>
+          <a:p>
+            <a:r>
+              <a:rPr lang="en-IN" sz="2800" b="1" dirty="0"/>
+              <a:t>6. Non Transferrable Ownership </a:t>
+            </a:r>
+            <a:r>
+              <a:rPr lang="en-IN" sz="2800" i="1" dirty="0"/>
+              <a:t>(page 16): </a:t>
+            </a:r>
+            <a:r>
+              <a:rPr lang="en-US" sz="2800" i="1" dirty="0">
+                <a:solidFill>
+                  <a:srgbClr val="0070C0"/>
+                </a:solidFill>
+              </a:rPr>
+              <a:t>From a marketing perspective, services, unlike goods, do not involve transfer of ownership. If customers do not receive ownership when they purchase a service, then what are they buying?</a:t>
+            </a:r>
+          </a:p>
+          <a:p>
+            <a:endParaRPr lang="en-US" sz="2800" i="1" dirty="0">
+              <a:solidFill>
+                <a:srgbClr val="0070C0"/>
+              </a:solidFill>
+            </a:endParaRPr>
+          </a:p>
+          <a:p>
+            <a:r>
+              <a:rPr lang="en-US" sz="2800" i="1" dirty="0">
+                <a:solidFill>
+                  <a:srgbClr val="0070C0"/>
+                </a:solidFill>
+              </a:rPr>
+              <a:t>Example: I have purchased a device for faster network connectivity, but experiencing same issues of frequents dropping of calls / connectivity</a:t>
+            </a:r>
+            <a:endParaRPr lang="en-IN" sz="2800" i="1" dirty="0">
+              <a:solidFill>
+                <a:srgbClr val="0070C0"/>
+              </a:solidFill>
+            </a:endParaRPr>
+          </a:p>
+        </p:txBody>
+      </p:sp>
+    </p:spTree>
+    <p:extLst>
+      <p:ext uri="{BB962C8B-B14F-4D97-AF65-F5344CB8AC3E}">
+        <p14:creationId xmlns:p14="http://schemas.microsoft.com/office/powerpoint/2010/main" val="4240010632"/>
+      </p:ext>
+    </p:extLst>
+  </p:cSld>
+  <p:clrMapOvr>
+    <a:masterClrMapping/>
+  </p:clrMapOvr>
+</p:sld>
+</file>
+
+<file path=ppt/slides/slide31.xml><?xml version="1.0" encoding="utf-8"?>
+<p:sld xmlns:a="http://schemas.openxmlformats.org/drawingml/2006/main" xmlns:r="http://schemas.openxmlformats.org/officeDocument/2006/relationships" xmlns:p="http://schemas.openxmlformats.org/presentationml/2006/main">
+  <p:cSld>
+    <p:spTree>
+      <p:nvGrpSpPr>
+        <p:cNvPr id="1" name=""/>
+        <p:cNvGrpSpPr/>
+        <p:nvPr/>
+      </p:nvGrpSpPr>
+      <p:grpSpPr>
+        <a:xfrm>
+          <a:off x="0" y="0"/>
+          <a:ext cx="0" cy="0"/>
+          <a:chOff x="0" y="0"/>
+          <a:chExt cx="0" cy="0"/>
+        </a:xfrm>
+      </p:grpSpPr>
+      <p:sp>
+        <p:nvSpPr>
+          <p:cNvPr id="4" name="Rectangle 3"/>
+          <p:cNvSpPr/>
+          <p:nvPr/>
+        </p:nvSpPr>
+        <p:spPr>
+          <a:xfrm>
+            <a:off x="-1" y="0"/>
+            <a:ext cx="10345784" cy="523220"/>
+          </a:xfrm>
+          <a:prstGeom prst="rect">
+            <a:avLst/>
+          </a:prstGeom>
+        </p:spPr>
+        <p:txBody>
+          <a:bodyPr wrap="square">
+            <a:spAutoFit/>
+          </a:bodyPr>
+          <a:lstStyle/>
+          <a:p>
+            <a:r>
+              <a:rPr lang="en-IN" sz="2800" b="1" dirty="0"/>
+              <a:t>Characteristics of Service Operation</a:t>
+            </a:r>
+          </a:p>
+        </p:txBody>
+      </p:sp>
+    </p:spTree>
+    <p:extLst>
+      <p:ext uri="{BB962C8B-B14F-4D97-AF65-F5344CB8AC3E}">
+        <p14:creationId xmlns:p14="http://schemas.microsoft.com/office/powerpoint/2010/main" val="4015913765"/>
+      </p:ext>
+    </p:extLst>
+  </p:cSld>
+  <p:clrMapOvr>
+    <a:masterClrMapping/>
+  </p:clrMapOvr>
+</p:sld>
+</file>
+
+<file path=ppt/slides/slide32.xml><?xml version="1.0" encoding="utf-8"?>
+<p:sld xmlns:a="http://schemas.openxmlformats.org/drawingml/2006/main" xmlns:r="http://schemas.openxmlformats.org/officeDocument/2006/relationships" xmlns:p="http://schemas.openxmlformats.org/presentationml/2006/main">
+  <p:cSld>
+    <p:spTree>
+      <p:nvGrpSpPr>
+        <p:cNvPr id="1" name=""/>
+        <p:cNvGrpSpPr/>
+        <p:nvPr/>
+      </p:nvGrpSpPr>
+      <p:grpSpPr>
+        <a:xfrm>
+          <a:off x="0" y="0"/>
+          <a:ext cx="0" cy="0"/>
+          <a:chOff x="0" y="0"/>
+          <a:chExt cx="0" cy="0"/>
+        </a:xfrm>
+      </p:grpSpPr>
+      <p:sp>
+        <p:nvSpPr>
+          <p:cNvPr id="4" name="Rectangle 3"/>
+          <p:cNvSpPr/>
+          <p:nvPr/>
+        </p:nvSpPr>
+        <p:spPr>
+          <a:xfrm>
+            <a:off x="-1" y="0"/>
+            <a:ext cx="10345784" cy="523220"/>
+          </a:xfrm>
+          <a:prstGeom prst="rect">
+            <a:avLst/>
+          </a:prstGeom>
+        </p:spPr>
+        <p:txBody>
+          <a:bodyPr wrap="square">
+            <a:spAutoFit/>
+          </a:bodyPr>
+          <a:lstStyle/>
+          <a:p>
+            <a:r>
+              <a:rPr lang="en-IN" sz="2800" b="1" dirty="0"/>
+              <a:t>Service Package</a:t>
+            </a:r>
+          </a:p>
+        </p:txBody>
+      </p:sp>
+      <p:sp>
+        <p:nvSpPr>
+          <p:cNvPr id="2" name="Rectangle 1"/>
+          <p:cNvSpPr/>
+          <p:nvPr/>
+        </p:nvSpPr>
+        <p:spPr>
+          <a:xfrm>
+            <a:off x="182879" y="523220"/>
+            <a:ext cx="11834949" cy="830997"/>
+          </a:xfrm>
+          <a:prstGeom prst="rect">
+            <a:avLst/>
+          </a:prstGeom>
+        </p:spPr>
+        <p:txBody>
+          <a:bodyPr wrap="square">
+            <a:spAutoFit/>
+          </a:bodyPr>
+          <a:lstStyle/>
+          <a:p>
+            <a:r>
+              <a:rPr lang="en-US" sz="2400" i="1" dirty="0">
+                <a:solidFill>
+                  <a:srgbClr val="0070C0"/>
+                </a:solidFill>
+              </a:rPr>
+              <a:t>The service package is defined as a bundle of goods and services with information that is provided in some environment. </a:t>
+            </a:r>
+            <a:endParaRPr lang="en-IN" sz="2400" i="1" dirty="0">
+              <a:solidFill>
+                <a:srgbClr val="0070C0"/>
+              </a:solidFill>
+            </a:endParaRPr>
+          </a:p>
+        </p:txBody>
+      </p:sp>
+      <p:pic>
+        <p:nvPicPr>
+          <p:cNvPr id="3" name="Picture 2"/>
+          <p:cNvPicPr>
+            <a:picLocks noChangeAspect="1"/>
+          </p:cNvPicPr>
+          <p:nvPr/>
+        </p:nvPicPr>
+        <p:blipFill>
+          <a:blip r:embed="rId2"/>
+          <a:stretch>
+            <a:fillRect/>
+          </a:stretch>
+        </p:blipFill>
+        <p:spPr>
+          <a:xfrm>
+            <a:off x="4393746" y="1109389"/>
+            <a:ext cx="5581650" cy="5457825"/>
+          </a:xfrm>
+          <a:prstGeom prst="rect">
+            <a:avLst/>
+          </a:prstGeom>
+        </p:spPr>
+      </p:pic>
+    </p:spTree>
+    <p:extLst>
+      <p:ext uri="{BB962C8B-B14F-4D97-AF65-F5344CB8AC3E}">
+        <p14:creationId xmlns:p14="http://schemas.microsoft.com/office/powerpoint/2010/main" val="3446684077"/>
+      </p:ext>
+    </p:extLst>
+  </p:cSld>
+  <p:clrMapOvr>
+    <a:masterClrMapping/>
+  </p:clrMapOvr>
+</p:sld>
+</file>
+
+<file path=ppt/slides/slide33.xml><?xml version="1.0" encoding="utf-8"?>
+<p:sld xmlns:a="http://schemas.openxmlformats.org/drawingml/2006/main" xmlns:r="http://schemas.openxmlformats.org/officeDocument/2006/relationships" xmlns:p="http://schemas.openxmlformats.org/presentationml/2006/main">
+  <p:cSld>
+    <p:spTree>
+      <p:nvGrpSpPr>
+        <p:cNvPr id="1" name=""/>
+        <p:cNvGrpSpPr/>
+        <p:nvPr/>
+      </p:nvGrpSpPr>
+      <p:grpSpPr>
+        <a:xfrm>
+          <a:off x="0" y="0"/>
+          <a:ext cx="0" cy="0"/>
+          <a:chOff x="0" y="0"/>
+          <a:chExt cx="0" cy="0"/>
+        </a:xfrm>
+      </p:grpSpPr>
+      <p:sp>
+        <p:nvSpPr>
+          <p:cNvPr id="4" name="Rectangle 3"/>
+          <p:cNvSpPr/>
+          <p:nvPr/>
+        </p:nvSpPr>
+        <p:spPr>
+          <a:xfrm>
+            <a:off x="-1" y="0"/>
+            <a:ext cx="10345784" cy="523220"/>
+          </a:xfrm>
+          <a:prstGeom prst="rect">
+            <a:avLst/>
+          </a:prstGeom>
+        </p:spPr>
+        <p:txBody>
+          <a:bodyPr wrap="square">
+            <a:spAutoFit/>
+          </a:bodyPr>
+          <a:lstStyle/>
+          <a:p>
+            <a:r>
+              <a:rPr lang="en-IN" sz="2800" b="1" dirty="0"/>
+              <a:t>Service Package</a:t>
+            </a:r>
+          </a:p>
+        </p:txBody>
+      </p:sp>
+      <p:sp>
+        <p:nvSpPr>
+          <p:cNvPr id="2" name="TextBox 1"/>
+          <p:cNvSpPr txBox="1"/>
+          <p:nvPr/>
+        </p:nvSpPr>
+        <p:spPr>
+          <a:xfrm>
+            <a:off x="0" y="523220"/>
+            <a:ext cx="10859589" cy="523220"/>
+          </a:xfrm>
+          <a:prstGeom prst="rect">
+            <a:avLst/>
+          </a:prstGeom>
+          <a:noFill/>
+        </p:spPr>
+        <p:txBody>
+          <a:bodyPr wrap="square" rtlCol="0">
+            <a:spAutoFit/>
+          </a:bodyPr>
+          <a:lstStyle/>
+          <a:p>
+            <a:r>
+              <a:rPr lang="en-IN" sz="2800" i="1" dirty="0">
+                <a:solidFill>
+                  <a:srgbClr val="0070C0"/>
+                </a:solidFill>
+              </a:rPr>
+              <a:t>Example : Logistic Services (SCM)</a:t>
+            </a:r>
+          </a:p>
+        </p:txBody>
+      </p:sp>
+      <p:pic>
+        <p:nvPicPr>
+          <p:cNvPr id="1026" name="Picture 2" descr="Coronavirus Lockdown: Stranded Trucks Across India Another Body Blow To A  Battered Industry"/>
+          <p:cNvPicPr>
+            <a:picLocks noChangeAspect="1" noChangeArrowheads="1"/>
+          </p:cNvPicPr>
+          <p:nvPr/>
+        </p:nvPicPr>
+        <p:blipFill>
+          <a:blip r:embed="rId2">
+            <a:extLst>
+              <a:ext uri="{28A0092B-C50C-407E-A947-70E740481C1C}">
+                <a14:useLocalDpi xmlns:a14="http://schemas.microsoft.com/office/drawing/2010/main" val="0"/>
+              </a:ext>
+            </a:extLst>
+          </a:blip>
+          <a:srcRect/>
+          <a:stretch>
+            <a:fillRect/>
+          </a:stretch>
+        </p:blipFill>
+        <p:spPr bwMode="auto">
+          <a:xfrm>
+            <a:off x="440750" y="1903913"/>
+            <a:ext cx="8149287" cy="4583974"/>
+          </a:xfrm>
+          <a:prstGeom prst="rect">
+            <a:avLst/>
+          </a:prstGeom>
+          <a:noFill/>
+          <a:effectLst>
+            <a:softEdge rad="317500"/>
+          </a:effectLst>
+          <a:extLst>
+            <a:ext uri="{909E8E84-426E-40DD-AFC4-6F175D3DCCD1}">
+              <a14:hiddenFill xmlns:a14="http://schemas.microsoft.com/office/drawing/2010/main">
+                <a:solidFill>
+                  <a:srgbClr val="FFFFFF"/>
+                </a:solidFill>
+              </a14:hiddenFill>
+            </a:ext>
+          </a:extLst>
+        </p:spPr>
+      </p:pic>
+      <p:sp>
+        <p:nvSpPr>
+          <p:cNvPr id="3" name="TextBox 2"/>
+          <p:cNvSpPr txBox="1"/>
+          <p:nvPr/>
+        </p:nvSpPr>
+        <p:spPr>
+          <a:xfrm>
+            <a:off x="0" y="1290510"/>
+            <a:ext cx="9692640" cy="461665"/>
+          </a:xfrm>
+          <a:prstGeom prst="rect">
+            <a:avLst/>
+          </a:prstGeom>
+          <a:noFill/>
+        </p:spPr>
+        <p:txBody>
+          <a:bodyPr wrap="square" rtlCol="0">
+            <a:spAutoFit/>
+          </a:bodyPr>
+          <a:lstStyle/>
+          <a:p>
+            <a:r>
+              <a:rPr lang="en-IN" sz="2400" b="1" dirty="0">
+                <a:solidFill>
+                  <a:srgbClr val="0070C0"/>
+                </a:solidFill>
+              </a:rPr>
+              <a:t>Supporting Facility</a:t>
+            </a:r>
+            <a:r>
+              <a:rPr lang="en-IN" sz="2400" dirty="0"/>
+              <a:t> : Physical resources i.e. </a:t>
+            </a:r>
+            <a:r>
+              <a:rPr lang="en-IN" sz="2400" i="1" dirty="0"/>
+              <a:t>Fleet of vehicles, Parking Area</a:t>
+            </a:r>
+          </a:p>
+        </p:txBody>
+      </p:sp>
+    </p:spTree>
+    <p:extLst>
+      <p:ext uri="{BB962C8B-B14F-4D97-AF65-F5344CB8AC3E}">
+        <p14:creationId xmlns:p14="http://schemas.microsoft.com/office/powerpoint/2010/main" val="2145396666"/>
+      </p:ext>
+    </p:extLst>
+  </p:cSld>
+  <p:clrMapOvr>
+    <a:masterClrMapping/>
+  </p:clrMapOvr>
+</p:sld>
+</file>
+
+<file path=ppt/slides/slide34.xml><?xml version="1.0" encoding="utf-8"?>
+<p:sld xmlns:a="http://schemas.openxmlformats.org/drawingml/2006/main" xmlns:r="http://schemas.openxmlformats.org/officeDocument/2006/relationships" xmlns:p="http://schemas.openxmlformats.org/presentationml/2006/main">
+  <p:cSld>
+    <p:spTree>
+      <p:nvGrpSpPr>
+        <p:cNvPr id="1" name=""/>
+        <p:cNvGrpSpPr/>
+        <p:nvPr/>
+      </p:nvGrpSpPr>
+      <p:grpSpPr>
+        <a:xfrm>
+          <a:off x="0" y="0"/>
+          <a:ext cx="0" cy="0"/>
+          <a:chOff x="0" y="0"/>
+          <a:chExt cx="0" cy="0"/>
+        </a:xfrm>
+      </p:grpSpPr>
+      <p:sp>
+        <p:nvSpPr>
+          <p:cNvPr id="4" name="Rectangle 3"/>
+          <p:cNvSpPr/>
+          <p:nvPr/>
+        </p:nvSpPr>
+        <p:spPr>
+          <a:xfrm>
+            <a:off x="-1" y="0"/>
+            <a:ext cx="10345784" cy="523220"/>
+          </a:xfrm>
+          <a:prstGeom prst="rect">
+            <a:avLst/>
+          </a:prstGeom>
+        </p:spPr>
+        <p:txBody>
+          <a:bodyPr wrap="square">
+            <a:spAutoFit/>
+          </a:bodyPr>
+          <a:lstStyle/>
+          <a:p>
+            <a:r>
+              <a:rPr lang="en-IN" sz="2800" b="1" dirty="0"/>
+              <a:t>Service Package</a:t>
+            </a:r>
+          </a:p>
+        </p:txBody>
+      </p:sp>
+      <p:sp>
+        <p:nvSpPr>
+          <p:cNvPr id="2" name="TextBox 1"/>
+          <p:cNvSpPr txBox="1"/>
+          <p:nvPr/>
+        </p:nvSpPr>
+        <p:spPr>
+          <a:xfrm>
+            <a:off x="0" y="523220"/>
+            <a:ext cx="10859589" cy="523220"/>
+          </a:xfrm>
+          <a:prstGeom prst="rect">
+            <a:avLst/>
+          </a:prstGeom>
+          <a:noFill/>
+        </p:spPr>
+        <p:txBody>
+          <a:bodyPr wrap="square" rtlCol="0">
+            <a:spAutoFit/>
+          </a:bodyPr>
+          <a:lstStyle/>
+          <a:p>
+            <a:r>
+              <a:rPr lang="en-IN" sz="2800" i="1" dirty="0">
+                <a:solidFill>
+                  <a:srgbClr val="0070C0"/>
+                </a:solidFill>
+              </a:rPr>
+              <a:t>Example : Logistic Services (SCM)</a:t>
+            </a:r>
+          </a:p>
+        </p:txBody>
+      </p:sp>
+      <p:sp>
+        <p:nvSpPr>
+          <p:cNvPr id="3" name="TextBox 2"/>
+          <p:cNvSpPr txBox="1"/>
+          <p:nvPr/>
+        </p:nvSpPr>
+        <p:spPr>
+          <a:xfrm>
+            <a:off x="-1" y="1290510"/>
+            <a:ext cx="12061371" cy="830997"/>
+          </a:xfrm>
+          <a:prstGeom prst="rect">
+            <a:avLst/>
+          </a:prstGeom>
+          <a:noFill/>
+        </p:spPr>
+        <p:txBody>
+          <a:bodyPr wrap="square" rtlCol="0">
+            <a:spAutoFit/>
+          </a:bodyPr>
+          <a:lstStyle/>
+          <a:p>
+            <a:r>
+              <a:rPr lang="en-IN" sz="2400" b="1" dirty="0">
+                <a:solidFill>
+                  <a:srgbClr val="0070C0"/>
+                </a:solidFill>
+              </a:rPr>
+              <a:t>Facilitating Goods</a:t>
+            </a:r>
+            <a:r>
+              <a:rPr lang="en-IN" sz="2400" dirty="0"/>
+              <a:t>: Material purchased or consumed by buyers i.e. Packing boxes, Trolleys, hand pallet trucks </a:t>
+            </a:r>
+          </a:p>
+        </p:txBody>
+      </p:sp>
+      <p:pic>
+        <p:nvPicPr>
+          <p:cNvPr id="5" name="Picture 4"/>
+          <p:cNvPicPr>
+            <a:picLocks noChangeAspect="1"/>
+          </p:cNvPicPr>
+          <p:nvPr/>
+        </p:nvPicPr>
+        <p:blipFill>
+          <a:blip r:embed="rId2"/>
+          <a:stretch>
+            <a:fillRect/>
+          </a:stretch>
+        </p:blipFill>
+        <p:spPr>
+          <a:xfrm>
+            <a:off x="94842" y="2365577"/>
+            <a:ext cx="3519009" cy="3389674"/>
+          </a:xfrm>
+          <a:prstGeom prst="rect">
+            <a:avLst/>
+          </a:prstGeom>
+        </p:spPr>
+      </p:pic>
+      <p:pic>
+        <p:nvPicPr>
+          <p:cNvPr id="6" name="Picture 5"/>
+          <p:cNvPicPr>
+            <a:picLocks noChangeAspect="1"/>
+          </p:cNvPicPr>
+          <p:nvPr/>
+        </p:nvPicPr>
+        <p:blipFill>
+          <a:blip r:embed="rId3"/>
+          <a:stretch>
+            <a:fillRect/>
+          </a:stretch>
+        </p:blipFill>
+        <p:spPr>
+          <a:xfrm>
+            <a:off x="3613851" y="2888797"/>
+            <a:ext cx="3570978" cy="3472013"/>
+          </a:xfrm>
+          <a:prstGeom prst="rect">
+            <a:avLst/>
+          </a:prstGeom>
+        </p:spPr>
+      </p:pic>
+      <p:pic>
+        <p:nvPicPr>
+          <p:cNvPr id="3074" name="Picture 2" descr="Various Types of Packaging Materials Used in Industries"/>
+          <p:cNvPicPr>
+            <a:picLocks noChangeAspect="1" noChangeArrowheads="1"/>
+          </p:cNvPicPr>
+          <p:nvPr/>
+        </p:nvPicPr>
+        <p:blipFill>
+          <a:blip r:embed="rId4" cstate="print">
+            <a:extLst>
+              <a:ext uri="{28A0092B-C50C-407E-A947-70E740481C1C}">
+                <a14:useLocalDpi xmlns:a14="http://schemas.microsoft.com/office/drawing/2010/main" val="0"/>
+              </a:ext>
+            </a:extLst>
+          </a:blip>
+          <a:srcRect/>
+          <a:stretch>
+            <a:fillRect/>
+          </a:stretch>
+        </p:blipFill>
+        <p:spPr bwMode="auto">
+          <a:xfrm>
+            <a:off x="6644640" y="1909295"/>
+            <a:ext cx="5007591" cy="3855846"/>
+          </a:xfrm>
+          <a:prstGeom prst="rect">
+            <a:avLst/>
+          </a:prstGeom>
+          <a:noFill/>
+          <a:extLst>
+            <a:ext uri="{909E8E84-426E-40DD-AFC4-6F175D3DCCD1}">
+              <a14:hiddenFill xmlns:a14="http://schemas.microsoft.com/office/drawing/2010/main">
+                <a:solidFill>
+                  <a:srgbClr val="FFFFFF"/>
+                </a:solidFill>
+              </a14:hiddenFill>
+            </a:ext>
+          </a:extLst>
+        </p:spPr>
+      </p:pic>
+    </p:spTree>
+    <p:extLst>
+      <p:ext uri="{BB962C8B-B14F-4D97-AF65-F5344CB8AC3E}">
+        <p14:creationId xmlns:p14="http://schemas.microsoft.com/office/powerpoint/2010/main" val="1869697611"/>
+      </p:ext>
+    </p:extLst>
+  </p:cSld>
+  <p:clrMapOvr>
+    <a:masterClrMapping/>
+  </p:clrMapOvr>
+</p:sld>
+</file>
+
+<file path=ppt/slides/slide35.xml><?xml version="1.0" encoding="utf-8"?>
+<p:sld xmlns:a="http://schemas.openxmlformats.org/drawingml/2006/main" xmlns:r="http://schemas.openxmlformats.org/officeDocument/2006/relationships" xmlns:p="http://schemas.openxmlformats.org/presentationml/2006/main">
+  <p:cSld>
+    <p:spTree>
+      <p:nvGrpSpPr>
+        <p:cNvPr id="1" name=""/>
+        <p:cNvGrpSpPr/>
+        <p:nvPr/>
+      </p:nvGrpSpPr>
+      <p:grpSpPr>
+        <a:xfrm>
+          <a:off x="0" y="0"/>
+          <a:ext cx="0" cy="0"/>
+          <a:chOff x="0" y="0"/>
+          <a:chExt cx="0" cy="0"/>
+        </a:xfrm>
+      </p:grpSpPr>
+      <p:sp>
+        <p:nvSpPr>
+          <p:cNvPr id="4" name="Rectangle 3"/>
+          <p:cNvSpPr/>
+          <p:nvPr/>
+        </p:nvSpPr>
+        <p:spPr>
+          <a:xfrm>
+            <a:off x="-1" y="0"/>
+            <a:ext cx="10345784" cy="523220"/>
+          </a:xfrm>
+          <a:prstGeom prst="rect">
+            <a:avLst/>
+          </a:prstGeom>
+        </p:spPr>
+        <p:txBody>
+          <a:bodyPr wrap="square">
+            <a:spAutoFit/>
+          </a:bodyPr>
+          <a:lstStyle/>
+          <a:p>
+            <a:r>
+              <a:rPr lang="en-IN" sz="2800" b="1" dirty="0"/>
+              <a:t>Service Package</a:t>
+            </a:r>
+          </a:p>
+        </p:txBody>
+      </p:sp>
+      <p:sp>
+        <p:nvSpPr>
+          <p:cNvPr id="2" name="TextBox 1"/>
+          <p:cNvSpPr txBox="1"/>
+          <p:nvPr/>
+        </p:nvSpPr>
+        <p:spPr>
+          <a:xfrm>
+            <a:off x="0" y="523220"/>
+            <a:ext cx="10859589" cy="523220"/>
+          </a:xfrm>
+          <a:prstGeom prst="rect">
+            <a:avLst/>
+          </a:prstGeom>
+          <a:noFill/>
+        </p:spPr>
+        <p:txBody>
+          <a:bodyPr wrap="square" rtlCol="0">
+            <a:spAutoFit/>
+          </a:bodyPr>
+          <a:lstStyle/>
+          <a:p>
+            <a:r>
+              <a:rPr lang="en-IN" sz="2800" i="1" dirty="0">
+                <a:solidFill>
+                  <a:srgbClr val="0070C0"/>
+                </a:solidFill>
+              </a:rPr>
+              <a:t>Example : Logistic Services (SCM)</a:t>
+            </a:r>
+          </a:p>
+        </p:txBody>
+      </p:sp>
+      <p:sp>
+        <p:nvSpPr>
+          <p:cNvPr id="3" name="TextBox 2"/>
+          <p:cNvSpPr txBox="1"/>
+          <p:nvPr/>
+        </p:nvSpPr>
+        <p:spPr>
+          <a:xfrm>
+            <a:off x="-1" y="1290510"/>
+            <a:ext cx="12061371" cy="1200329"/>
+          </a:xfrm>
+          <a:prstGeom prst="rect">
+            <a:avLst/>
+          </a:prstGeom>
+          <a:noFill/>
+        </p:spPr>
+        <p:txBody>
+          <a:bodyPr wrap="square" rtlCol="0">
+            <a:spAutoFit/>
+          </a:bodyPr>
+          <a:lstStyle/>
+          <a:p>
+            <a:r>
+              <a:rPr lang="en-IN" sz="2400" b="1" dirty="0">
+                <a:solidFill>
+                  <a:srgbClr val="0070C0"/>
+                </a:solidFill>
+              </a:rPr>
+              <a:t>Information</a:t>
+            </a:r>
+            <a:r>
+              <a:rPr lang="en-IN" sz="2400" dirty="0"/>
+              <a:t>: </a:t>
+            </a:r>
+            <a:r>
+              <a:rPr lang="en-US" sz="2400" dirty="0"/>
+              <a:t>Data that is available from the customer or provider to enable efficient and customized service i.e. Loading / Unloading time, Real Time Monitoring or tracking of transport vehicles</a:t>
+            </a:r>
+            <a:endParaRPr lang="en-IN" sz="2400" dirty="0"/>
+          </a:p>
+        </p:txBody>
+      </p:sp>
+      <p:pic>
+        <p:nvPicPr>
+          <p:cNvPr id="2050" name="Picture 2" descr="From vehicles to pets - the story of an IoT startup that can track  'everything that moves' - Express Computer"/>
+          <p:cNvPicPr>
+            <a:picLocks noChangeAspect="1" noChangeArrowheads="1"/>
+          </p:cNvPicPr>
+          <p:nvPr/>
+        </p:nvPicPr>
+        <p:blipFill>
+          <a:blip r:embed="rId2">
+            <a:extLst>
+              <a:ext uri="{28A0092B-C50C-407E-A947-70E740481C1C}">
+                <a14:useLocalDpi xmlns:a14="http://schemas.microsoft.com/office/drawing/2010/main" val="0"/>
+              </a:ext>
+            </a:extLst>
+          </a:blip>
+          <a:srcRect/>
+          <a:stretch>
+            <a:fillRect/>
+          </a:stretch>
+        </p:blipFill>
+        <p:spPr bwMode="auto">
+          <a:xfrm>
+            <a:off x="2019209" y="2246811"/>
+            <a:ext cx="6880952" cy="4284539"/>
+          </a:xfrm>
+          <a:prstGeom prst="rect">
+            <a:avLst/>
+          </a:prstGeom>
+          <a:noFill/>
+          <a:extLst>
+            <a:ext uri="{909E8E84-426E-40DD-AFC4-6F175D3DCCD1}">
+              <a14:hiddenFill xmlns:a14="http://schemas.microsoft.com/office/drawing/2010/main">
+                <a:solidFill>
+                  <a:srgbClr val="FFFFFF"/>
+                </a:solidFill>
+              </a14:hiddenFill>
+            </a:ext>
+          </a:extLst>
+        </p:spPr>
+      </p:pic>
+    </p:spTree>
+    <p:extLst>
+      <p:ext uri="{BB962C8B-B14F-4D97-AF65-F5344CB8AC3E}">
+        <p14:creationId xmlns:p14="http://schemas.microsoft.com/office/powerpoint/2010/main" val="2945755592"/>
+      </p:ext>
+    </p:extLst>
+  </p:cSld>
+  <p:clrMapOvr>
+    <a:masterClrMapping/>
+  </p:clrMapOvr>
+</p:sld>
+</file>
+
+<file path=ppt/slides/slide36.xml><?xml version="1.0" encoding="utf-8"?>
+<p:sld xmlns:a="http://schemas.openxmlformats.org/drawingml/2006/main" xmlns:r="http://schemas.openxmlformats.org/officeDocument/2006/relationships" xmlns:p="http://schemas.openxmlformats.org/presentationml/2006/main">
+  <p:cSld>
+    <p:spTree>
+      <p:nvGrpSpPr>
+        <p:cNvPr id="1" name=""/>
+        <p:cNvGrpSpPr/>
+        <p:nvPr/>
+      </p:nvGrpSpPr>
+      <p:grpSpPr>
+        <a:xfrm>
+          <a:off x="0" y="0"/>
+          <a:ext cx="0" cy="0"/>
+          <a:chOff x="0" y="0"/>
+          <a:chExt cx="0" cy="0"/>
+        </a:xfrm>
+      </p:grpSpPr>
+      <p:sp>
+        <p:nvSpPr>
+          <p:cNvPr id="4" name="Rectangle 3"/>
+          <p:cNvSpPr/>
+          <p:nvPr/>
+        </p:nvSpPr>
+        <p:spPr>
+          <a:xfrm>
+            <a:off x="-1" y="0"/>
+            <a:ext cx="10345784" cy="523220"/>
+          </a:xfrm>
+          <a:prstGeom prst="rect">
+            <a:avLst/>
+          </a:prstGeom>
+        </p:spPr>
+        <p:txBody>
+          <a:bodyPr wrap="square">
+            <a:spAutoFit/>
+          </a:bodyPr>
+          <a:lstStyle/>
+          <a:p>
+            <a:r>
+              <a:rPr lang="en-IN" sz="2800" b="1" dirty="0"/>
+              <a:t>Service Package</a:t>
+            </a:r>
+          </a:p>
+        </p:txBody>
+      </p:sp>
+      <p:sp>
+        <p:nvSpPr>
+          <p:cNvPr id="2" name="TextBox 1"/>
+          <p:cNvSpPr txBox="1"/>
+          <p:nvPr/>
+        </p:nvSpPr>
+        <p:spPr>
+          <a:xfrm>
+            <a:off x="0" y="523220"/>
+            <a:ext cx="10859589" cy="523220"/>
+          </a:xfrm>
+          <a:prstGeom prst="rect">
+            <a:avLst/>
+          </a:prstGeom>
+          <a:noFill/>
+        </p:spPr>
+        <p:txBody>
+          <a:bodyPr wrap="square" rtlCol="0">
+            <a:spAutoFit/>
+          </a:bodyPr>
+          <a:lstStyle/>
+          <a:p>
+            <a:r>
+              <a:rPr lang="en-IN" sz="2800" i="1" dirty="0">
+                <a:solidFill>
+                  <a:srgbClr val="0070C0"/>
+                </a:solidFill>
+              </a:rPr>
+              <a:t>Example : Logistic Services (SCM)</a:t>
+            </a:r>
+          </a:p>
+        </p:txBody>
+      </p:sp>
+      <p:sp>
+        <p:nvSpPr>
+          <p:cNvPr id="3" name="TextBox 2"/>
+          <p:cNvSpPr txBox="1"/>
+          <p:nvPr/>
+        </p:nvSpPr>
+        <p:spPr>
+          <a:xfrm>
+            <a:off x="-1" y="1290510"/>
+            <a:ext cx="12061371" cy="830997"/>
+          </a:xfrm>
+          <a:prstGeom prst="rect">
+            <a:avLst/>
+          </a:prstGeom>
+          <a:noFill/>
+        </p:spPr>
+        <p:txBody>
+          <a:bodyPr wrap="square" rtlCol="0">
+            <a:spAutoFit/>
+          </a:bodyPr>
+          <a:lstStyle/>
+          <a:p>
+            <a:r>
+              <a:rPr lang="en-IN" sz="2400" b="1" dirty="0">
+                <a:solidFill>
+                  <a:srgbClr val="0070C0"/>
+                </a:solidFill>
+              </a:rPr>
+              <a:t>Explicit Services</a:t>
+            </a:r>
+            <a:r>
+              <a:rPr lang="en-IN" sz="2400" dirty="0"/>
+              <a:t>: </a:t>
+            </a:r>
+            <a:r>
+              <a:rPr lang="en-US" sz="2400" dirty="0"/>
+              <a:t>Benefits that are readily observable i.e. Trained professionals taking care from packing – Loading to vehicle – Movement of Goods – Timely delivery</a:t>
+            </a:r>
+            <a:endParaRPr lang="en-IN" sz="2400" dirty="0"/>
+          </a:p>
+        </p:txBody>
+      </p:sp>
+      <p:pic>
+        <p:nvPicPr>
+          <p:cNvPr id="4098" name="Picture 2" descr="Goods Loading and Unloading Services in Chunabhatti Road,, Ghaziabad,  Bhagwati Cargo Packers &amp; Movers | ID: 9890066597"/>
+          <p:cNvPicPr>
+            <a:picLocks noChangeAspect="1" noChangeArrowheads="1"/>
+          </p:cNvPicPr>
+          <p:nvPr/>
+        </p:nvPicPr>
+        <p:blipFill>
+          <a:blip r:embed="rId2">
+            <a:extLst>
+              <a:ext uri="{28A0092B-C50C-407E-A947-70E740481C1C}">
+                <a14:useLocalDpi xmlns:a14="http://schemas.microsoft.com/office/drawing/2010/main" val="0"/>
+              </a:ext>
+            </a:extLst>
+          </a:blip>
+          <a:srcRect/>
+          <a:stretch>
+            <a:fillRect/>
+          </a:stretch>
+        </p:blipFill>
+        <p:spPr bwMode="auto">
+          <a:xfrm>
+            <a:off x="7301865" y="2470079"/>
+            <a:ext cx="4219575" cy="1905000"/>
+          </a:xfrm>
+          <a:prstGeom prst="rect">
+            <a:avLst/>
+          </a:prstGeom>
+          <a:noFill/>
+          <a:extLst>
+            <a:ext uri="{909E8E84-426E-40DD-AFC4-6F175D3DCCD1}">
+              <a14:hiddenFill xmlns:a14="http://schemas.microsoft.com/office/drawing/2010/main">
+                <a:solidFill>
+                  <a:srgbClr val="FFFFFF"/>
+                </a:solidFill>
+              </a14:hiddenFill>
+            </a:ext>
+          </a:extLst>
+        </p:spPr>
+      </p:pic>
+      <p:pic>
+        <p:nvPicPr>
+          <p:cNvPr id="4100" name="Picture 4" descr="Packers &amp; Movers | Full Service Moving Company"/>
+          <p:cNvPicPr>
+            <a:picLocks noChangeAspect="1" noChangeArrowheads="1"/>
+          </p:cNvPicPr>
+          <p:nvPr/>
+        </p:nvPicPr>
+        <p:blipFill>
+          <a:blip r:embed="rId3">
+            <a:extLst>
+              <a:ext uri="{28A0092B-C50C-407E-A947-70E740481C1C}">
+                <a14:useLocalDpi xmlns:a14="http://schemas.microsoft.com/office/drawing/2010/main" val="0"/>
+              </a:ext>
+            </a:extLst>
+          </a:blip>
+          <a:srcRect/>
+          <a:stretch>
+            <a:fillRect/>
+          </a:stretch>
+        </p:blipFill>
+        <p:spPr bwMode="auto">
+          <a:xfrm>
+            <a:off x="199118" y="2470079"/>
+            <a:ext cx="3437577" cy="2293509"/>
+          </a:xfrm>
+          <a:prstGeom prst="rect">
+            <a:avLst/>
+          </a:prstGeom>
+          <a:noFill/>
+          <a:effectLst>
+            <a:softEdge rad="317500"/>
+          </a:effectLst>
+          <a:extLst>
+            <a:ext uri="{909E8E84-426E-40DD-AFC4-6F175D3DCCD1}">
+              <a14:hiddenFill xmlns:a14="http://schemas.microsoft.com/office/drawing/2010/main">
+                <a:solidFill>
+                  <a:srgbClr val="FFFFFF"/>
+                </a:solidFill>
+              </a14:hiddenFill>
+            </a:ext>
+          </a:extLst>
+        </p:spPr>
+      </p:pic>
+      <p:pic>
+        <p:nvPicPr>
+          <p:cNvPr id="4102" name="Picture 6" descr="How to Unpack and Stay Organized When Moving to a New House - Firemen Movers"/>
+          <p:cNvPicPr>
+            <a:picLocks noChangeAspect="1" noChangeArrowheads="1"/>
+          </p:cNvPicPr>
+          <p:nvPr/>
+        </p:nvPicPr>
+        <p:blipFill>
+          <a:blip r:embed="rId4">
+            <a:extLst>
+              <a:ext uri="{28A0092B-C50C-407E-A947-70E740481C1C}">
+                <a14:useLocalDpi xmlns:a14="http://schemas.microsoft.com/office/drawing/2010/main" val="0"/>
+              </a:ext>
+            </a:extLst>
+          </a:blip>
+          <a:srcRect/>
+          <a:stretch>
+            <a:fillRect/>
+          </a:stretch>
+        </p:blipFill>
+        <p:spPr bwMode="auto">
+          <a:xfrm>
+            <a:off x="3560656" y="4041220"/>
+            <a:ext cx="3607647" cy="2350885"/>
+          </a:xfrm>
+          <a:prstGeom prst="rect">
+            <a:avLst/>
+          </a:prstGeom>
+          <a:noFill/>
+          <a:effectLst>
+            <a:softEdge rad="317500"/>
+          </a:effectLst>
+          <a:extLst>
+            <a:ext uri="{909E8E84-426E-40DD-AFC4-6F175D3DCCD1}">
+              <a14:hiddenFill xmlns:a14="http://schemas.microsoft.com/office/drawing/2010/main">
+                <a:solidFill>
+                  <a:srgbClr val="FFFFFF"/>
+                </a:solidFill>
+              </a14:hiddenFill>
+            </a:ext>
+          </a:extLst>
+        </p:spPr>
+      </p:pic>
+    </p:spTree>
+    <p:extLst>
+      <p:ext uri="{BB962C8B-B14F-4D97-AF65-F5344CB8AC3E}">
+        <p14:creationId xmlns:p14="http://schemas.microsoft.com/office/powerpoint/2010/main" val="3952930850"/>
+      </p:ext>
+    </p:extLst>
+  </p:cSld>
+  <p:clrMapOvr>
+    <a:masterClrMapping/>
+  </p:clrMapOvr>
+</p:sld>
+</file>
+
+<file path=ppt/slides/slide37.xml><?xml version="1.0" encoding="utf-8"?>
+<p:sld xmlns:a="http://schemas.openxmlformats.org/drawingml/2006/main" xmlns:r="http://schemas.openxmlformats.org/officeDocument/2006/relationships" xmlns:p="http://schemas.openxmlformats.org/presentationml/2006/main">
+  <p:cSld>
+    <p:spTree>
+      <p:nvGrpSpPr>
+        <p:cNvPr id="1" name=""/>
+        <p:cNvGrpSpPr/>
+        <p:nvPr/>
+      </p:nvGrpSpPr>
+      <p:grpSpPr>
+        <a:xfrm>
+          <a:off x="0" y="0"/>
+          <a:ext cx="0" cy="0"/>
+          <a:chOff x="0" y="0"/>
+          <a:chExt cx="0" cy="0"/>
+        </a:xfrm>
+      </p:grpSpPr>
+      <p:sp>
+        <p:nvSpPr>
+          <p:cNvPr id="4" name="Rectangle 3"/>
+          <p:cNvSpPr/>
+          <p:nvPr/>
+        </p:nvSpPr>
+        <p:spPr>
+          <a:xfrm>
+            <a:off x="-1" y="0"/>
+            <a:ext cx="10345784" cy="523220"/>
+          </a:xfrm>
+          <a:prstGeom prst="rect">
+            <a:avLst/>
+          </a:prstGeom>
+        </p:spPr>
+        <p:txBody>
+          <a:bodyPr wrap="square">
+            <a:spAutoFit/>
+          </a:bodyPr>
+          <a:lstStyle/>
+          <a:p>
+            <a:r>
+              <a:rPr lang="en-IN" sz="2800" b="1" dirty="0"/>
+              <a:t>Service Package</a:t>
+            </a:r>
+          </a:p>
+        </p:txBody>
+      </p:sp>
+      <p:sp>
+        <p:nvSpPr>
+          <p:cNvPr id="2" name="TextBox 1"/>
+          <p:cNvSpPr txBox="1"/>
+          <p:nvPr/>
+        </p:nvSpPr>
+        <p:spPr>
+          <a:xfrm>
+            <a:off x="0" y="523220"/>
+            <a:ext cx="10859589" cy="523220"/>
+          </a:xfrm>
+          <a:prstGeom prst="rect">
+            <a:avLst/>
+          </a:prstGeom>
+          <a:noFill/>
+        </p:spPr>
+        <p:txBody>
+          <a:bodyPr wrap="square" rtlCol="0">
+            <a:spAutoFit/>
+          </a:bodyPr>
+          <a:lstStyle/>
+          <a:p>
+            <a:r>
+              <a:rPr lang="en-IN" sz="2800" i="1" dirty="0">
+                <a:solidFill>
+                  <a:srgbClr val="0070C0"/>
+                </a:solidFill>
+              </a:rPr>
+              <a:t>Example : Logistic Services (SCM)</a:t>
+            </a:r>
+          </a:p>
+        </p:txBody>
+      </p:sp>
+      <p:sp>
+        <p:nvSpPr>
+          <p:cNvPr id="3" name="TextBox 2"/>
+          <p:cNvSpPr txBox="1"/>
+          <p:nvPr/>
+        </p:nvSpPr>
+        <p:spPr>
+          <a:xfrm>
+            <a:off x="-1" y="1290510"/>
+            <a:ext cx="12061371" cy="830997"/>
+          </a:xfrm>
+          <a:prstGeom prst="rect">
+            <a:avLst/>
+          </a:prstGeom>
+          <a:noFill/>
+        </p:spPr>
+        <p:txBody>
+          <a:bodyPr wrap="square" rtlCol="0">
+            <a:spAutoFit/>
+          </a:bodyPr>
+          <a:lstStyle/>
+          <a:p>
+            <a:r>
+              <a:rPr lang="en-IN" sz="2400" b="1" dirty="0">
+                <a:solidFill>
+                  <a:srgbClr val="0070C0"/>
+                </a:solidFill>
+              </a:rPr>
+              <a:t>Implicit Services</a:t>
+            </a:r>
+            <a:r>
+              <a:rPr lang="en-IN" sz="2400" dirty="0"/>
+              <a:t>: </a:t>
+            </a:r>
+            <a:r>
+              <a:rPr lang="en-US" sz="2400" dirty="0"/>
+              <a:t>Psychological benefits that the customer may sense or experience i.e. Value to the customers </a:t>
+            </a:r>
+            <a:endParaRPr lang="en-IN" sz="2400" dirty="0"/>
+          </a:p>
+        </p:txBody>
+      </p:sp>
+    </p:spTree>
+    <p:extLst>
+      <p:ext uri="{BB962C8B-B14F-4D97-AF65-F5344CB8AC3E}">
+        <p14:creationId xmlns:p14="http://schemas.microsoft.com/office/powerpoint/2010/main" val="2456662098"/>
+      </p:ext>
+    </p:extLst>
+  </p:cSld>
+  <p:clrMapOvr>
+    <a:masterClrMapping/>
+  </p:clrMapOvr>
+</p:sld>
+</file>
+
+<file path=ppt/slides/slide38.xml><?xml version="1.0" encoding="utf-8"?>
+<p:sld xmlns:a="http://schemas.openxmlformats.org/drawingml/2006/main" xmlns:r="http://schemas.openxmlformats.org/officeDocument/2006/relationships" xmlns:p="http://schemas.openxmlformats.org/presentationml/2006/main">
+  <p:cSld>
+    <p:spTree>
+      <p:nvGrpSpPr>
+        <p:cNvPr id="1" name=""/>
+        <p:cNvGrpSpPr/>
+        <p:nvPr/>
+      </p:nvGrpSpPr>
+      <p:grpSpPr>
+        <a:xfrm>
+          <a:off x="0" y="0"/>
+          <a:ext cx="0" cy="0"/>
+          <a:chOff x="0" y="0"/>
+          <a:chExt cx="0" cy="0"/>
+        </a:xfrm>
+      </p:grpSpPr>
+      <p:sp>
+        <p:nvSpPr>
+          <p:cNvPr id="4" name="Rectangle 3"/>
+          <p:cNvSpPr/>
+          <p:nvPr/>
+        </p:nvSpPr>
+        <p:spPr>
+          <a:xfrm>
+            <a:off x="-1" y="0"/>
+            <a:ext cx="10345784" cy="523220"/>
+          </a:xfrm>
+          <a:prstGeom prst="rect">
+            <a:avLst/>
+          </a:prstGeom>
+        </p:spPr>
+        <p:txBody>
+          <a:bodyPr wrap="square">
+            <a:spAutoFit/>
+          </a:bodyPr>
+          <a:lstStyle/>
+          <a:p>
+            <a:r>
+              <a:rPr lang="en-IN" sz="2800" b="1" dirty="0"/>
+              <a:t>Service Package</a:t>
+            </a:r>
+          </a:p>
+        </p:txBody>
+      </p:sp>
+    </p:spTree>
+    <p:extLst>
+      <p:ext uri="{BB962C8B-B14F-4D97-AF65-F5344CB8AC3E}">
+        <p14:creationId xmlns:p14="http://schemas.microsoft.com/office/powerpoint/2010/main" val="2570829244"/>
+      </p:ext>
+    </p:extLst>
+  </p:cSld>
+  <p:clrMapOvr>
+    <a:masterClrMapping/>
+  </p:clrMapOvr>
+</p:sld>
+</file>
+
+<file path=ppt/slides/slide39.xml><?xml version="1.0" encoding="utf-8"?>
+<p:sld xmlns:a="http://schemas.openxmlformats.org/drawingml/2006/main" xmlns:r="http://schemas.openxmlformats.org/officeDocument/2006/relationships" xmlns:p="http://schemas.openxmlformats.org/presentationml/2006/main">
+  <p:cSld>
+    <p:spTree>
+      <p:nvGrpSpPr>
+        <p:cNvPr id="1" name=""/>
+        <p:cNvGrpSpPr/>
+        <p:nvPr/>
+      </p:nvGrpSpPr>
+      <p:grpSpPr>
+        <a:xfrm>
+          <a:off x="0" y="0"/>
+          <a:ext cx="0" cy="0"/>
+          <a:chOff x="0" y="0"/>
+          <a:chExt cx="0" cy="0"/>
+        </a:xfrm>
+      </p:grpSpPr>
+      <p:sp>
+        <p:nvSpPr>
+          <p:cNvPr id="4" name="Rectangle 3"/>
+          <p:cNvSpPr/>
+          <p:nvPr/>
+        </p:nvSpPr>
+        <p:spPr>
+          <a:xfrm>
+            <a:off x="-1" y="0"/>
+            <a:ext cx="10345784" cy="523220"/>
+          </a:xfrm>
+          <a:prstGeom prst="rect">
+            <a:avLst/>
+          </a:prstGeom>
+        </p:spPr>
+        <p:txBody>
+          <a:bodyPr wrap="square">
+            <a:spAutoFit/>
+          </a:bodyPr>
+          <a:lstStyle/>
+          <a:p>
+            <a:r>
+              <a:rPr lang="en-IN" sz="2800" b="1" dirty="0"/>
+              <a:t>Service Package</a:t>
+            </a:r>
+          </a:p>
+        </p:txBody>
+      </p:sp>
+    </p:spTree>
+    <p:extLst>
+      <p:ext uri="{BB962C8B-B14F-4D97-AF65-F5344CB8AC3E}">
+        <p14:creationId xmlns:p14="http://schemas.microsoft.com/office/powerpoint/2010/main" val="2794943439"/>
       </p:ext>
     </p:extLst>
   </p:cSld>
@@ -12643,10 +18458,9 @@
           <a:lstStyle/>
           <a:p>
             <a:r>
-              <a:rPr lang="en-IN" sz="2800" b="1" dirty="0" smtClean="0"/>
+              <a:rPr lang="en-IN" sz="2800" b="1" dirty="0"/>
               <a:t>Introduction</a:t>
             </a:r>
-            <a:endParaRPr lang="en-IN" sz="2800" b="1" dirty="0"/>
           </a:p>
         </p:txBody>
       </p:sp>
@@ -12672,7 +18486,7 @@
           <a:lstStyle/>
           <a:p>
             <a:r>
-              <a:rPr lang="en-US" sz="2400" b="1" i="0" dirty="0" smtClean="0">
+              <a:rPr lang="en-US" sz="2400" b="1" i="0" dirty="0">
                 <a:solidFill>
                   <a:srgbClr val="000000"/>
                 </a:solidFill>
@@ -12684,7 +18498,7 @@
           </a:p>
           <a:p>
             <a:r>
-              <a:rPr lang="en-US" sz="2400" b="1" i="0" dirty="0" smtClean="0">
+              <a:rPr lang="en-US" sz="2400" b="1" i="0" dirty="0">
                 <a:solidFill>
                   <a:srgbClr val="000000"/>
                 </a:solidFill>
@@ -12703,7 +18517,7 @@
             </a:endParaRPr>
           </a:p>
           <a:p>
-            <a:endParaRPr lang="en-US" sz="2400" b="1" i="0" dirty="0" smtClean="0">
+            <a:endParaRPr lang="en-US" sz="2400" b="1" i="0" dirty="0">
               <a:solidFill>
                 <a:srgbClr val="000000"/>
               </a:solidFill>
@@ -12713,7 +18527,7 @@
           </a:p>
           <a:p>
             <a:r>
-              <a:rPr lang="en-US" sz="2400" b="1" dirty="0" smtClean="0">
+              <a:rPr lang="en-US" sz="2400" b="1" dirty="0">
                 <a:solidFill>
                   <a:srgbClr val="000000"/>
                 </a:solidFill>
@@ -12724,7 +18538,7 @@
           </a:p>
           <a:p>
             <a:r>
-              <a:rPr lang="en-US" sz="2400" b="1" i="0" dirty="0" smtClean="0">
+              <a:rPr lang="en-US" sz="2400" b="1" i="0" dirty="0">
                 <a:solidFill>
                   <a:srgbClr val="000000"/>
                 </a:solidFill>
@@ -12744,7 +18558,7 @@
           </a:p>
           <a:p>
             <a:r>
-              <a:rPr lang="en-US" sz="2400" b="1" i="0" dirty="0" smtClean="0">
+              <a:rPr lang="en-US" sz="2400" b="1" i="0" dirty="0">
                 <a:solidFill>
                   <a:srgbClr val="000000"/>
                 </a:solidFill>
@@ -12763,7 +18577,7 @@
             </a:endParaRPr>
           </a:p>
           <a:p>
-            <a:endParaRPr lang="en-IN" sz="2400" b="1" dirty="0" smtClean="0"/>
+            <a:endParaRPr lang="en-IN" sz="2400" b="1" dirty="0"/>
           </a:p>
           <a:p>
             <a:endParaRPr lang="en-IN" sz="2400" b="1" dirty="0"/>
@@ -12774,6 +18588,354 @@
     <p:extLst>
       <p:ext uri="{BB962C8B-B14F-4D97-AF65-F5344CB8AC3E}">
         <p14:creationId xmlns:p14="http://schemas.microsoft.com/office/powerpoint/2010/main" val="1077926663"/>
+      </p:ext>
+    </p:extLst>
+  </p:cSld>
+  <p:clrMapOvr>
+    <a:masterClrMapping/>
+  </p:clrMapOvr>
+</p:sld>
+</file>
+
+<file path=ppt/slides/slide40.xml><?xml version="1.0" encoding="utf-8"?>
+<p:sld xmlns:a="http://schemas.openxmlformats.org/drawingml/2006/main" xmlns:r="http://schemas.openxmlformats.org/officeDocument/2006/relationships" xmlns:p="http://schemas.openxmlformats.org/presentationml/2006/main">
+  <p:cSld>
+    <p:spTree>
+      <p:nvGrpSpPr>
+        <p:cNvPr id="1" name=""/>
+        <p:cNvGrpSpPr/>
+        <p:nvPr/>
+      </p:nvGrpSpPr>
+      <p:grpSpPr>
+        <a:xfrm>
+          <a:off x="0" y="0"/>
+          <a:ext cx="0" cy="0"/>
+          <a:chOff x="0" y="0"/>
+          <a:chExt cx="0" cy="0"/>
+        </a:xfrm>
+      </p:grpSpPr>
+      <p:sp>
+        <p:nvSpPr>
+          <p:cNvPr id="4" name="Rectangle 3"/>
+          <p:cNvSpPr/>
+          <p:nvPr/>
+        </p:nvSpPr>
+        <p:spPr>
+          <a:xfrm>
+            <a:off x="-1" y="0"/>
+            <a:ext cx="10345784" cy="523220"/>
+          </a:xfrm>
+          <a:prstGeom prst="rect">
+            <a:avLst/>
+          </a:prstGeom>
+        </p:spPr>
+        <p:txBody>
+          <a:bodyPr wrap="square">
+            <a:spAutoFit/>
+          </a:bodyPr>
+          <a:lstStyle/>
+          <a:p>
+            <a:r>
+              <a:rPr lang="en-IN" sz="2800" b="1" dirty="0"/>
+              <a:t>Service Package</a:t>
+            </a:r>
+          </a:p>
+        </p:txBody>
+      </p:sp>
+    </p:spTree>
+    <p:extLst>
+      <p:ext uri="{BB962C8B-B14F-4D97-AF65-F5344CB8AC3E}">
+        <p14:creationId xmlns:p14="http://schemas.microsoft.com/office/powerpoint/2010/main" val="420155672"/>
+      </p:ext>
+    </p:extLst>
+  </p:cSld>
+  <p:clrMapOvr>
+    <a:masterClrMapping/>
+  </p:clrMapOvr>
+</p:sld>
+</file>
+
+<file path=ppt/slides/slide41.xml><?xml version="1.0" encoding="utf-8"?>
+<p:sld xmlns:a="http://schemas.openxmlformats.org/drawingml/2006/main" xmlns:r="http://schemas.openxmlformats.org/officeDocument/2006/relationships" xmlns:p="http://schemas.openxmlformats.org/presentationml/2006/main">
+  <p:cSld>
+    <p:spTree>
+      <p:nvGrpSpPr>
+        <p:cNvPr id="1" name=""/>
+        <p:cNvGrpSpPr/>
+        <p:nvPr/>
+      </p:nvGrpSpPr>
+      <p:grpSpPr>
+        <a:xfrm>
+          <a:off x="0" y="0"/>
+          <a:ext cx="0" cy="0"/>
+          <a:chOff x="0" y="0"/>
+          <a:chExt cx="0" cy="0"/>
+        </a:xfrm>
+      </p:grpSpPr>
+      <p:sp>
+        <p:nvSpPr>
+          <p:cNvPr id="4" name="Rectangle 3"/>
+          <p:cNvSpPr/>
+          <p:nvPr/>
+        </p:nvSpPr>
+        <p:spPr>
+          <a:xfrm>
+            <a:off x="-1" y="0"/>
+            <a:ext cx="10345784" cy="523220"/>
+          </a:xfrm>
+          <a:prstGeom prst="rect">
+            <a:avLst/>
+          </a:prstGeom>
+        </p:spPr>
+        <p:txBody>
+          <a:bodyPr wrap="square">
+            <a:spAutoFit/>
+          </a:bodyPr>
+          <a:lstStyle/>
+          <a:p>
+            <a:r>
+              <a:rPr lang="en-IN" sz="2800" b="1" dirty="0"/>
+              <a:t>Service Package</a:t>
+            </a:r>
+          </a:p>
+        </p:txBody>
+      </p:sp>
+    </p:spTree>
+    <p:extLst>
+      <p:ext uri="{BB962C8B-B14F-4D97-AF65-F5344CB8AC3E}">
+        <p14:creationId xmlns:p14="http://schemas.microsoft.com/office/powerpoint/2010/main" val="2201885601"/>
+      </p:ext>
+    </p:extLst>
+  </p:cSld>
+  <p:clrMapOvr>
+    <a:masterClrMapping/>
+  </p:clrMapOvr>
+</p:sld>
+</file>
+
+<file path=ppt/slides/slide42.xml><?xml version="1.0" encoding="utf-8"?>
+<p:sld xmlns:a="http://schemas.openxmlformats.org/drawingml/2006/main" xmlns:r="http://schemas.openxmlformats.org/officeDocument/2006/relationships" xmlns:p="http://schemas.openxmlformats.org/presentationml/2006/main">
+  <p:cSld>
+    <p:spTree>
+      <p:nvGrpSpPr>
+        <p:cNvPr id="1" name=""/>
+        <p:cNvGrpSpPr/>
+        <p:nvPr/>
+      </p:nvGrpSpPr>
+      <p:grpSpPr>
+        <a:xfrm>
+          <a:off x="0" y="0"/>
+          <a:ext cx="0" cy="0"/>
+          <a:chOff x="0" y="0"/>
+          <a:chExt cx="0" cy="0"/>
+        </a:xfrm>
+      </p:grpSpPr>
+      <p:sp>
+        <p:nvSpPr>
+          <p:cNvPr id="4" name="Rectangle 3"/>
+          <p:cNvSpPr/>
+          <p:nvPr/>
+        </p:nvSpPr>
+        <p:spPr>
+          <a:xfrm>
+            <a:off x="-1" y="0"/>
+            <a:ext cx="10345784" cy="523220"/>
+          </a:xfrm>
+          <a:prstGeom prst="rect">
+            <a:avLst/>
+          </a:prstGeom>
+        </p:spPr>
+        <p:txBody>
+          <a:bodyPr wrap="square">
+            <a:spAutoFit/>
+          </a:bodyPr>
+          <a:lstStyle/>
+          <a:p>
+            <a:r>
+              <a:rPr lang="en-IN" sz="2800" b="1" dirty="0"/>
+              <a:t>Service Package</a:t>
+            </a:r>
+          </a:p>
+        </p:txBody>
+      </p:sp>
+    </p:spTree>
+    <p:extLst>
+      <p:ext uri="{BB962C8B-B14F-4D97-AF65-F5344CB8AC3E}">
+        <p14:creationId xmlns:p14="http://schemas.microsoft.com/office/powerpoint/2010/main" val="1109668474"/>
+      </p:ext>
+    </p:extLst>
+  </p:cSld>
+  <p:clrMapOvr>
+    <a:masterClrMapping/>
+  </p:clrMapOvr>
+</p:sld>
+</file>
+
+<file path=ppt/slides/slide43.xml><?xml version="1.0" encoding="utf-8"?>
+<p:sld xmlns:a="http://schemas.openxmlformats.org/drawingml/2006/main" xmlns:r="http://schemas.openxmlformats.org/officeDocument/2006/relationships" xmlns:p="http://schemas.openxmlformats.org/presentationml/2006/main">
+  <p:cSld>
+    <p:spTree>
+      <p:nvGrpSpPr>
+        <p:cNvPr id="1" name=""/>
+        <p:cNvGrpSpPr/>
+        <p:nvPr/>
+      </p:nvGrpSpPr>
+      <p:grpSpPr>
+        <a:xfrm>
+          <a:off x="0" y="0"/>
+          <a:ext cx="0" cy="0"/>
+          <a:chOff x="0" y="0"/>
+          <a:chExt cx="0" cy="0"/>
+        </a:xfrm>
+      </p:grpSpPr>
+      <p:sp>
+        <p:nvSpPr>
+          <p:cNvPr id="4" name="Rectangle 3"/>
+          <p:cNvSpPr/>
+          <p:nvPr/>
+        </p:nvSpPr>
+        <p:spPr>
+          <a:xfrm>
+            <a:off x="-1" y="0"/>
+            <a:ext cx="10345784" cy="523220"/>
+          </a:xfrm>
+          <a:prstGeom prst="rect">
+            <a:avLst/>
+          </a:prstGeom>
+        </p:spPr>
+        <p:txBody>
+          <a:bodyPr wrap="square">
+            <a:spAutoFit/>
+          </a:bodyPr>
+          <a:lstStyle/>
+          <a:p>
+            <a:r>
+              <a:rPr lang="en-IN" sz="2800" b="1" dirty="0"/>
+              <a:t>Service Package</a:t>
+            </a:r>
+          </a:p>
+        </p:txBody>
+      </p:sp>
+    </p:spTree>
+    <p:extLst>
+      <p:ext uri="{BB962C8B-B14F-4D97-AF65-F5344CB8AC3E}">
+        <p14:creationId xmlns:p14="http://schemas.microsoft.com/office/powerpoint/2010/main" val="1701686777"/>
+      </p:ext>
+    </p:extLst>
+  </p:cSld>
+  <p:clrMapOvr>
+    <a:masterClrMapping/>
+  </p:clrMapOvr>
+</p:sld>
+</file>
+
+<file path=ppt/slides/slide44.xml><?xml version="1.0" encoding="utf-8"?>
+<p:sld xmlns:a="http://schemas.openxmlformats.org/drawingml/2006/main" xmlns:r="http://schemas.openxmlformats.org/officeDocument/2006/relationships" xmlns:p="http://schemas.openxmlformats.org/presentationml/2006/main">
+  <p:cSld>
+    <p:spTree>
+      <p:nvGrpSpPr>
+        <p:cNvPr id="1" name=""/>
+        <p:cNvGrpSpPr/>
+        <p:nvPr/>
+      </p:nvGrpSpPr>
+      <p:grpSpPr>
+        <a:xfrm>
+          <a:off x="0" y="0"/>
+          <a:ext cx="0" cy="0"/>
+          <a:chOff x="0" y="0"/>
+          <a:chExt cx="0" cy="0"/>
+        </a:xfrm>
+      </p:grpSpPr>
+      <p:sp>
+        <p:nvSpPr>
+          <p:cNvPr id="4" name="Rectangle 3"/>
+          <p:cNvSpPr/>
+          <p:nvPr/>
+        </p:nvSpPr>
+        <p:spPr>
+          <a:xfrm>
+            <a:off x="-1" y="0"/>
+            <a:ext cx="10345784" cy="523220"/>
+          </a:xfrm>
+          <a:prstGeom prst="rect">
+            <a:avLst/>
+          </a:prstGeom>
+        </p:spPr>
+        <p:txBody>
+          <a:bodyPr wrap="square">
+            <a:spAutoFit/>
+          </a:bodyPr>
+          <a:lstStyle/>
+          <a:p>
+            <a:r>
+              <a:rPr lang="en-IN" sz="2800" b="1" dirty="0"/>
+              <a:t>Service Package</a:t>
+            </a:r>
+          </a:p>
+        </p:txBody>
+      </p:sp>
+    </p:spTree>
+    <p:extLst>
+      <p:ext uri="{BB962C8B-B14F-4D97-AF65-F5344CB8AC3E}">
+        <p14:creationId xmlns:p14="http://schemas.microsoft.com/office/powerpoint/2010/main" val="782750162"/>
+      </p:ext>
+    </p:extLst>
+  </p:cSld>
+  <p:clrMapOvr>
+    <a:masterClrMapping/>
+  </p:clrMapOvr>
+</p:sld>
+</file>
+
+<file path=ppt/slides/slide45.xml><?xml version="1.0" encoding="utf-8"?>
+<p:sld xmlns:a="http://schemas.openxmlformats.org/drawingml/2006/main" xmlns:r="http://schemas.openxmlformats.org/officeDocument/2006/relationships" xmlns:p="http://schemas.openxmlformats.org/presentationml/2006/main">
+  <p:cSld>
+    <p:spTree>
+      <p:nvGrpSpPr>
+        <p:cNvPr id="1" name=""/>
+        <p:cNvGrpSpPr/>
+        <p:nvPr/>
+      </p:nvGrpSpPr>
+      <p:grpSpPr>
+        <a:xfrm>
+          <a:off x="0" y="0"/>
+          <a:ext cx="0" cy="0"/>
+          <a:chOff x="0" y="0"/>
+          <a:chExt cx="0" cy="0"/>
+        </a:xfrm>
+      </p:grpSpPr>
+      <p:sp>
+        <p:nvSpPr>
+          <p:cNvPr id="4" name="Rectangle 3"/>
+          <p:cNvSpPr/>
+          <p:nvPr/>
+        </p:nvSpPr>
+        <p:spPr>
+          <a:xfrm>
+            <a:off x="-1" y="0"/>
+            <a:ext cx="10345784" cy="523220"/>
+          </a:xfrm>
+          <a:prstGeom prst="rect">
+            <a:avLst/>
+          </a:prstGeom>
+        </p:spPr>
+        <p:txBody>
+          <a:bodyPr wrap="square">
+            <a:spAutoFit/>
+          </a:bodyPr>
+          <a:lstStyle/>
+          <a:p>
+            <a:r>
+              <a:rPr lang="en-IN" sz="2800" b="1" dirty="0"/>
+              <a:t>Service Package</a:t>
+            </a:r>
+          </a:p>
+        </p:txBody>
+      </p:sp>
+    </p:spTree>
+    <p:extLst>
+      <p:ext uri="{BB962C8B-B14F-4D97-AF65-F5344CB8AC3E}">
+        <p14:creationId xmlns:p14="http://schemas.microsoft.com/office/powerpoint/2010/main" val="2357236628"/>
       </p:ext>
     </p:extLst>
   </p:cSld>
@@ -12822,10 +18984,9 @@
           <a:lstStyle/>
           <a:p>
             <a:r>
-              <a:rPr lang="en-IN" sz="2800" b="1" dirty="0" smtClean="0"/>
+              <a:rPr lang="en-IN" sz="2800" b="1" dirty="0"/>
               <a:t>Introduction</a:t>
             </a:r>
-            <a:endParaRPr lang="en-IN" sz="2800" b="1" dirty="0"/>
           </a:p>
         </p:txBody>
       </p:sp>
@@ -12857,16 +19018,7 @@
                 </a:solidFill>
                 <a:latin typeface="Times New Roman" panose="02020603050405020304" pitchFamily="18" charset="0"/>
               </a:rPr>
-              <a:t>India’s GDP </a:t>
-            </a:r>
-            <a:r>
-              <a:rPr lang="en-US" sz="3200" dirty="0" smtClean="0">
-                <a:solidFill>
-                  <a:srgbClr val="000000"/>
-                </a:solidFill>
-                <a:latin typeface="Times New Roman" panose="02020603050405020304" pitchFamily="18" charset="0"/>
-              </a:rPr>
-              <a:t>(2022) is </a:t>
+              <a:t>India’s GDP (2022) is </a:t>
             </a:r>
             <a:r>
               <a:rPr lang="en-US" sz="3200" dirty="0">
@@ -13387,10 +19539,9 @@
           <a:lstStyle/>
           <a:p>
             <a:r>
-              <a:rPr lang="en-IN" sz="2800" b="1" dirty="0" smtClean="0"/>
+              <a:rPr lang="en-IN" sz="2800" b="1" dirty="0"/>
               <a:t>Introduction</a:t>
             </a:r>
-            <a:endParaRPr lang="en-IN" sz="2800" b="1" dirty="0"/>
           </a:p>
         </p:txBody>
       </p:sp>
@@ -13422,16 +19573,7 @@
                 </a:solidFill>
                 <a:latin typeface="Times New Roman" panose="02020603050405020304" pitchFamily="18" charset="0"/>
               </a:rPr>
-              <a:t>India’s GDP </a:t>
-            </a:r>
-            <a:r>
-              <a:rPr lang="en-US" sz="3200" dirty="0" smtClean="0">
-                <a:solidFill>
-                  <a:srgbClr val="000000"/>
-                </a:solidFill>
-                <a:latin typeface="Times New Roman" panose="02020603050405020304" pitchFamily="18" charset="0"/>
-              </a:rPr>
-              <a:t>(2022) is </a:t>
+              <a:t>India’s GDP (2022) is </a:t>
             </a:r>
             <a:r>
               <a:rPr lang="en-US" sz="3200" dirty="0">
@@ -14313,10 +20455,9 @@
           <a:lstStyle/>
           <a:p>
             <a:r>
-              <a:rPr lang="en-IN" sz="2800" b="1" dirty="0" smtClean="0"/>
+              <a:rPr lang="en-IN" sz="2800" b="1" dirty="0"/>
               <a:t>Introduction</a:t>
             </a:r>
-            <a:endParaRPr lang="en-IN" sz="2800" b="1" dirty="0"/>
           </a:p>
         </p:txBody>
       </p:sp>
@@ -14342,40 +20483,13 @@
           <a:lstStyle/>
           <a:p>
             <a:r>
-              <a:rPr lang="en-US" sz="3200" dirty="0" smtClean="0">
-                <a:solidFill>
-                  <a:srgbClr val="000000"/>
-                </a:solidFill>
-                <a:latin typeface="Times New Roman" panose="02020603050405020304" pitchFamily="18" charset="0"/>
-              </a:rPr>
-              <a:t>USA’s </a:t>
-            </a:r>
-            <a:r>
               <a:rPr lang="en-US" sz="3200" dirty="0">
                 <a:solidFill>
                   <a:srgbClr val="000000"/>
                 </a:solidFill>
                 <a:latin typeface="Times New Roman" panose="02020603050405020304" pitchFamily="18" charset="0"/>
               </a:rPr>
-              <a:t>GDP </a:t>
-            </a:r>
-            <a:r>
-              <a:rPr lang="en-US" sz="3200" dirty="0" smtClean="0">
-                <a:solidFill>
-                  <a:srgbClr val="000000"/>
-                </a:solidFill>
-                <a:latin typeface="Times New Roman" panose="02020603050405020304" pitchFamily="18" charset="0"/>
-              </a:rPr>
-              <a:t>(2022) is </a:t>
-            </a:r>
-            <a:r>
-              <a:rPr lang="en-US" sz="3200" dirty="0" smtClean="0">
-                <a:solidFill>
-                  <a:srgbClr val="FF0000"/>
-                </a:solidFill>
-                <a:latin typeface="Times New Roman" panose="02020603050405020304" pitchFamily="18" charset="0"/>
-              </a:rPr>
-              <a:t>2071 </a:t>
+              <a:t>USA’s GDP (2022) is </a:t>
             </a:r>
             <a:r>
               <a:rPr lang="en-US" sz="3200" dirty="0">
@@ -14384,7 +20498,7 @@
                 </a:solidFill>
                 <a:latin typeface="Times New Roman" panose="02020603050405020304" pitchFamily="18" charset="0"/>
               </a:rPr>
-              <a:t>lakh crores</a:t>
+              <a:t>2071 lakh crores</a:t>
             </a:r>
           </a:p>
         </p:txBody>
@@ -14498,7 +20612,7 @@
                     <a:p>
                       <a:pPr algn="r" fontAlgn="ctr"/>
                       <a:r>
-                        <a:rPr lang="en-IN" sz="4000" b="1" u="none" strike="noStrike" dirty="0" smtClean="0">
+                        <a:rPr lang="en-IN" sz="4000" b="1" u="none" strike="noStrike" dirty="0">
                           <a:solidFill>
                             <a:srgbClr val="FF0000"/>
                           </a:solidFill>
@@ -14869,7 +20983,7 @@
                     <a:p>
                       <a:pPr algn="ctr" fontAlgn="ctr"/>
                       <a:r>
-                        <a:rPr lang="en-IN" sz="4000" u="none" strike="noStrike" dirty="0" smtClean="0">
+                        <a:rPr lang="en-IN" sz="4000" u="none" strike="noStrike" dirty="0">
                           <a:effectLst/>
                         </a:rPr>
                         <a:t>1%</a:t>
@@ -14925,7 +21039,7 @@
                     <a:p>
                       <a:pPr algn="ctr" fontAlgn="ctr"/>
                       <a:r>
-                        <a:rPr lang="en-IN" sz="4000" u="none" strike="noStrike" dirty="0" smtClean="0">
+                        <a:rPr lang="en-IN" sz="4000" u="none" strike="noStrike" dirty="0">
                           <a:effectLst/>
                         </a:rPr>
                         <a:t>19%</a:t>
@@ -14981,7 +21095,7 @@
                     <a:p>
                       <a:pPr algn="ctr" fontAlgn="ctr"/>
                       <a:r>
-                        <a:rPr lang="en-IN" sz="4000" b="1" u="none" strike="noStrike" dirty="0" smtClean="0">
+                        <a:rPr lang="en-IN" sz="4000" b="1" u="none" strike="noStrike" dirty="0">
                           <a:solidFill>
                             <a:srgbClr val="FF0000"/>
                           </a:solidFill>
@@ -15039,7 +21153,7 @@
                     <a:p>
                       <a:pPr algn="ctr" fontAlgn="ctr"/>
                       <a:r>
-                        <a:rPr lang="en-IN" sz="4000" b="0" i="0" u="none" strike="noStrike" dirty="0" smtClean="0">
+                        <a:rPr lang="en-IN" sz="4000" b="0" i="0" u="none" strike="noStrike" dirty="0">
                           <a:solidFill>
                             <a:schemeClr val="dk1"/>
                           </a:solidFill>
@@ -15099,7 +21213,7 @@
                     <a:p>
                       <a:pPr algn="ctr" fontAlgn="ctr"/>
                       <a:r>
-                        <a:rPr lang="en-IN" sz="4000" b="1" i="0" u="none" strike="noStrike" dirty="0" smtClean="0">
+                        <a:rPr lang="en-IN" sz="4000" b="1" i="0" u="none" strike="noStrike" dirty="0">
                           <a:solidFill>
                             <a:srgbClr val="000000"/>
                           </a:solidFill>
@@ -15108,13 +21222,6 @@
                         </a:rPr>
                         <a:t>393</a:t>
                       </a:r>
-                      <a:endParaRPr lang="en-IN" sz="4000" b="1" i="0" u="none" strike="noStrike" dirty="0">
-                        <a:solidFill>
-                          <a:srgbClr val="000000"/>
-                        </a:solidFill>
-                        <a:effectLst/>
-                        <a:latin typeface="Calibri" panose="020F0502020204030204" pitchFamily="34" charset="0"/>
-                      </a:endParaRPr>
                     </a:p>
                   </a:txBody>
                   <a:tcPr marL="7620" marR="7620" marT="7620" marB="0" anchor="ctr">
@@ -15159,7 +21266,7 @@
                     <a:p>
                       <a:pPr algn="ctr" fontAlgn="ctr"/>
                       <a:r>
-                        <a:rPr lang="en-IN" sz="4000" b="1" u="none" strike="noStrike" dirty="0" smtClean="0">
+                        <a:rPr lang="en-IN" sz="4000" b="1" u="none" strike="noStrike" dirty="0">
                           <a:solidFill>
                             <a:srgbClr val="FF0000"/>
                           </a:solidFill>
@@ -15265,10 +21372,9 @@
           <a:lstStyle/>
           <a:p>
             <a:r>
-              <a:rPr lang="en-IN" sz="2800" b="1" dirty="0" smtClean="0"/>
+              <a:rPr lang="en-IN" sz="2800" b="1" dirty="0"/>
               <a:t>Introduction</a:t>
             </a:r>
-            <a:endParaRPr lang="en-IN" sz="2800" b="1" dirty="0"/>
           </a:p>
         </p:txBody>
       </p:sp>
@@ -15294,7 +21400,7 @@
           <a:lstStyle/>
           <a:p>
             <a:r>
-              <a:rPr lang="en-US" sz="3200" b="0" i="1" dirty="0" smtClean="0">
+              <a:rPr lang="en-US" sz="3200" b="0" i="1" dirty="0">
                 <a:solidFill>
                   <a:srgbClr val="000000"/>
                 </a:solidFill>
@@ -15306,7 +21412,7 @@
           </a:p>
           <a:p>
             <a:r>
-              <a:rPr lang="en-US" sz="3200" b="0" i="1" dirty="0" smtClean="0">
+              <a:rPr lang="en-US" sz="3200" b="0" i="1" dirty="0">
                 <a:solidFill>
                   <a:srgbClr val="FF0000"/>
                 </a:solidFill>
@@ -15316,7 +21422,7 @@
               <a:t>trade, hotel and restaurants, transport, storage and communication, financing, insurance, real estate, business services, community, social and personal services, and services associated with Health Care, Technology, Institution (Health Care), Tourism</a:t>
             </a:r>
             <a:r>
-              <a:rPr lang="en-US" sz="3200" b="0" i="1" dirty="0" smtClean="0">
+              <a:rPr lang="en-US" sz="3200" b="0" i="1" dirty="0">
                 <a:solidFill>
                   <a:srgbClr val="000000"/>
                 </a:solidFill>
@@ -15381,10 +21487,9 @@
           <a:lstStyle/>
           <a:p>
             <a:r>
-              <a:rPr lang="en-IN" sz="2800" b="1" dirty="0" smtClean="0"/>
+              <a:rPr lang="en-IN" sz="2800" b="1" dirty="0"/>
               <a:t>Introduction</a:t>
             </a:r>
-            <a:endParaRPr lang="en-IN" sz="2800" b="1" dirty="0"/>
           </a:p>
         </p:txBody>
       </p:sp>
@@ -15684,4 +21789,265 @@
     </a:ext>
   </a:extLst>
 </a:theme>
+</file>
+
+<file path=ppt/theme/theme2.xml><?xml version="1.0" encoding="utf-8"?>
+<a:theme xmlns:a="http://schemas.openxmlformats.org/drawingml/2006/main" name="Office Theme">
+  <a:themeElements>
+    <a:clrScheme name="Office">
+      <a:dk1>
+        <a:sysClr val="windowText" lastClr="000000"/>
+      </a:dk1>
+      <a:lt1>
+        <a:sysClr val="window" lastClr="FFFFFF"/>
+      </a:lt1>
+      <a:dk2>
+        <a:srgbClr val="44546A"/>
+      </a:dk2>
+      <a:lt2>
+        <a:srgbClr val="E7E6E6"/>
+      </a:lt2>
+      <a:accent1>
+        <a:srgbClr val="5B9BD5"/>
+      </a:accent1>
+      <a:accent2>
+        <a:srgbClr val="ED7D31"/>
+      </a:accent2>
+      <a:accent3>
+        <a:srgbClr val="A5A5A5"/>
+      </a:accent3>
+      <a:accent4>
+        <a:srgbClr val="FFC000"/>
+      </a:accent4>
+      <a:accent5>
+        <a:srgbClr val="4472C4"/>
+      </a:accent5>
+      <a:accent6>
+        <a:srgbClr val="70AD47"/>
+      </a:accent6>
+      <a:hlink>
+        <a:srgbClr val="0563C1"/>
+      </a:hlink>
+      <a:folHlink>
+        <a:srgbClr val="954F72"/>
+      </a:folHlink>
+    </a:clrScheme>
+    <a:fontScheme name="Office">
+      <a:majorFont>
+        <a:latin typeface="Calibri Light" panose="020F0302020204030204"/>
+        <a:ea typeface=""/>
+        <a:cs typeface=""/>
+        <a:font script="Jpan" typeface="游ゴシック Light"/>
+        <a:font script="Hang" typeface="맑은 고딕"/>
+        <a:font script="Hans" typeface="等线 Light"/>
+        <a:font script="Hant" typeface="新細明體"/>
+        <a:font script="Arab" typeface="Times New Roman"/>
+        <a:font script="Hebr" typeface="Times New Roman"/>
+        <a:font script="Thai" typeface="Angsana New"/>
+        <a:font script="Ethi" typeface="Nyala"/>
+        <a:font script="Beng" typeface="Vrinda"/>
+        <a:font script="Gujr" typeface="Shruti"/>
+        <a:font script="Khmr" typeface="MoolBoran"/>
+        <a:font script="Knda" typeface="Tunga"/>
+        <a:font script="Guru" typeface="Raavi"/>
+        <a:font script="Cans" typeface="Euphemia"/>
+        <a:font script="Cher" typeface="Plantagenet Cherokee"/>
+        <a:font script="Yiii" typeface="Microsoft Yi Baiti"/>
+        <a:font script="Tibt" typeface="Microsoft Himalaya"/>
+        <a:font script="Thaa" typeface="MV Boli"/>
+        <a:font script="Deva" typeface="Mangal"/>
+        <a:font script="Telu" typeface="Gautami"/>
+        <a:font script="Taml" typeface="Latha"/>
+        <a:font script="Syrc" typeface="Estrangelo Edessa"/>
+        <a:font script="Orya" typeface="Kalinga"/>
+        <a:font script="Mlym" typeface="Kartika"/>
+        <a:font script="Laoo" typeface="DokChampa"/>
+        <a:font script="Sinh" typeface="Iskoola Pota"/>
+        <a:font script="Mong" typeface="Mongolian Baiti"/>
+        <a:font script="Viet" typeface="Times New Roman"/>
+        <a:font script="Uigh" typeface="Microsoft Uighur"/>
+        <a:font script="Geor" typeface="Sylfaen"/>
+      </a:majorFont>
+      <a:minorFont>
+        <a:latin typeface="Calibri" panose="020F0502020204030204"/>
+        <a:ea typeface=""/>
+        <a:cs typeface=""/>
+        <a:font script="Jpan" typeface="游ゴシック"/>
+        <a:font script="Hang" typeface="맑은 고딕"/>
+        <a:font script="Hans" typeface="等线"/>
+        <a:font script="Hant" typeface="新細明體"/>
+        <a:font script="Arab" typeface="Arial"/>
+        <a:font script="Hebr" typeface="Arial"/>
+        <a:font script="Thai" typeface="Cordia New"/>
+        <a:font script="Ethi" typeface="Nyala"/>
+        <a:font script="Beng" typeface="Vrinda"/>
+        <a:font script="Gujr" typeface="Shruti"/>
+        <a:font script="Khmr" typeface="DaunPenh"/>
+        <a:font script="Knda" typeface="Tunga"/>
+        <a:font script="Guru" typeface="Raavi"/>
+        <a:font script="Cans" typeface="Euphemia"/>
+        <a:font script="Cher" typeface="Plantagenet Cherokee"/>
+        <a:font script="Yiii" typeface="Microsoft Yi Baiti"/>
+        <a:font script="Tibt" typeface="Microsoft Himalaya"/>
+        <a:font script="Thaa" typeface="MV Boli"/>
+        <a:font script="Deva" typeface="Mangal"/>
+        <a:font script="Telu" typeface="Gautami"/>
+        <a:font script="Taml" typeface="Latha"/>
+        <a:font script="Syrc" typeface="Estrangelo Edessa"/>
+        <a:font script="Orya" typeface="Kalinga"/>
+        <a:font script="Mlym" typeface="Kartika"/>
+        <a:font script="Laoo" typeface="DokChampa"/>
+        <a:font script="Sinh" typeface="Iskoola Pota"/>
+        <a:font script="Mong" typeface="Mongolian Baiti"/>
+        <a:font script="Viet" typeface="Arial"/>
+        <a:font script="Uigh" typeface="Microsoft Uighur"/>
+        <a:font script="Geor" typeface="Sylfaen"/>
+      </a:minorFont>
+    </a:fontScheme>
+    <a:fmtScheme name="Office">
+      <a:fillStyleLst>
+        <a:solidFill>
+          <a:schemeClr val="phClr"/>
+        </a:solidFill>
+        <a:gradFill rotWithShape="1">
+          <a:gsLst>
+            <a:gs pos="0">
+              <a:schemeClr val="phClr">
+                <a:lumMod val="110000"/>
+                <a:satMod val="105000"/>
+                <a:tint val="67000"/>
+              </a:schemeClr>
+            </a:gs>
+            <a:gs pos="50000">
+              <a:schemeClr val="phClr">
+                <a:lumMod val="105000"/>
+                <a:satMod val="103000"/>
+                <a:tint val="73000"/>
+              </a:schemeClr>
+            </a:gs>
+            <a:gs pos="100000">
+              <a:schemeClr val="phClr">
+                <a:lumMod val="105000"/>
+                <a:satMod val="109000"/>
+                <a:tint val="81000"/>
+              </a:schemeClr>
+            </a:gs>
+          </a:gsLst>
+          <a:lin ang="5400000" scaled="0"/>
+        </a:gradFill>
+        <a:gradFill rotWithShape="1">
+          <a:gsLst>
+            <a:gs pos="0">
+              <a:schemeClr val="phClr">
+                <a:satMod val="103000"/>
+                <a:lumMod val="102000"/>
+                <a:tint val="94000"/>
+              </a:schemeClr>
+            </a:gs>
+            <a:gs pos="50000">
+              <a:schemeClr val="phClr">
+                <a:satMod val="110000"/>
+                <a:lumMod val="100000"/>
+                <a:shade val="100000"/>
+              </a:schemeClr>
+            </a:gs>
+            <a:gs pos="100000">
+              <a:schemeClr val="phClr">
+                <a:lumMod val="99000"/>
+                <a:satMod val="120000"/>
+                <a:shade val="78000"/>
+              </a:schemeClr>
+            </a:gs>
+          </a:gsLst>
+          <a:lin ang="5400000" scaled="0"/>
+        </a:gradFill>
+      </a:fillStyleLst>
+      <a:lnStyleLst>
+        <a:ln w="6350" cap="flat" cmpd="sng" algn="ctr">
+          <a:solidFill>
+            <a:schemeClr val="phClr"/>
+          </a:solidFill>
+          <a:prstDash val="solid"/>
+          <a:miter lim="800000"/>
+        </a:ln>
+        <a:ln w="12700" cap="flat" cmpd="sng" algn="ctr">
+          <a:solidFill>
+            <a:schemeClr val="phClr"/>
+          </a:solidFill>
+          <a:prstDash val="solid"/>
+          <a:miter lim="800000"/>
+        </a:ln>
+        <a:ln w="19050" cap="flat" cmpd="sng" algn="ctr">
+          <a:solidFill>
+            <a:schemeClr val="phClr"/>
+          </a:solidFill>
+          <a:prstDash val="solid"/>
+          <a:miter lim="800000"/>
+        </a:ln>
+      </a:lnStyleLst>
+      <a:effectStyleLst>
+        <a:effectStyle>
+          <a:effectLst/>
+        </a:effectStyle>
+        <a:effectStyle>
+          <a:effectLst/>
+        </a:effectStyle>
+        <a:effectStyle>
+          <a:effectLst>
+            <a:outerShdw blurRad="57150" dist="19050" dir="5400000" algn="ctr" rotWithShape="0">
+              <a:srgbClr val="000000">
+                <a:alpha val="63000"/>
+              </a:srgbClr>
+            </a:outerShdw>
+          </a:effectLst>
+        </a:effectStyle>
+      </a:effectStyleLst>
+      <a:bgFillStyleLst>
+        <a:solidFill>
+          <a:schemeClr val="phClr"/>
+        </a:solidFill>
+        <a:solidFill>
+          <a:schemeClr val="phClr">
+            <a:tint val="95000"/>
+            <a:satMod val="170000"/>
+          </a:schemeClr>
+        </a:solidFill>
+        <a:gradFill rotWithShape="1">
+          <a:gsLst>
+            <a:gs pos="0">
+              <a:schemeClr val="phClr">
+                <a:tint val="93000"/>
+                <a:satMod val="150000"/>
+                <a:shade val="98000"/>
+                <a:lumMod val="102000"/>
+              </a:schemeClr>
+            </a:gs>
+            <a:gs pos="50000">
+              <a:schemeClr val="phClr">
+                <a:tint val="98000"/>
+                <a:satMod val="130000"/>
+                <a:shade val="90000"/>
+                <a:lumMod val="103000"/>
+              </a:schemeClr>
+            </a:gs>
+            <a:gs pos="100000">
+              <a:schemeClr val="phClr">
+                <a:shade val="63000"/>
+                <a:satMod val="120000"/>
+              </a:schemeClr>
+            </a:gs>
+          </a:gsLst>
+          <a:lin ang="5400000" scaled="0"/>
+        </a:gradFill>
+      </a:bgFillStyleLst>
+    </a:fmtScheme>
+  </a:themeElements>
+  <a:objectDefaults/>
+  <a:extraClrSchemeLst/>
+  <a:extLst>
+    <a:ext uri="{05A4C25C-085E-4340-85A3-A5531E510DB2}">
+      <thm15:themeFamily xmlns:thm15="http://schemas.microsoft.com/office/thememl/2012/main" name="Office Theme" id="{62F939B6-93AF-4DB8-9C6B-D6C7DFDC589F}" vid="{4A3C46E8-61CC-4603-A589-7422A47A8E4A}"/>
+    </a:ext>
+  </a:extLst>
+</a:theme>
 </file>